--- a/UserGuide/source/images/WPProcess.pptx
+++ b/UserGuide/source/images/WPProcess.pptx
@@ -6,6 +6,8 @@
   </p:sldMasterIdLst>
   <p:sldIdLst>
     <p:sldId id="256" r:id="rId2"/>
+    <p:sldId id="257" r:id="rId3"/>
+    <p:sldId id="258" r:id="rId4"/>
   </p:sldIdLst>
   <p:sldSz cx="9144000" cy="6858000" type="screen4x3"/>
   <p:notesSz cx="6858000" cy="9144000"/>
@@ -108,6 +110,1500 @@
 </file>
 
 <file path=ppt/diagrams/colors1.xml><?xml version="1.0" encoding="utf-8"?>
+<dgm:colorsDef xmlns:dgm="http://schemas.openxmlformats.org/drawingml/2006/diagram" xmlns:a="http://schemas.openxmlformats.org/drawingml/2006/main" uniqueId="urn:microsoft.com/office/officeart/2005/8/colors/accent1_2">
+  <dgm:title val=""/>
+  <dgm:desc val=""/>
+  <dgm:catLst>
+    <dgm:cat type="accent1" pri="11200"/>
+  </dgm:catLst>
+  <dgm:styleLbl name="node0">
+    <dgm:fillClrLst meth="repeat">
+      <a:schemeClr val="accent1"/>
+    </dgm:fillClrLst>
+    <dgm:linClrLst meth="repeat">
+      <a:schemeClr val="lt1"/>
+    </dgm:linClrLst>
+    <dgm:effectClrLst/>
+    <dgm:txLinClrLst/>
+    <dgm:txFillClrLst/>
+    <dgm:txEffectClrLst/>
+  </dgm:styleLbl>
+  <dgm:styleLbl name="alignNode1">
+    <dgm:fillClrLst meth="repeat">
+      <a:schemeClr val="accent1"/>
+    </dgm:fillClrLst>
+    <dgm:linClrLst meth="repeat">
+      <a:schemeClr val="accent1"/>
+    </dgm:linClrLst>
+    <dgm:effectClrLst/>
+    <dgm:txLinClrLst/>
+    <dgm:txFillClrLst/>
+    <dgm:txEffectClrLst/>
+  </dgm:styleLbl>
+  <dgm:styleLbl name="node1">
+    <dgm:fillClrLst meth="repeat">
+      <a:schemeClr val="accent1"/>
+    </dgm:fillClrLst>
+    <dgm:linClrLst meth="repeat">
+      <a:schemeClr val="lt1"/>
+    </dgm:linClrLst>
+    <dgm:effectClrLst/>
+    <dgm:txLinClrLst/>
+    <dgm:txFillClrLst/>
+    <dgm:txEffectClrLst/>
+  </dgm:styleLbl>
+  <dgm:styleLbl name="lnNode1">
+    <dgm:fillClrLst meth="repeat">
+      <a:schemeClr val="accent1"/>
+    </dgm:fillClrLst>
+    <dgm:linClrLst meth="repeat">
+      <a:schemeClr val="lt1"/>
+    </dgm:linClrLst>
+    <dgm:effectClrLst/>
+    <dgm:txLinClrLst/>
+    <dgm:txFillClrLst/>
+    <dgm:txEffectClrLst/>
+  </dgm:styleLbl>
+  <dgm:styleLbl name="vennNode1">
+    <dgm:fillClrLst meth="repeat">
+      <a:schemeClr val="accent1">
+        <a:alpha val="50000"/>
+      </a:schemeClr>
+    </dgm:fillClrLst>
+    <dgm:linClrLst meth="repeat">
+      <a:schemeClr val="lt1"/>
+    </dgm:linClrLst>
+    <dgm:effectClrLst/>
+    <dgm:txLinClrLst/>
+    <dgm:txFillClrLst/>
+    <dgm:txEffectClrLst/>
+  </dgm:styleLbl>
+  <dgm:styleLbl name="node2">
+    <dgm:fillClrLst meth="repeat">
+      <a:schemeClr val="accent1"/>
+    </dgm:fillClrLst>
+    <dgm:linClrLst meth="repeat">
+      <a:schemeClr val="lt1"/>
+    </dgm:linClrLst>
+    <dgm:effectClrLst/>
+    <dgm:txLinClrLst/>
+    <dgm:txFillClrLst/>
+    <dgm:txEffectClrLst/>
+  </dgm:styleLbl>
+  <dgm:styleLbl name="node3">
+    <dgm:fillClrLst meth="repeat">
+      <a:schemeClr val="accent1"/>
+    </dgm:fillClrLst>
+    <dgm:linClrLst meth="repeat">
+      <a:schemeClr val="lt1"/>
+    </dgm:linClrLst>
+    <dgm:effectClrLst/>
+    <dgm:txLinClrLst/>
+    <dgm:txFillClrLst/>
+    <dgm:txEffectClrLst/>
+  </dgm:styleLbl>
+  <dgm:styleLbl name="node4">
+    <dgm:fillClrLst meth="repeat">
+      <a:schemeClr val="accent1"/>
+    </dgm:fillClrLst>
+    <dgm:linClrLst meth="repeat">
+      <a:schemeClr val="lt1"/>
+    </dgm:linClrLst>
+    <dgm:effectClrLst/>
+    <dgm:txLinClrLst/>
+    <dgm:txFillClrLst/>
+    <dgm:txEffectClrLst/>
+  </dgm:styleLbl>
+  <dgm:styleLbl name="fgImgPlace1">
+    <dgm:fillClrLst meth="repeat">
+      <a:schemeClr val="accent1">
+        <a:tint val="50000"/>
+      </a:schemeClr>
+    </dgm:fillClrLst>
+    <dgm:linClrLst meth="repeat">
+      <a:schemeClr val="lt1"/>
+    </dgm:linClrLst>
+    <dgm:effectClrLst/>
+    <dgm:txLinClrLst/>
+    <dgm:txFillClrLst meth="repeat">
+      <a:schemeClr val="lt1"/>
+    </dgm:txFillClrLst>
+    <dgm:txEffectClrLst/>
+  </dgm:styleLbl>
+  <dgm:styleLbl name="alignImgPlace1">
+    <dgm:fillClrLst meth="repeat">
+      <a:schemeClr val="accent1">
+        <a:tint val="50000"/>
+      </a:schemeClr>
+    </dgm:fillClrLst>
+    <dgm:linClrLst meth="repeat">
+      <a:schemeClr val="lt1"/>
+    </dgm:linClrLst>
+    <dgm:effectClrLst/>
+    <dgm:txLinClrLst/>
+    <dgm:txFillClrLst meth="repeat">
+      <a:schemeClr val="lt1"/>
+    </dgm:txFillClrLst>
+    <dgm:txEffectClrLst/>
+  </dgm:styleLbl>
+  <dgm:styleLbl name="bgImgPlace1">
+    <dgm:fillClrLst meth="repeat">
+      <a:schemeClr val="accent1">
+        <a:tint val="50000"/>
+      </a:schemeClr>
+    </dgm:fillClrLst>
+    <dgm:linClrLst meth="repeat">
+      <a:schemeClr val="lt1"/>
+    </dgm:linClrLst>
+    <dgm:effectClrLst/>
+    <dgm:txLinClrLst/>
+    <dgm:txFillClrLst meth="repeat">
+      <a:schemeClr val="lt1"/>
+    </dgm:txFillClrLst>
+    <dgm:txEffectClrLst/>
+  </dgm:styleLbl>
+  <dgm:styleLbl name="sibTrans2D1">
+    <dgm:fillClrLst meth="repeat">
+      <a:schemeClr val="accent1">
+        <a:tint val="60000"/>
+      </a:schemeClr>
+    </dgm:fillClrLst>
+    <dgm:linClrLst meth="repeat">
+      <a:schemeClr val="accent1">
+        <a:tint val="60000"/>
+      </a:schemeClr>
+    </dgm:linClrLst>
+    <dgm:effectClrLst/>
+    <dgm:txLinClrLst/>
+    <dgm:txFillClrLst/>
+    <dgm:txEffectClrLst/>
+  </dgm:styleLbl>
+  <dgm:styleLbl name="fgSibTrans2D1">
+    <dgm:fillClrLst meth="repeat">
+      <a:schemeClr val="accent1">
+        <a:tint val="60000"/>
+      </a:schemeClr>
+    </dgm:fillClrLst>
+    <dgm:linClrLst meth="repeat">
+      <a:schemeClr val="accent1">
+        <a:tint val="60000"/>
+      </a:schemeClr>
+    </dgm:linClrLst>
+    <dgm:effectClrLst/>
+    <dgm:txLinClrLst/>
+    <dgm:txFillClrLst/>
+    <dgm:txEffectClrLst/>
+  </dgm:styleLbl>
+  <dgm:styleLbl name="bgSibTrans2D1">
+    <dgm:fillClrLst meth="repeat">
+      <a:schemeClr val="accent1">
+        <a:tint val="60000"/>
+      </a:schemeClr>
+    </dgm:fillClrLst>
+    <dgm:linClrLst meth="repeat">
+      <a:schemeClr val="accent1">
+        <a:tint val="60000"/>
+      </a:schemeClr>
+    </dgm:linClrLst>
+    <dgm:effectClrLst/>
+    <dgm:txLinClrLst/>
+    <dgm:txFillClrLst/>
+    <dgm:txEffectClrLst/>
+  </dgm:styleLbl>
+  <dgm:styleLbl name="sibTrans1D1">
+    <dgm:fillClrLst meth="repeat">
+      <a:schemeClr val="accent1"/>
+    </dgm:fillClrLst>
+    <dgm:linClrLst meth="repeat">
+      <a:schemeClr val="accent1"/>
+    </dgm:linClrLst>
+    <dgm:effectClrLst/>
+    <dgm:txLinClrLst/>
+    <dgm:txFillClrLst meth="repeat">
+      <a:schemeClr val="tx1"/>
+    </dgm:txFillClrLst>
+    <dgm:txEffectClrLst/>
+  </dgm:styleLbl>
+  <dgm:styleLbl name="callout">
+    <dgm:fillClrLst meth="repeat">
+      <a:schemeClr val="accent1"/>
+    </dgm:fillClrLst>
+    <dgm:linClrLst meth="repeat">
+      <a:schemeClr val="accent1">
+        <a:tint val="50000"/>
+      </a:schemeClr>
+    </dgm:linClrLst>
+    <dgm:effectClrLst/>
+    <dgm:txLinClrLst/>
+    <dgm:txFillClrLst meth="repeat">
+      <a:schemeClr val="tx1"/>
+    </dgm:txFillClrLst>
+    <dgm:txEffectClrLst/>
+  </dgm:styleLbl>
+  <dgm:styleLbl name="asst0">
+    <dgm:fillClrLst meth="repeat">
+      <a:schemeClr val="accent1"/>
+    </dgm:fillClrLst>
+    <dgm:linClrLst meth="repeat">
+      <a:schemeClr val="lt1"/>
+    </dgm:linClrLst>
+    <dgm:effectClrLst/>
+    <dgm:txLinClrLst/>
+    <dgm:txFillClrLst/>
+    <dgm:txEffectClrLst/>
+  </dgm:styleLbl>
+  <dgm:styleLbl name="asst1">
+    <dgm:fillClrLst meth="repeat">
+      <a:schemeClr val="accent1"/>
+    </dgm:fillClrLst>
+    <dgm:linClrLst meth="repeat">
+      <a:schemeClr val="lt1"/>
+    </dgm:linClrLst>
+    <dgm:effectClrLst/>
+    <dgm:txLinClrLst/>
+    <dgm:txFillClrLst/>
+    <dgm:txEffectClrLst/>
+  </dgm:styleLbl>
+  <dgm:styleLbl name="asst2">
+    <dgm:fillClrLst meth="repeat">
+      <a:schemeClr val="accent1"/>
+    </dgm:fillClrLst>
+    <dgm:linClrLst meth="repeat">
+      <a:schemeClr val="lt1"/>
+    </dgm:linClrLst>
+    <dgm:effectClrLst/>
+    <dgm:txLinClrLst/>
+    <dgm:txFillClrLst/>
+    <dgm:txEffectClrLst/>
+  </dgm:styleLbl>
+  <dgm:styleLbl name="asst3">
+    <dgm:fillClrLst meth="repeat">
+      <a:schemeClr val="accent1"/>
+    </dgm:fillClrLst>
+    <dgm:linClrLst meth="repeat">
+      <a:schemeClr val="lt1"/>
+    </dgm:linClrLst>
+    <dgm:effectClrLst/>
+    <dgm:txLinClrLst/>
+    <dgm:txFillClrLst/>
+    <dgm:txEffectClrLst/>
+  </dgm:styleLbl>
+  <dgm:styleLbl name="asst4">
+    <dgm:fillClrLst meth="repeat">
+      <a:schemeClr val="accent1"/>
+    </dgm:fillClrLst>
+    <dgm:linClrLst meth="repeat">
+      <a:schemeClr val="lt1"/>
+    </dgm:linClrLst>
+    <dgm:effectClrLst/>
+    <dgm:txLinClrLst/>
+    <dgm:txFillClrLst/>
+    <dgm:txEffectClrLst/>
+  </dgm:styleLbl>
+  <dgm:styleLbl name="parChTrans2D1">
+    <dgm:fillClrLst meth="repeat">
+      <a:schemeClr val="accent1">
+        <a:tint val="60000"/>
+      </a:schemeClr>
+    </dgm:fillClrLst>
+    <dgm:linClrLst meth="repeat">
+      <a:schemeClr val="accent1">
+        <a:tint val="60000"/>
+      </a:schemeClr>
+    </dgm:linClrLst>
+    <dgm:effectClrLst/>
+    <dgm:txLinClrLst/>
+    <dgm:txFillClrLst meth="repeat">
+      <a:schemeClr val="lt1"/>
+    </dgm:txFillClrLst>
+    <dgm:txEffectClrLst/>
+  </dgm:styleLbl>
+  <dgm:styleLbl name="parChTrans2D2">
+    <dgm:fillClrLst meth="repeat">
+      <a:schemeClr val="accent1"/>
+    </dgm:fillClrLst>
+    <dgm:linClrLst meth="repeat">
+      <a:schemeClr val="accent1"/>
+    </dgm:linClrLst>
+    <dgm:effectClrLst/>
+    <dgm:txLinClrLst/>
+    <dgm:txFillClrLst meth="repeat">
+      <a:schemeClr val="lt1"/>
+    </dgm:txFillClrLst>
+    <dgm:txEffectClrLst/>
+  </dgm:styleLbl>
+  <dgm:styleLbl name="parChTrans2D3">
+    <dgm:fillClrLst meth="repeat">
+      <a:schemeClr val="accent1"/>
+    </dgm:fillClrLst>
+    <dgm:linClrLst meth="repeat">
+      <a:schemeClr val="accent1"/>
+    </dgm:linClrLst>
+    <dgm:effectClrLst/>
+    <dgm:txLinClrLst/>
+    <dgm:txFillClrLst meth="repeat">
+      <a:schemeClr val="lt1"/>
+    </dgm:txFillClrLst>
+    <dgm:txEffectClrLst/>
+  </dgm:styleLbl>
+  <dgm:styleLbl name="parChTrans2D4">
+    <dgm:fillClrLst meth="repeat">
+      <a:schemeClr val="accent1"/>
+    </dgm:fillClrLst>
+    <dgm:linClrLst meth="repeat">
+      <a:schemeClr val="accent1"/>
+    </dgm:linClrLst>
+    <dgm:effectClrLst/>
+    <dgm:txLinClrLst/>
+    <dgm:txFillClrLst meth="repeat">
+      <a:schemeClr val="lt1"/>
+    </dgm:txFillClrLst>
+    <dgm:txEffectClrLst/>
+  </dgm:styleLbl>
+  <dgm:styleLbl name="parChTrans1D1">
+    <dgm:fillClrLst meth="repeat">
+      <a:schemeClr val="accent1"/>
+    </dgm:fillClrLst>
+    <dgm:linClrLst meth="repeat">
+      <a:schemeClr val="accent1">
+        <a:shade val="60000"/>
+      </a:schemeClr>
+    </dgm:linClrLst>
+    <dgm:effectClrLst/>
+    <dgm:txLinClrLst/>
+    <dgm:txFillClrLst meth="repeat">
+      <a:schemeClr val="tx1"/>
+    </dgm:txFillClrLst>
+    <dgm:txEffectClrLst/>
+  </dgm:styleLbl>
+  <dgm:styleLbl name="parChTrans1D2">
+    <dgm:fillClrLst meth="repeat">
+      <a:schemeClr val="accent1"/>
+    </dgm:fillClrLst>
+    <dgm:linClrLst meth="repeat">
+      <a:schemeClr val="accent1">
+        <a:shade val="60000"/>
+      </a:schemeClr>
+    </dgm:linClrLst>
+    <dgm:effectClrLst/>
+    <dgm:txLinClrLst/>
+    <dgm:txFillClrLst meth="repeat">
+      <a:schemeClr val="tx1"/>
+    </dgm:txFillClrLst>
+    <dgm:txEffectClrLst/>
+  </dgm:styleLbl>
+  <dgm:styleLbl name="parChTrans1D3">
+    <dgm:fillClrLst meth="repeat">
+      <a:schemeClr val="accent1"/>
+    </dgm:fillClrLst>
+    <dgm:linClrLst meth="repeat">
+      <a:schemeClr val="accent1">
+        <a:shade val="80000"/>
+      </a:schemeClr>
+    </dgm:linClrLst>
+    <dgm:effectClrLst/>
+    <dgm:txLinClrLst/>
+    <dgm:txFillClrLst meth="repeat">
+      <a:schemeClr val="tx1"/>
+    </dgm:txFillClrLst>
+    <dgm:txEffectClrLst/>
+  </dgm:styleLbl>
+  <dgm:styleLbl name="parChTrans1D4">
+    <dgm:fillClrLst meth="repeat">
+      <a:schemeClr val="accent1"/>
+    </dgm:fillClrLst>
+    <dgm:linClrLst meth="repeat">
+      <a:schemeClr val="accent1">
+        <a:shade val="80000"/>
+      </a:schemeClr>
+    </dgm:linClrLst>
+    <dgm:effectClrLst/>
+    <dgm:txLinClrLst/>
+    <dgm:txFillClrLst meth="repeat">
+      <a:schemeClr val="tx1"/>
+    </dgm:txFillClrLst>
+    <dgm:txEffectClrLst/>
+  </dgm:styleLbl>
+  <dgm:styleLbl name="fgAcc1">
+    <dgm:fillClrLst meth="repeat">
+      <a:schemeClr val="lt1">
+        <a:alpha val="90000"/>
+      </a:schemeClr>
+    </dgm:fillClrLst>
+    <dgm:linClrLst meth="repeat">
+      <a:schemeClr val="accent1"/>
+    </dgm:linClrLst>
+    <dgm:effectClrLst/>
+    <dgm:txLinClrLst/>
+    <dgm:txFillClrLst meth="repeat">
+      <a:schemeClr val="dk1"/>
+    </dgm:txFillClrLst>
+    <dgm:txEffectClrLst/>
+  </dgm:styleLbl>
+  <dgm:styleLbl name="conFgAcc1">
+    <dgm:fillClrLst meth="repeat">
+      <a:schemeClr val="lt1">
+        <a:alpha val="90000"/>
+      </a:schemeClr>
+    </dgm:fillClrLst>
+    <dgm:linClrLst meth="repeat">
+      <a:schemeClr val="accent1"/>
+    </dgm:linClrLst>
+    <dgm:effectClrLst/>
+    <dgm:txLinClrLst/>
+    <dgm:txFillClrLst meth="repeat">
+      <a:schemeClr val="dk1"/>
+    </dgm:txFillClrLst>
+    <dgm:txEffectClrLst/>
+  </dgm:styleLbl>
+  <dgm:styleLbl name="alignAcc1">
+    <dgm:fillClrLst meth="repeat">
+      <a:schemeClr val="lt1">
+        <a:alpha val="90000"/>
+      </a:schemeClr>
+    </dgm:fillClrLst>
+    <dgm:linClrLst meth="repeat">
+      <a:schemeClr val="accent1"/>
+    </dgm:linClrLst>
+    <dgm:effectClrLst/>
+    <dgm:txLinClrLst/>
+    <dgm:txFillClrLst meth="repeat">
+      <a:schemeClr val="dk1"/>
+    </dgm:txFillClrLst>
+    <dgm:txEffectClrLst/>
+  </dgm:styleLbl>
+  <dgm:styleLbl name="trAlignAcc1">
+    <dgm:fillClrLst meth="repeat">
+      <a:schemeClr val="lt1">
+        <a:alpha val="40000"/>
+      </a:schemeClr>
+    </dgm:fillClrLst>
+    <dgm:linClrLst meth="repeat">
+      <a:schemeClr val="accent1"/>
+    </dgm:linClrLst>
+    <dgm:effectClrLst/>
+    <dgm:txLinClrLst/>
+    <dgm:txFillClrLst meth="repeat">
+      <a:schemeClr val="dk1"/>
+    </dgm:txFillClrLst>
+    <dgm:txEffectClrLst/>
+  </dgm:styleLbl>
+  <dgm:styleLbl name="bgAcc1">
+    <dgm:fillClrLst meth="repeat">
+      <a:schemeClr val="lt1">
+        <a:alpha val="90000"/>
+      </a:schemeClr>
+    </dgm:fillClrLst>
+    <dgm:linClrLst meth="repeat">
+      <a:schemeClr val="accent1"/>
+    </dgm:linClrLst>
+    <dgm:effectClrLst/>
+    <dgm:txLinClrLst/>
+    <dgm:txFillClrLst meth="repeat">
+      <a:schemeClr val="dk1"/>
+    </dgm:txFillClrLst>
+    <dgm:txEffectClrLst/>
+  </dgm:styleLbl>
+  <dgm:styleLbl name="solidFgAcc1">
+    <dgm:fillClrLst meth="repeat">
+      <a:schemeClr val="lt1"/>
+    </dgm:fillClrLst>
+    <dgm:linClrLst meth="repeat">
+      <a:schemeClr val="accent1"/>
+    </dgm:linClrLst>
+    <dgm:effectClrLst/>
+    <dgm:txLinClrLst/>
+    <dgm:txFillClrLst meth="repeat">
+      <a:schemeClr val="dk1"/>
+    </dgm:txFillClrLst>
+    <dgm:txEffectClrLst/>
+  </dgm:styleLbl>
+  <dgm:styleLbl name="solidAlignAcc1">
+    <dgm:fillClrLst meth="repeat">
+      <a:schemeClr val="lt1"/>
+    </dgm:fillClrLst>
+    <dgm:linClrLst meth="repeat">
+      <a:schemeClr val="accent1"/>
+    </dgm:linClrLst>
+    <dgm:effectClrLst/>
+    <dgm:txLinClrLst/>
+    <dgm:txFillClrLst meth="repeat">
+      <a:schemeClr val="dk1"/>
+    </dgm:txFillClrLst>
+    <dgm:txEffectClrLst/>
+  </dgm:styleLbl>
+  <dgm:styleLbl name="solidBgAcc1">
+    <dgm:fillClrLst meth="repeat">
+      <a:schemeClr val="lt1"/>
+    </dgm:fillClrLst>
+    <dgm:linClrLst meth="repeat">
+      <a:schemeClr val="accent1"/>
+    </dgm:linClrLst>
+    <dgm:effectClrLst/>
+    <dgm:txLinClrLst/>
+    <dgm:txFillClrLst meth="repeat">
+      <a:schemeClr val="dk1"/>
+    </dgm:txFillClrLst>
+    <dgm:txEffectClrLst/>
+  </dgm:styleLbl>
+  <dgm:styleLbl name="fgAccFollowNode1">
+    <dgm:fillClrLst meth="repeat">
+      <a:schemeClr val="accent1">
+        <a:alpha val="90000"/>
+        <a:tint val="40000"/>
+      </a:schemeClr>
+    </dgm:fillClrLst>
+    <dgm:linClrLst meth="repeat">
+      <a:schemeClr val="accent1">
+        <a:alpha val="90000"/>
+        <a:tint val="40000"/>
+      </a:schemeClr>
+    </dgm:linClrLst>
+    <dgm:effectClrLst/>
+    <dgm:txLinClrLst/>
+    <dgm:txFillClrLst meth="repeat">
+      <a:schemeClr val="dk1"/>
+    </dgm:txFillClrLst>
+    <dgm:txEffectClrLst/>
+  </dgm:styleLbl>
+  <dgm:styleLbl name="alignAccFollowNode1">
+    <dgm:fillClrLst meth="repeat">
+      <a:schemeClr val="accent1">
+        <a:alpha val="90000"/>
+        <a:tint val="40000"/>
+      </a:schemeClr>
+    </dgm:fillClrLst>
+    <dgm:linClrLst meth="repeat">
+      <a:schemeClr val="accent1">
+        <a:alpha val="90000"/>
+        <a:tint val="40000"/>
+      </a:schemeClr>
+    </dgm:linClrLst>
+    <dgm:effectClrLst/>
+    <dgm:txLinClrLst/>
+    <dgm:txFillClrLst meth="repeat">
+      <a:schemeClr val="dk1"/>
+    </dgm:txFillClrLst>
+    <dgm:txEffectClrLst/>
+  </dgm:styleLbl>
+  <dgm:styleLbl name="bgAccFollowNode1">
+    <dgm:fillClrLst meth="repeat">
+      <a:schemeClr val="accent1">
+        <a:alpha val="90000"/>
+        <a:tint val="40000"/>
+      </a:schemeClr>
+    </dgm:fillClrLst>
+    <dgm:linClrLst meth="repeat">
+      <a:schemeClr val="accent1">
+        <a:alpha val="90000"/>
+        <a:tint val="40000"/>
+      </a:schemeClr>
+    </dgm:linClrLst>
+    <dgm:effectClrLst/>
+    <dgm:txLinClrLst/>
+    <dgm:txFillClrLst meth="repeat">
+      <a:schemeClr val="dk1"/>
+    </dgm:txFillClrLst>
+    <dgm:txEffectClrLst/>
+  </dgm:styleLbl>
+  <dgm:styleLbl name="fgAcc0">
+    <dgm:fillClrLst meth="repeat">
+      <a:schemeClr val="lt1">
+        <a:alpha val="90000"/>
+      </a:schemeClr>
+    </dgm:fillClrLst>
+    <dgm:linClrLst meth="repeat">
+      <a:schemeClr val="accent1"/>
+    </dgm:linClrLst>
+    <dgm:effectClrLst/>
+    <dgm:txLinClrLst/>
+    <dgm:txFillClrLst meth="repeat">
+      <a:schemeClr val="dk1"/>
+    </dgm:txFillClrLst>
+    <dgm:txEffectClrLst/>
+  </dgm:styleLbl>
+  <dgm:styleLbl name="fgAcc2">
+    <dgm:fillClrLst meth="repeat">
+      <a:schemeClr val="lt1">
+        <a:alpha val="90000"/>
+      </a:schemeClr>
+    </dgm:fillClrLst>
+    <dgm:linClrLst meth="repeat">
+      <a:schemeClr val="accent1"/>
+    </dgm:linClrLst>
+    <dgm:effectClrLst/>
+    <dgm:txLinClrLst/>
+    <dgm:txFillClrLst meth="repeat">
+      <a:schemeClr val="dk1"/>
+    </dgm:txFillClrLst>
+    <dgm:txEffectClrLst/>
+  </dgm:styleLbl>
+  <dgm:styleLbl name="fgAcc3">
+    <dgm:fillClrLst meth="repeat">
+      <a:schemeClr val="lt1">
+        <a:alpha val="90000"/>
+      </a:schemeClr>
+    </dgm:fillClrLst>
+    <dgm:linClrLst meth="repeat">
+      <a:schemeClr val="accent1"/>
+    </dgm:linClrLst>
+    <dgm:effectClrLst/>
+    <dgm:txLinClrLst/>
+    <dgm:txFillClrLst meth="repeat">
+      <a:schemeClr val="dk1"/>
+    </dgm:txFillClrLst>
+    <dgm:txEffectClrLst/>
+  </dgm:styleLbl>
+  <dgm:styleLbl name="fgAcc4">
+    <dgm:fillClrLst meth="repeat">
+      <a:schemeClr val="lt1">
+        <a:alpha val="90000"/>
+      </a:schemeClr>
+    </dgm:fillClrLst>
+    <dgm:linClrLst meth="repeat">
+      <a:schemeClr val="accent1"/>
+    </dgm:linClrLst>
+    <dgm:effectClrLst/>
+    <dgm:txLinClrLst/>
+    <dgm:txFillClrLst meth="repeat">
+      <a:schemeClr val="dk1"/>
+    </dgm:txFillClrLst>
+    <dgm:txEffectClrLst/>
+  </dgm:styleLbl>
+  <dgm:styleLbl name="bgShp">
+    <dgm:fillClrLst meth="repeat">
+      <a:schemeClr val="accent1">
+        <a:tint val="40000"/>
+      </a:schemeClr>
+    </dgm:fillClrLst>
+    <dgm:linClrLst meth="repeat">
+      <a:schemeClr val="accent1"/>
+    </dgm:linClrLst>
+    <dgm:effectClrLst/>
+    <dgm:txLinClrLst/>
+    <dgm:txFillClrLst meth="repeat">
+      <a:schemeClr val="dk1"/>
+    </dgm:txFillClrLst>
+    <dgm:txEffectClrLst/>
+  </dgm:styleLbl>
+  <dgm:styleLbl name="dkBgShp">
+    <dgm:fillClrLst meth="repeat">
+      <a:schemeClr val="accent1">
+        <a:shade val="80000"/>
+      </a:schemeClr>
+    </dgm:fillClrLst>
+    <dgm:linClrLst meth="repeat">
+      <a:schemeClr val="accent1"/>
+    </dgm:linClrLst>
+    <dgm:effectClrLst/>
+    <dgm:txLinClrLst/>
+    <dgm:txFillClrLst meth="repeat">
+      <a:schemeClr val="lt1"/>
+    </dgm:txFillClrLst>
+    <dgm:txEffectClrLst/>
+  </dgm:styleLbl>
+  <dgm:styleLbl name="trBgShp">
+    <dgm:fillClrLst meth="repeat">
+      <a:schemeClr val="accent1">
+        <a:tint val="50000"/>
+        <a:alpha val="40000"/>
+      </a:schemeClr>
+    </dgm:fillClrLst>
+    <dgm:linClrLst meth="repeat">
+      <a:schemeClr val="accent1"/>
+    </dgm:linClrLst>
+    <dgm:effectClrLst/>
+    <dgm:txLinClrLst/>
+    <dgm:txFillClrLst meth="repeat">
+      <a:schemeClr val="lt1"/>
+    </dgm:txFillClrLst>
+    <dgm:txEffectClrLst/>
+  </dgm:styleLbl>
+  <dgm:styleLbl name="fgShp">
+    <dgm:fillClrLst meth="repeat">
+      <a:schemeClr val="accent1">
+        <a:tint val="60000"/>
+      </a:schemeClr>
+    </dgm:fillClrLst>
+    <dgm:linClrLst meth="repeat">
+      <a:schemeClr val="lt1"/>
+    </dgm:linClrLst>
+    <dgm:effectClrLst/>
+    <dgm:txLinClrLst/>
+    <dgm:txFillClrLst meth="repeat">
+      <a:schemeClr val="dk1"/>
+    </dgm:txFillClrLst>
+    <dgm:txEffectClrLst/>
+  </dgm:styleLbl>
+  <dgm:styleLbl name="revTx">
+    <dgm:fillClrLst meth="repeat">
+      <a:schemeClr val="lt1">
+        <a:alpha val="0"/>
+      </a:schemeClr>
+    </dgm:fillClrLst>
+    <dgm:linClrLst meth="repeat">
+      <a:schemeClr val="dk1">
+        <a:alpha val="0"/>
+      </a:schemeClr>
+    </dgm:linClrLst>
+    <dgm:effectClrLst/>
+    <dgm:txLinClrLst/>
+    <dgm:txFillClrLst meth="repeat">
+      <a:schemeClr val="tx1"/>
+    </dgm:txFillClrLst>
+    <dgm:txEffectClrLst/>
+  </dgm:styleLbl>
+</dgm:colorsDef>
+</file>
+
+<file path=ppt/diagrams/colors2.xml><?xml version="1.0" encoding="utf-8"?>
+<dgm:colorsDef xmlns:dgm="http://schemas.openxmlformats.org/drawingml/2006/diagram" xmlns:a="http://schemas.openxmlformats.org/drawingml/2006/main" uniqueId="urn:microsoft.com/office/officeart/2005/8/colors/accent1_2">
+  <dgm:title val=""/>
+  <dgm:desc val=""/>
+  <dgm:catLst>
+    <dgm:cat type="accent1" pri="11200"/>
+  </dgm:catLst>
+  <dgm:styleLbl name="node0">
+    <dgm:fillClrLst meth="repeat">
+      <a:schemeClr val="accent1"/>
+    </dgm:fillClrLst>
+    <dgm:linClrLst meth="repeat">
+      <a:schemeClr val="lt1"/>
+    </dgm:linClrLst>
+    <dgm:effectClrLst/>
+    <dgm:txLinClrLst/>
+    <dgm:txFillClrLst/>
+    <dgm:txEffectClrLst/>
+  </dgm:styleLbl>
+  <dgm:styleLbl name="alignNode1">
+    <dgm:fillClrLst meth="repeat">
+      <a:schemeClr val="accent1"/>
+    </dgm:fillClrLst>
+    <dgm:linClrLst meth="repeat">
+      <a:schemeClr val="accent1"/>
+    </dgm:linClrLst>
+    <dgm:effectClrLst/>
+    <dgm:txLinClrLst/>
+    <dgm:txFillClrLst/>
+    <dgm:txEffectClrLst/>
+  </dgm:styleLbl>
+  <dgm:styleLbl name="node1">
+    <dgm:fillClrLst meth="repeat">
+      <a:schemeClr val="accent1"/>
+    </dgm:fillClrLst>
+    <dgm:linClrLst meth="repeat">
+      <a:schemeClr val="lt1"/>
+    </dgm:linClrLst>
+    <dgm:effectClrLst/>
+    <dgm:txLinClrLst/>
+    <dgm:txFillClrLst/>
+    <dgm:txEffectClrLst/>
+  </dgm:styleLbl>
+  <dgm:styleLbl name="lnNode1">
+    <dgm:fillClrLst meth="repeat">
+      <a:schemeClr val="accent1"/>
+    </dgm:fillClrLst>
+    <dgm:linClrLst meth="repeat">
+      <a:schemeClr val="lt1"/>
+    </dgm:linClrLst>
+    <dgm:effectClrLst/>
+    <dgm:txLinClrLst/>
+    <dgm:txFillClrLst/>
+    <dgm:txEffectClrLst/>
+  </dgm:styleLbl>
+  <dgm:styleLbl name="vennNode1">
+    <dgm:fillClrLst meth="repeat">
+      <a:schemeClr val="accent1">
+        <a:alpha val="50000"/>
+      </a:schemeClr>
+    </dgm:fillClrLst>
+    <dgm:linClrLst meth="repeat">
+      <a:schemeClr val="lt1"/>
+    </dgm:linClrLst>
+    <dgm:effectClrLst/>
+    <dgm:txLinClrLst/>
+    <dgm:txFillClrLst/>
+    <dgm:txEffectClrLst/>
+  </dgm:styleLbl>
+  <dgm:styleLbl name="node2">
+    <dgm:fillClrLst meth="repeat">
+      <a:schemeClr val="accent1"/>
+    </dgm:fillClrLst>
+    <dgm:linClrLst meth="repeat">
+      <a:schemeClr val="lt1"/>
+    </dgm:linClrLst>
+    <dgm:effectClrLst/>
+    <dgm:txLinClrLst/>
+    <dgm:txFillClrLst/>
+    <dgm:txEffectClrLst/>
+  </dgm:styleLbl>
+  <dgm:styleLbl name="node3">
+    <dgm:fillClrLst meth="repeat">
+      <a:schemeClr val="accent1"/>
+    </dgm:fillClrLst>
+    <dgm:linClrLst meth="repeat">
+      <a:schemeClr val="lt1"/>
+    </dgm:linClrLst>
+    <dgm:effectClrLst/>
+    <dgm:txLinClrLst/>
+    <dgm:txFillClrLst/>
+    <dgm:txEffectClrLst/>
+  </dgm:styleLbl>
+  <dgm:styleLbl name="node4">
+    <dgm:fillClrLst meth="repeat">
+      <a:schemeClr val="accent1"/>
+    </dgm:fillClrLst>
+    <dgm:linClrLst meth="repeat">
+      <a:schemeClr val="lt1"/>
+    </dgm:linClrLst>
+    <dgm:effectClrLst/>
+    <dgm:txLinClrLst/>
+    <dgm:txFillClrLst/>
+    <dgm:txEffectClrLst/>
+  </dgm:styleLbl>
+  <dgm:styleLbl name="fgImgPlace1">
+    <dgm:fillClrLst meth="repeat">
+      <a:schemeClr val="accent1">
+        <a:tint val="50000"/>
+      </a:schemeClr>
+    </dgm:fillClrLst>
+    <dgm:linClrLst meth="repeat">
+      <a:schemeClr val="lt1"/>
+    </dgm:linClrLst>
+    <dgm:effectClrLst/>
+    <dgm:txLinClrLst/>
+    <dgm:txFillClrLst meth="repeat">
+      <a:schemeClr val="lt1"/>
+    </dgm:txFillClrLst>
+    <dgm:txEffectClrLst/>
+  </dgm:styleLbl>
+  <dgm:styleLbl name="alignImgPlace1">
+    <dgm:fillClrLst meth="repeat">
+      <a:schemeClr val="accent1">
+        <a:tint val="50000"/>
+      </a:schemeClr>
+    </dgm:fillClrLst>
+    <dgm:linClrLst meth="repeat">
+      <a:schemeClr val="lt1"/>
+    </dgm:linClrLst>
+    <dgm:effectClrLst/>
+    <dgm:txLinClrLst/>
+    <dgm:txFillClrLst meth="repeat">
+      <a:schemeClr val="lt1"/>
+    </dgm:txFillClrLst>
+    <dgm:txEffectClrLst/>
+  </dgm:styleLbl>
+  <dgm:styleLbl name="bgImgPlace1">
+    <dgm:fillClrLst meth="repeat">
+      <a:schemeClr val="accent1">
+        <a:tint val="50000"/>
+      </a:schemeClr>
+    </dgm:fillClrLst>
+    <dgm:linClrLst meth="repeat">
+      <a:schemeClr val="lt1"/>
+    </dgm:linClrLst>
+    <dgm:effectClrLst/>
+    <dgm:txLinClrLst/>
+    <dgm:txFillClrLst meth="repeat">
+      <a:schemeClr val="lt1"/>
+    </dgm:txFillClrLst>
+    <dgm:txEffectClrLst/>
+  </dgm:styleLbl>
+  <dgm:styleLbl name="sibTrans2D1">
+    <dgm:fillClrLst meth="repeat">
+      <a:schemeClr val="accent1">
+        <a:tint val="60000"/>
+      </a:schemeClr>
+    </dgm:fillClrLst>
+    <dgm:linClrLst meth="repeat">
+      <a:schemeClr val="accent1">
+        <a:tint val="60000"/>
+      </a:schemeClr>
+    </dgm:linClrLst>
+    <dgm:effectClrLst/>
+    <dgm:txLinClrLst/>
+    <dgm:txFillClrLst/>
+    <dgm:txEffectClrLst/>
+  </dgm:styleLbl>
+  <dgm:styleLbl name="fgSibTrans2D1">
+    <dgm:fillClrLst meth="repeat">
+      <a:schemeClr val="accent1">
+        <a:tint val="60000"/>
+      </a:schemeClr>
+    </dgm:fillClrLst>
+    <dgm:linClrLst meth="repeat">
+      <a:schemeClr val="accent1">
+        <a:tint val="60000"/>
+      </a:schemeClr>
+    </dgm:linClrLst>
+    <dgm:effectClrLst/>
+    <dgm:txLinClrLst/>
+    <dgm:txFillClrLst/>
+    <dgm:txEffectClrLst/>
+  </dgm:styleLbl>
+  <dgm:styleLbl name="bgSibTrans2D1">
+    <dgm:fillClrLst meth="repeat">
+      <a:schemeClr val="accent1">
+        <a:tint val="60000"/>
+      </a:schemeClr>
+    </dgm:fillClrLst>
+    <dgm:linClrLst meth="repeat">
+      <a:schemeClr val="accent1">
+        <a:tint val="60000"/>
+      </a:schemeClr>
+    </dgm:linClrLst>
+    <dgm:effectClrLst/>
+    <dgm:txLinClrLst/>
+    <dgm:txFillClrLst/>
+    <dgm:txEffectClrLst/>
+  </dgm:styleLbl>
+  <dgm:styleLbl name="sibTrans1D1">
+    <dgm:fillClrLst meth="repeat">
+      <a:schemeClr val="accent1"/>
+    </dgm:fillClrLst>
+    <dgm:linClrLst meth="repeat">
+      <a:schemeClr val="accent1"/>
+    </dgm:linClrLst>
+    <dgm:effectClrLst/>
+    <dgm:txLinClrLst/>
+    <dgm:txFillClrLst meth="repeat">
+      <a:schemeClr val="tx1"/>
+    </dgm:txFillClrLst>
+    <dgm:txEffectClrLst/>
+  </dgm:styleLbl>
+  <dgm:styleLbl name="callout">
+    <dgm:fillClrLst meth="repeat">
+      <a:schemeClr val="accent1"/>
+    </dgm:fillClrLst>
+    <dgm:linClrLst meth="repeat">
+      <a:schemeClr val="accent1">
+        <a:tint val="50000"/>
+      </a:schemeClr>
+    </dgm:linClrLst>
+    <dgm:effectClrLst/>
+    <dgm:txLinClrLst/>
+    <dgm:txFillClrLst meth="repeat">
+      <a:schemeClr val="tx1"/>
+    </dgm:txFillClrLst>
+    <dgm:txEffectClrLst/>
+  </dgm:styleLbl>
+  <dgm:styleLbl name="asst0">
+    <dgm:fillClrLst meth="repeat">
+      <a:schemeClr val="accent1"/>
+    </dgm:fillClrLst>
+    <dgm:linClrLst meth="repeat">
+      <a:schemeClr val="lt1"/>
+    </dgm:linClrLst>
+    <dgm:effectClrLst/>
+    <dgm:txLinClrLst/>
+    <dgm:txFillClrLst/>
+    <dgm:txEffectClrLst/>
+  </dgm:styleLbl>
+  <dgm:styleLbl name="asst1">
+    <dgm:fillClrLst meth="repeat">
+      <a:schemeClr val="accent1"/>
+    </dgm:fillClrLst>
+    <dgm:linClrLst meth="repeat">
+      <a:schemeClr val="lt1"/>
+    </dgm:linClrLst>
+    <dgm:effectClrLst/>
+    <dgm:txLinClrLst/>
+    <dgm:txFillClrLst/>
+    <dgm:txEffectClrLst/>
+  </dgm:styleLbl>
+  <dgm:styleLbl name="asst2">
+    <dgm:fillClrLst meth="repeat">
+      <a:schemeClr val="accent1"/>
+    </dgm:fillClrLst>
+    <dgm:linClrLst meth="repeat">
+      <a:schemeClr val="lt1"/>
+    </dgm:linClrLst>
+    <dgm:effectClrLst/>
+    <dgm:txLinClrLst/>
+    <dgm:txFillClrLst/>
+    <dgm:txEffectClrLst/>
+  </dgm:styleLbl>
+  <dgm:styleLbl name="asst3">
+    <dgm:fillClrLst meth="repeat">
+      <a:schemeClr val="accent1"/>
+    </dgm:fillClrLst>
+    <dgm:linClrLst meth="repeat">
+      <a:schemeClr val="lt1"/>
+    </dgm:linClrLst>
+    <dgm:effectClrLst/>
+    <dgm:txLinClrLst/>
+    <dgm:txFillClrLst/>
+    <dgm:txEffectClrLst/>
+  </dgm:styleLbl>
+  <dgm:styleLbl name="asst4">
+    <dgm:fillClrLst meth="repeat">
+      <a:schemeClr val="accent1"/>
+    </dgm:fillClrLst>
+    <dgm:linClrLst meth="repeat">
+      <a:schemeClr val="lt1"/>
+    </dgm:linClrLst>
+    <dgm:effectClrLst/>
+    <dgm:txLinClrLst/>
+    <dgm:txFillClrLst/>
+    <dgm:txEffectClrLst/>
+  </dgm:styleLbl>
+  <dgm:styleLbl name="parChTrans2D1">
+    <dgm:fillClrLst meth="repeat">
+      <a:schemeClr val="accent1">
+        <a:tint val="60000"/>
+      </a:schemeClr>
+    </dgm:fillClrLst>
+    <dgm:linClrLst meth="repeat">
+      <a:schemeClr val="accent1">
+        <a:tint val="60000"/>
+      </a:schemeClr>
+    </dgm:linClrLst>
+    <dgm:effectClrLst/>
+    <dgm:txLinClrLst/>
+    <dgm:txFillClrLst meth="repeat">
+      <a:schemeClr val="lt1"/>
+    </dgm:txFillClrLst>
+    <dgm:txEffectClrLst/>
+  </dgm:styleLbl>
+  <dgm:styleLbl name="parChTrans2D2">
+    <dgm:fillClrLst meth="repeat">
+      <a:schemeClr val="accent1"/>
+    </dgm:fillClrLst>
+    <dgm:linClrLst meth="repeat">
+      <a:schemeClr val="accent1"/>
+    </dgm:linClrLst>
+    <dgm:effectClrLst/>
+    <dgm:txLinClrLst/>
+    <dgm:txFillClrLst meth="repeat">
+      <a:schemeClr val="lt1"/>
+    </dgm:txFillClrLst>
+    <dgm:txEffectClrLst/>
+  </dgm:styleLbl>
+  <dgm:styleLbl name="parChTrans2D3">
+    <dgm:fillClrLst meth="repeat">
+      <a:schemeClr val="accent1"/>
+    </dgm:fillClrLst>
+    <dgm:linClrLst meth="repeat">
+      <a:schemeClr val="accent1"/>
+    </dgm:linClrLst>
+    <dgm:effectClrLst/>
+    <dgm:txLinClrLst/>
+    <dgm:txFillClrLst meth="repeat">
+      <a:schemeClr val="lt1"/>
+    </dgm:txFillClrLst>
+    <dgm:txEffectClrLst/>
+  </dgm:styleLbl>
+  <dgm:styleLbl name="parChTrans2D4">
+    <dgm:fillClrLst meth="repeat">
+      <a:schemeClr val="accent1"/>
+    </dgm:fillClrLst>
+    <dgm:linClrLst meth="repeat">
+      <a:schemeClr val="accent1"/>
+    </dgm:linClrLst>
+    <dgm:effectClrLst/>
+    <dgm:txLinClrLst/>
+    <dgm:txFillClrLst meth="repeat">
+      <a:schemeClr val="lt1"/>
+    </dgm:txFillClrLst>
+    <dgm:txEffectClrLst/>
+  </dgm:styleLbl>
+  <dgm:styleLbl name="parChTrans1D1">
+    <dgm:fillClrLst meth="repeat">
+      <a:schemeClr val="accent1"/>
+    </dgm:fillClrLst>
+    <dgm:linClrLst meth="repeat">
+      <a:schemeClr val="accent1">
+        <a:shade val="60000"/>
+      </a:schemeClr>
+    </dgm:linClrLst>
+    <dgm:effectClrLst/>
+    <dgm:txLinClrLst/>
+    <dgm:txFillClrLst meth="repeat">
+      <a:schemeClr val="tx1"/>
+    </dgm:txFillClrLst>
+    <dgm:txEffectClrLst/>
+  </dgm:styleLbl>
+  <dgm:styleLbl name="parChTrans1D2">
+    <dgm:fillClrLst meth="repeat">
+      <a:schemeClr val="accent1"/>
+    </dgm:fillClrLst>
+    <dgm:linClrLst meth="repeat">
+      <a:schemeClr val="accent1">
+        <a:shade val="60000"/>
+      </a:schemeClr>
+    </dgm:linClrLst>
+    <dgm:effectClrLst/>
+    <dgm:txLinClrLst/>
+    <dgm:txFillClrLst meth="repeat">
+      <a:schemeClr val="tx1"/>
+    </dgm:txFillClrLst>
+    <dgm:txEffectClrLst/>
+  </dgm:styleLbl>
+  <dgm:styleLbl name="parChTrans1D3">
+    <dgm:fillClrLst meth="repeat">
+      <a:schemeClr val="accent1"/>
+    </dgm:fillClrLst>
+    <dgm:linClrLst meth="repeat">
+      <a:schemeClr val="accent1">
+        <a:shade val="80000"/>
+      </a:schemeClr>
+    </dgm:linClrLst>
+    <dgm:effectClrLst/>
+    <dgm:txLinClrLst/>
+    <dgm:txFillClrLst meth="repeat">
+      <a:schemeClr val="tx1"/>
+    </dgm:txFillClrLst>
+    <dgm:txEffectClrLst/>
+  </dgm:styleLbl>
+  <dgm:styleLbl name="parChTrans1D4">
+    <dgm:fillClrLst meth="repeat">
+      <a:schemeClr val="accent1"/>
+    </dgm:fillClrLst>
+    <dgm:linClrLst meth="repeat">
+      <a:schemeClr val="accent1">
+        <a:shade val="80000"/>
+      </a:schemeClr>
+    </dgm:linClrLst>
+    <dgm:effectClrLst/>
+    <dgm:txLinClrLst/>
+    <dgm:txFillClrLst meth="repeat">
+      <a:schemeClr val="tx1"/>
+    </dgm:txFillClrLst>
+    <dgm:txEffectClrLst/>
+  </dgm:styleLbl>
+  <dgm:styleLbl name="fgAcc1">
+    <dgm:fillClrLst meth="repeat">
+      <a:schemeClr val="lt1">
+        <a:alpha val="90000"/>
+      </a:schemeClr>
+    </dgm:fillClrLst>
+    <dgm:linClrLst meth="repeat">
+      <a:schemeClr val="accent1"/>
+    </dgm:linClrLst>
+    <dgm:effectClrLst/>
+    <dgm:txLinClrLst/>
+    <dgm:txFillClrLst meth="repeat">
+      <a:schemeClr val="dk1"/>
+    </dgm:txFillClrLst>
+    <dgm:txEffectClrLst/>
+  </dgm:styleLbl>
+  <dgm:styleLbl name="conFgAcc1">
+    <dgm:fillClrLst meth="repeat">
+      <a:schemeClr val="lt1">
+        <a:alpha val="90000"/>
+      </a:schemeClr>
+    </dgm:fillClrLst>
+    <dgm:linClrLst meth="repeat">
+      <a:schemeClr val="accent1"/>
+    </dgm:linClrLst>
+    <dgm:effectClrLst/>
+    <dgm:txLinClrLst/>
+    <dgm:txFillClrLst meth="repeat">
+      <a:schemeClr val="dk1"/>
+    </dgm:txFillClrLst>
+    <dgm:txEffectClrLst/>
+  </dgm:styleLbl>
+  <dgm:styleLbl name="alignAcc1">
+    <dgm:fillClrLst meth="repeat">
+      <a:schemeClr val="lt1">
+        <a:alpha val="90000"/>
+      </a:schemeClr>
+    </dgm:fillClrLst>
+    <dgm:linClrLst meth="repeat">
+      <a:schemeClr val="accent1"/>
+    </dgm:linClrLst>
+    <dgm:effectClrLst/>
+    <dgm:txLinClrLst/>
+    <dgm:txFillClrLst meth="repeat">
+      <a:schemeClr val="dk1"/>
+    </dgm:txFillClrLst>
+    <dgm:txEffectClrLst/>
+  </dgm:styleLbl>
+  <dgm:styleLbl name="trAlignAcc1">
+    <dgm:fillClrLst meth="repeat">
+      <a:schemeClr val="lt1">
+        <a:alpha val="40000"/>
+      </a:schemeClr>
+    </dgm:fillClrLst>
+    <dgm:linClrLst meth="repeat">
+      <a:schemeClr val="accent1"/>
+    </dgm:linClrLst>
+    <dgm:effectClrLst/>
+    <dgm:txLinClrLst/>
+    <dgm:txFillClrLst meth="repeat">
+      <a:schemeClr val="dk1"/>
+    </dgm:txFillClrLst>
+    <dgm:txEffectClrLst/>
+  </dgm:styleLbl>
+  <dgm:styleLbl name="bgAcc1">
+    <dgm:fillClrLst meth="repeat">
+      <a:schemeClr val="lt1">
+        <a:alpha val="90000"/>
+      </a:schemeClr>
+    </dgm:fillClrLst>
+    <dgm:linClrLst meth="repeat">
+      <a:schemeClr val="accent1"/>
+    </dgm:linClrLst>
+    <dgm:effectClrLst/>
+    <dgm:txLinClrLst/>
+    <dgm:txFillClrLst meth="repeat">
+      <a:schemeClr val="dk1"/>
+    </dgm:txFillClrLst>
+    <dgm:txEffectClrLst/>
+  </dgm:styleLbl>
+  <dgm:styleLbl name="solidFgAcc1">
+    <dgm:fillClrLst meth="repeat">
+      <a:schemeClr val="lt1"/>
+    </dgm:fillClrLst>
+    <dgm:linClrLst meth="repeat">
+      <a:schemeClr val="accent1"/>
+    </dgm:linClrLst>
+    <dgm:effectClrLst/>
+    <dgm:txLinClrLst/>
+    <dgm:txFillClrLst meth="repeat">
+      <a:schemeClr val="dk1"/>
+    </dgm:txFillClrLst>
+    <dgm:txEffectClrLst/>
+  </dgm:styleLbl>
+  <dgm:styleLbl name="solidAlignAcc1">
+    <dgm:fillClrLst meth="repeat">
+      <a:schemeClr val="lt1"/>
+    </dgm:fillClrLst>
+    <dgm:linClrLst meth="repeat">
+      <a:schemeClr val="accent1"/>
+    </dgm:linClrLst>
+    <dgm:effectClrLst/>
+    <dgm:txLinClrLst/>
+    <dgm:txFillClrLst meth="repeat">
+      <a:schemeClr val="dk1"/>
+    </dgm:txFillClrLst>
+    <dgm:txEffectClrLst/>
+  </dgm:styleLbl>
+  <dgm:styleLbl name="solidBgAcc1">
+    <dgm:fillClrLst meth="repeat">
+      <a:schemeClr val="lt1"/>
+    </dgm:fillClrLst>
+    <dgm:linClrLst meth="repeat">
+      <a:schemeClr val="accent1"/>
+    </dgm:linClrLst>
+    <dgm:effectClrLst/>
+    <dgm:txLinClrLst/>
+    <dgm:txFillClrLst meth="repeat">
+      <a:schemeClr val="dk1"/>
+    </dgm:txFillClrLst>
+    <dgm:txEffectClrLst/>
+  </dgm:styleLbl>
+  <dgm:styleLbl name="fgAccFollowNode1">
+    <dgm:fillClrLst meth="repeat">
+      <a:schemeClr val="accent1">
+        <a:alpha val="90000"/>
+        <a:tint val="40000"/>
+      </a:schemeClr>
+    </dgm:fillClrLst>
+    <dgm:linClrLst meth="repeat">
+      <a:schemeClr val="accent1">
+        <a:alpha val="90000"/>
+        <a:tint val="40000"/>
+      </a:schemeClr>
+    </dgm:linClrLst>
+    <dgm:effectClrLst/>
+    <dgm:txLinClrLst/>
+    <dgm:txFillClrLst meth="repeat">
+      <a:schemeClr val="dk1"/>
+    </dgm:txFillClrLst>
+    <dgm:txEffectClrLst/>
+  </dgm:styleLbl>
+  <dgm:styleLbl name="alignAccFollowNode1">
+    <dgm:fillClrLst meth="repeat">
+      <a:schemeClr val="accent1">
+        <a:alpha val="90000"/>
+        <a:tint val="40000"/>
+      </a:schemeClr>
+    </dgm:fillClrLst>
+    <dgm:linClrLst meth="repeat">
+      <a:schemeClr val="accent1">
+        <a:alpha val="90000"/>
+        <a:tint val="40000"/>
+      </a:schemeClr>
+    </dgm:linClrLst>
+    <dgm:effectClrLst/>
+    <dgm:txLinClrLst/>
+    <dgm:txFillClrLst meth="repeat">
+      <a:schemeClr val="dk1"/>
+    </dgm:txFillClrLst>
+    <dgm:txEffectClrLst/>
+  </dgm:styleLbl>
+  <dgm:styleLbl name="bgAccFollowNode1">
+    <dgm:fillClrLst meth="repeat">
+      <a:schemeClr val="accent1">
+        <a:alpha val="90000"/>
+        <a:tint val="40000"/>
+      </a:schemeClr>
+    </dgm:fillClrLst>
+    <dgm:linClrLst meth="repeat">
+      <a:schemeClr val="accent1">
+        <a:alpha val="90000"/>
+        <a:tint val="40000"/>
+      </a:schemeClr>
+    </dgm:linClrLst>
+    <dgm:effectClrLst/>
+    <dgm:txLinClrLst/>
+    <dgm:txFillClrLst meth="repeat">
+      <a:schemeClr val="dk1"/>
+    </dgm:txFillClrLst>
+    <dgm:txEffectClrLst/>
+  </dgm:styleLbl>
+  <dgm:styleLbl name="fgAcc0">
+    <dgm:fillClrLst meth="repeat">
+      <a:schemeClr val="lt1">
+        <a:alpha val="90000"/>
+      </a:schemeClr>
+    </dgm:fillClrLst>
+    <dgm:linClrLst meth="repeat">
+      <a:schemeClr val="accent1"/>
+    </dgm:linClrLst>
+    <dgm:effectClrLst/>
+    <dgm:txLinClrLst/>
+    <dgm:txFillClrLst meth="repeat">
+      <a:schemeClr val="dk1"/>
+    </dgm:txFillClrLst>
+    <dgm:txEffectClrLst/>
+  </dgm:styleLbl>
+  <dgm:styleLbl name="fgAcc2">
+    <dgm:fillClrLst meth="repeat">
+      <a:schemeClr val="lt1">
+        <a:alpha val="90000"/>
+      </a:schemeClr>
+    </dgm:fillClrLst>
+    <dgm:linClrLst meth="repeat">
+      <a:schemeClr val="accent1"/>
+    </dgm:linClrLst>
+    <dgm:effectClrLst/>
+    <dgm:txLinClrLst/>
+    <dgm:txFillClrLst meth="repeat">
+      <a:schemeClr val="dk1"/>
+    </dgm:txFillClrLst>
+    <dgm:txEffectClrLst/>
+  </dgm:styleLbl>
+  <dgm:styleLbl name="fgAcc3">
+    <dgm:fillClrLst meth="repeat">
+      <a:schemeClr val="lt1">
+        <a:alpha val="90000"/>
+      </a:schemeClr>
+    </dgm:fillClrLst>
+    <dgm:linClrLst meth="repeat">
+      <a:schemeClr val="accent1"/>
+    </dgm:linClrLst>
+    <dgm:effectClrLst/>
+    <dgm:txLinClrLst/>
+    <dgm:txFillClrLst meth="repeat">
+      <a:schemeClr val="dk1"/>
+    </dgm:txFillClrLst>
+    <dgm:txEffectClrLst/>
+  </dgm:styleLbl>
+  <dgm:styleLbl name="fgAcc4">
+    <dgm:fillClrLst meth="repeat">
+      <a:schemeClr val="lt1">
+        <a:alpha val="90000"/>
+      </a:schemeClr>
+    </dgm:fillClrLst>
+    <dgm:linClrLst meth="repeat">
+      <a:schemeClr val="accent1"/>
+    </dgm:linClrLst>
+    <dgm:effectClrLst/>
+    <dgm:txLinClrLst/>
+    <dgm:txFillClrLst meth="repeat">
+      <a:schemeClr val="dk1"/>
+    </dgm:txFillClrLst>
+    <dgm:txEffectClrLst/>
+  </dgm:styleLbl>
+  <dgm:styleLbl name="bgShp">
+    <dgm:fillClrLst meth="repeat">
+      <a:schemeClr val="accent1">
+        <a:tint val="40000"/>
+      </a:schemeClr>
+    </dgm:fillClrLst>
+    <dgm:linClrLst meth="repeat">
+      <a:schemeClr val="accent1"/>
+    </dgm:linClrLst>
+    <dgm:effectClrLst/>
+    <dgm:txLinClrLst/>
+    <dgm:txFillClrLst meth="repeat">
+      <a:schemeClr val="dk1"/>
+    </dgm:txFillClrLst>
+    <dgm:txEffectClrLst/>
+  </dgm:styleLbl>
+  <dgm:styleLbl name="dkBgShp">
+    <dgm:fillClrLst meth="repeat">
+      <a:schemeClr val="accent1">
+        <a:shade val="80000"/>
+      </a:schemeClr>
+    </dgm:fillClrLst>
+    <dgm:linClrLst meth="repeat">
+      <a:schemeClr val="accent1"/>
+    </dgm:linClrLst>
+    <dgm:effectClrLst/>
+    <dgm:txLinClrLst/>
+    <dgm:txFillClrLst meth="repeat">
+      <a:schemeClr val="lt1"/>
+    </dgm:txFillClrLst>
+    <dgm:txEffectClrLst/>
+  </dgm:styleLbl>
+  <dgm:styleLbl name="trBgShp">
+    <dgm:fillClrLst meth="repeat">
+      <a:schemeClr val="accent1">
+        <a:tint val="50000"/>
+        <a:alpha val="40000"/>
+      </a:schemeClr>
+    </dgm:fillClrLst>
+    <dgm:linClrLst meth="repeat">
+      <a:schemeClr val="accent1"/>
+    </dgm:linClrLst>
+    <dgm:effectClrLst/>
+    <dgm:txLinClrLst/>
+    <dgm:txFillClrLst meth="repeat">
+      <a:schemeClr val="lt1"/>
+    </dgm:txFillClrLst>
+    <dgm:txEffectClrLst/>
+  </dgm:styleLbl>
+  <dgm:styleLbl name="fgShp">
+    <dgm:fillClrLst meth="repeat">
+      <a:schemeClr val="accent1">
+        <a:tint val="60000"/>
+      </a:schemeClr>
+    </dgm:fillClrLst>
+    <dgm:linClrLst meth="repeat">
+      <a:schemeClr val="lt1"/>
+    </dgm:linClrLst>
+    <dgm:effectClrLst/>
+    <dgm:txLinClrLst/>
+    <dgm:txFillClrLst meth="repeat">
+      <a:schemeClr val="dk1"/>
+    </dgm:txFillClrLst>
+    <dgm:txEffectClrLst/>
+  </dgm:styleLbl>
+  <dgm:styleLbl name="revTx">
+    <dgm:fillClrLst meth="repeat">
+      <a:schemeClr val="lt1">
+        <a:alpha val="0"/>
+      </a:schemeClr>
+    </dgm:fillClrLst>
+    <dgm:linClrLst meth="repeat">
+      <a:schemeClr val="dk1">
+        <a:alpha val="0"/>
+      </a:schemeClr>
+    </dgm:linClrLst>
+    <dgm:effectClrLst/>
+    <dgm:txLinClrLst/>
+    <dgm:txFillClrLst meth="repeat">
+      <a:schemeClr val="tx1"/>
+    </dgm:txFillClrLst>
+    <dgm:txEffectClrLst/>
+  </dgm:styleLbl>
+</dgm:colorsDef>
+</file>
+
+<file path=ppt/diagrams/colors3.xml><?xml version="1.0" encoding="utf-8"?>
 <dgm:colorsDef xmlns:dgm="http://schemas.openxmlformats.org/drawingml/2006/diagram" xmlns:a="http://schemas.openxmlformats.org/drawingml/2006/main" uniqueId="urn:microsoft.com/office/officeart/2005/8/colors/accent1_2">
   <dgm:title val=""/>
   <dgm:desc val=""/>
@@ -1153,6 +2649,13 @@
         </dgm:presLayoutVars>
       </dgm:prSet>
       <dgm:spPr/>
+      <dgm:t>
+        <a:bodyPr/>
+        <a:lstStyle/>
+        <a:p>
+          <a:endParaRPr lang="en-GB"/>
+        </a:p>
+      </dgm:t>
     </dgm:pt>
     <dgm:pt modelId="{EBB1D6E3-8BD3-4898-BA54-EAF982CBDABB}" type="pres">
       <dgm:prSet presAssocID="{F0B64D68-2078-439F-85C6-E8F4DCF10833}" presName="hierRoot1" presStyleCnt="0"/>
@@ -1188,6 +2691,13 @@
     <dgm:pt modelId="{FBEAC95F-EC2B-45E6-BE20-E8705B1AE973}" type="pres">
       <dgm:prSet presAssocID="{2FC5E42F-8DF1-4C1F-818B-0CB961681840}" presName="Name10" presStyleLbl="parChTrans1D2" presStyleIdx="0" presStyleCnt="1"/>
       <dgm:spPr/>
+      <dgm:t>
+        <a:bodyPr/>
+        <a:lstStyle/>
+        <a:p>
+          <a:endParaRPr lang="en-GB"/>
+        </a:p>
+      </dgm:t>
     </dgm:pt>
     <dgm:pt modelId="{B9D018F8-5A2E-4DED-AC68-221E4723963B}" type="pres">
       <dgm:prSet presAssocID="{3949B04E-8A30-4BF5-84D9-D1A93620C026}" presName="hierRoot2" presStyleCnt="0"/>
@@ -1229,6 +2739,13 @@
     <dgm:pt modelId="{4843D551-5586-4AEF-80BE-6A785A3B8135}" type="pres">
       <dgm:prSet presAssocID="{59130E41-8C6D-4700-9BBB-C8FE19C7EAC4}" presName="Name17" presStyleLbl="parChTrans1D3" presStyleIdx="0" presStyleCnt="2"/>
       <dgm:spPr/>
+      <dgm:t>
+        <a:bodyPr/>
+        <a:lstStyle/>
+        <a:p>
+          <a:endParaRPr lang="en-GB"/>
+        </a:p>
+      </dgm:t>
     </dgm:pt>
     <dgm:pt modelId="{FCB253C9-4273-40D0-ACC4-11FF46FF6A2F}" type="pres">
       <dgm:prSet presAssocID="{E59C2E2D-C485-4904-99BA-50D1D99830C6}" presName="hierRoot3" presStyleCnt="0"/>
@@ -1270,6 +2787,13 @@
     <dgm:pt modelId="{866079DF-EFF5-44BB-AEF1-DCDA941F8006}" type="pres">
       <dgm:prSet presAssocID="{F0EB2D1B-B0F4-4C32-B957-D1B365D43116}" presName="Name23" presStyleLbl="parChTrans1D4" presStyleIdx="0" presStyleCnt="2"/>
       <dgm:spPr/>
+      <dgm:t>
+        <a:bodyPr/>
+        <a:lstStyle/>
+        <a:p>
+          <a:endParaRPr lang="en-GB"/>
+        </a:p>
+      </dgm:t>
     </dgm:pt>
     <dgm:pt modelId="{90957AE2-C1A7-4942-960B-4A5A04A41E63}" type="pres">
       <dgm:prSet presAssocID="{0789DDAA-5BF9-4B1C-90E4-85118C28A7D3}" presName="hierRoot4" presStyleCnt="0"/>
@@ -1305,6 +2829,13 @@
     <dgm:pt modelId="{FDA99422-7407-4B7B-9ED9-F3829C22946A}" type="pres">
       <dgm:prSet presAssocID="{DC1BFE07-E7CF-42EA-AA56-31762A576622}" presName="Name23" presStyleLbl="parChTrans1D4" presStyleIdx="1" presStyleCnt="2"/>
       <dgm:spPr/>
+      <dgm:t>
+        <a:bodyPr/>
+        <a:lstStyle/>
+        <a:p>
+          <a:endParaRPr lang="en-GB"/>
+        </a:p>
+      </dgm:t>
     </dgm:pt>
     <dgm:pt modelId="{54D66E0D-D004-45FD-9EED-E63678A1BB80}" type="pres">
       <dgm:prSet presAssocID="{B24F059E-2381-418E-8D9F-01FACAA5389C}" presName="hierRoot4" presStyleCnt="0"/>
@@ -1340,6 +2871,13 @@
     <dgm:pt modelId="{313C49CB-1F38-453D-AC4E-EB303C7D12CD}" type="pres">
       <dgm:prSet presAssocID="{63D8498E-FF90-4D2A-B170-1A60E6B13508}" presName="Name17" presStyleLbl="parChTrans1D3" presStyleIdx="1" presStyleCnt="2"/>
       <dgm:spPr/>
+      <dgm:t>
+        <a:bodyPr/>
+        <a:lstStyle/>
+        <a:p>
+          <a:endParaRPr lang="en-GB"/>
+        </a:p>
+      </dgm:t>
     </dgm:pt>
     <dgm:pt modelId="{9ABB7E88-9AAE-40F7-B16B-9D6A7277E052}" type="pres">
       <dgm:prSet presAssocID="{91BA9D61-492F-4BB6-87CF-9DCA14C4491E}" presName="hierRoot3" presStyleCnt="0"/>
@@ -1427,6 +2965,1042 @@
     <dgm:cxn modelId="{D9822D11-78CE-41B9-BE5C-41C207741AA0}" type="presParOf" srcId="{06DB2936-8E61-4A1C-AC0A-F75ACD316877}" destId="{87F350D3-0BD0-4111-ACE2-FB550939B7F3}" srcOrd="0" destOrd="0" presId="urn:microsoft.com/office/officeart/2005/8/layout/hierarchy1"/>
     <dgm:cxn modelId="{3E06D390-CDB5-414D-9CF1-40E0EFF867A1}" type="presParOf" srcId="{06DB2936-8E61-4A1C-AC0A-F75ACD316877}" destId="{F96A21BC-697C-430F-AA7F-7E8FFDB85E16}" srcOrd="1" destOrd="0" presId="urn:microsoft.com/office/officeart/2005/8/layout/hierarchy1"/>
     <dgm:cxn modelId="{224E4364-31EB-4133-BB94-81B1FE551FEC}" type="presParOf" srcId="{9ABB7E88-9AAE-40F7-B16B-9D6A7277E052}" destId="{C4C60D2B-FF54-4C59-913C-3C820ACB30FD}" srcOrd="1" destOrd="0" presId="urn:microsoft.com/office/officeart/2005/8/layout/hierarchy1"/>
+  </dgm:cxnLst>
+  <dgm:bg/>
+  <dgm:whole/>
+  <dgm:extLst>
+    <a:ext uri="http://schemas.microsoft.com/office/drawing/2008/diagram">
+      <dsp:dataModelExt xmlns:dsp="http://schemas.microsoft.com/office/drawing/2008/diagram" relId="rId6" minVer="http://schemas.openxmlformats.org/drawingml/2006/diagram"/>
+    </a:ext>
+  </dgm:extLst>
+</dgm:dataModel>
+</file>
+
+<file path=ppt/diagrams/data2.xml><?xml version="1.0" encoding="utf-8"?>
+<dgm:dataModel xmlns:dgm="http://schemas.openxmlformats.org/drawingml/2006/diagram" xmlns:a="http://schemas.openxmlformats.org/drawingml/2006/main">
+  <dgm:ptLst>
+    <dgm:pt modelId="{47BDA446-C0F4-4403-AEAE-9E8290AC245A}" type="doc">
+      <dgm:prSet loTypeId="urn:microsoft.com/office/officeart/2005/8/layout/hierarchy1" loCatId="hierarchy" qsTypeId="urn:microsoft.com/office/officeart/2005/8/quickstyle/simple1" qsCatId="simple" csTypeId="urn:microsoft.com/office/officeart/2005/8/colors/accent1_2" csCatId="accent1" phldr="1"/>
+      <dgm:spPr/>
+      <dgm:t>
+        <a:bodyPr/>
+        <a:lstStyle/>
+        <a:p>
+          <a:endParaRPr lang="en-GB"/>
+        </a:p>
+      </dgm:t>
+    </dgm:pt>
+    <dgm:pt modelId="{F0B64D68-2078-439F-85C6-E8F4DCF10833}">
+      <dgm:prSet phldrT="[Text]" custT="1"/>
+      <dgm:spPr/>
+      <dgm:t>
+        <a:bodyPr/>
+        <a:lstStyle/>
+        <a:p>
+          <a:r>
+            <a:rPr lang="fr-FR" sz="1400" smtClean="0"/>
+            <a:t>Reception of the Working Paper</a:t>
+          </a:r>
+          <a:endParaRPr lang="en-GB" sz="1400"/>
+        </a:p>
+      </dgm:t>
+    </dgm:pt>
+    <dgm:pt modelId="{DED3AA24-C110-490D-891F-22DD6F40949C}" type="parTrans" cxnId="{8B74EB49-D6E5-4305-B7B1-375FB2B1D9C9}">
+      <dgm:prSet/>
+      <dgm:spPr/>
+      <dgm:t>
+        <a:bodyPr/>
+        <a:lstStyle/>
+        <a:p>
+          <a:endParaRPr lang="en-GB"/>
+        </a:p>
+      </dgm:t>
+    </dgm:pt>
+    <dgm:pt modelId="{6B9EF68D-37D4-4753-A78D-507653E3FB2C}" type="sibTrans" cxnId="{8B74EB49-D6E5-4305-B7B1-375FB2B1D9C9}">
+      <dgm:prSet/>
+      <dgm:spPr/>
+      <dgm:t>
+        <a:bodyPr/>
+        <a:lstStyle/>
+        <a:p>
+          <a:endParaRPr lang="en-GB"/>
+        </a:p>
+      </dgm:t>
+    </dgm:pt>
+    <dgm:pt modelId="{E59C2E2D-C485-4904-99BA-50D1D99830C6}">
+      <dgm:prSet phldrT="[Text]" custT="1"/>
+      <dgm:spPr>
+        <a:ln>
+          <a:solidFill>
+            <a:schemeClr val="accent2"/>
+          </a:solidFill>
+        </a:ln>
+      </dgm:spPr>
+      <dgm:t>
+        <a:bodyPr/>
+        <a:lstStyle/>
+        <a:p>
+          <a:r>
+            <a:rPr lang="fr-FR" sz="1400" b="1" smtClean="0"/>
+            <a:t>URGENT: check authors</a:t>
+          </a:r>
+        </a:p>
+        <a:p>
+          <a:r>
+            <a:rPr lang="fr-FR" sz="1400" smtClean="0"/>
+            <a:t>Do </a:t>
+          </a:r>
+          <a:r>
+            <a:rPr lang="fr-FR" sz="1400" smtClean="0"/>
+            <a:t>authors and affiliation exist?</a:t>
+          </a:r>
+          <a:endParaRPr lang="en-GB" sz="1400"/>
+        </a:p>
+      </dgm:t>
+    </dgm:pt>
+    <dgm:pt modelId="{59130E41-8C6D-4700-9BBB-C8FE19C7EAC4}" type="parTrans" cxnId="{8D671405-DDB5-4859-91BB-0B1A8E5419D4}">
+      <dgm:prSet/>
+      <dgm:spPr/>
+      <dgm:t>
+        <a:bodyPr/>
+        <a:lstStyle/>
+        <a:p>
+          <a:endParaRPr lang="en-GB"/>
+        </a:p>
+      </dgm:t>
+    </dgm:pt>
+    <dgm:pt modelId="{8D05AE1C-9B2E-4907-9114-574DC8F3CA02}" type="sibTrans" cxnId="{8D671405-DDB5-4859-91BB-0B1A8E5419D4}">
+      <dgm:prSet/>
+      <dgm:spPr/>
+      <dgm:t>
+        <a:bodyPr/>
+        <a:lstStyle/>
+        <a:p>
+          <a:endParaRPr lang="en-GB"/>
+        </a:p>
+      </dgm:t>
+    </dgm:pt>
+    <dgm:pt modelId="{0789DDAA-5BF9-4B1C-90E4-85118C28A7D3}">
+      <dgm:prSet custT="1"/>
+      <dgm:spPr/>
+      <dgm:t>
+        <a:bodyPr/>
+        <a:lstStyle/>
+        <a:p>
+          <a:r>
+            <a:rPr lang="fr-FR" sz="1400" smtClean="0"/>
+            <a:t>YES</a:t>
+          </a:r>
+        </a:p>
+        <a:p>
+          <a:r>
+            <a:rPr lang="fr-FR" sz="1400" b="1" smtClean="0"/>
+            <a:t>You can go ahead and create the Working Paper</a:t>
+          </a:r>
+        </a:p>
+      </dgm:t>
+    </dgm:pt>
+    <dgm:pt modelId="{F0EB2D1B-B0F4-4C32-B957-D1B365D43116}" type="parTrans" cxnId="{98AB328C-FB51-4A24-A2AB-170FCB58B642}">
+      <dgm:prSet/>
+      <dgm:spPr/>
+      <dgm:t>
+        <a:bodyPr/>
+        <a:lstStyle/>
+        <a:p>
+          <a:endParaRPr lang="en-GB"/>
+        </a:p>
+      </dgm:t>
+    </dgm:pt>
+    <dgm:pt modelId="{DA3A7B13-BC6D-4B8F-AD27-C25663362396}" type="sibTrans" cxnId="{98AB328C-FB51-4A24-A2AB-170FCB58B642}">
+      <dgm:prSet/>
+      <dgm:spPr/>
+      <dgm:t>
+        <a:bodyPr/>
+        <a:lstStyle/>
+        <a:p>
+          <a:endParaRPr lang="en-GB"/>
+        </a:p>
+      </dgm:t>
+    </dgm:pt>
+    <dgm:pt modelId="{B24F059E-2381-418E-8D9F-01FACAA5389C}">
+      <dgm:prSet custT="1"/>
+      <dgm:spPr/>
+      <dgm:t>
+        <a:bodyPr/>
+        <a:lstStyle/>
+        <a:p>
+          <a:r>
+            <a:rPr lang="fr-FR" sz="1400" smtClean="0"/>
+            <a:t>NO</a:t>
+          </a:r>
+        </a:p>
+        <a:p>
+          <a:r>
+            <a:rPr lang="fr-FR" sz="1400" b="1" smtClean="0"/>
+            <a:t>STEP </a:t>
+          </a:r>
+          <a:r>
+            <a:rPr lang="fr-FR" sz="1400" b="1" smtClean="0"/>
+            <a:t>2 </a:t>
+          </a:r>
+        </a:p>
+        <a:p>
+          <a:r>
+            <a:rPr lang="fr-FR" sz="1400" smtClean="0"/>
+            <a:t>creation </a:t>
+          </a:r>
+          <a:r>
+            <a:rPr lang="fr-FR" sz="1400" smtClean="0"/>
+            <a:t>of author and affiliation</a:t>
+          </a:r>
+          <a:endParaRPr lang="en-GB" sz="1400"/>
+        </a:p>
+      </dgm:t>
+    </dgm:pt>
+    <dgm:pt modelId="{DC1BFE07-E7CF-42EA-AA56-31762A576622}" type="parTrans" cxnId="{C0AA730A-8044-49A6-8C94-E34920DDB4E5}">
+      <dgm:prSet/>
+      <dgm:spPr/>
+      <dgm:t>
+        <a:bodyPr/>
+        <a:lstStyle/>
+        <a:p>
+          <a:endParaRPr lang="en-GB"/>
+        </a:p>
+      </dgm:t>
+    </dgm:pt>
+    <dgm:pt modelId="{177D8E64-A432-472B-A767-B2C2EF2C0BCF}" type="sibTrans" cxnId="{C0AA730A-8044-49A6-8C94-E34920DDB4E5}">
+      <dgm:prSet/>
+      <dgm:spPr/>
+      <dgm:t>
+        <a:bodyPr/>
+        <a:lstStyle/>
+        <a:p>
+          <a:endParaRPr lang="en-GB"/>
+        </a:p>
+      </dgm:t>
+    </dgm:pt>
+    <dgm:pt modelId="{DA90BC73-75D5-4045-A22E-907CFB243BFB}">
+      <dgm:prSet custT="1"/>
+      <dgm:spPr/>
+      <dgm:t>
+        <a:bodyPr/>
+        <a:lstStyle/>
+        <a:p>
+          <a:r>
+            <a:rPr lang="fr-FR" sz="1400" b="1" smtClean="0"/>
+            <a:t>STEP 3A</a:t>
+          </a:r>
+        </a:p>
+        <a:p>
+          <a:r>
+            <a:rPr lang="fr-FR" sz="1400" smtClean="0"/>
+            <a:t>Creation of a working paper </a:t>
+          </a:r>
+        </a:p>
+        <a:p>
+          <a:r>
+            <a:rPr lang="fr-FR" sz="1400" smtClean="0"/>
+            <a:t>via the Form</a:t>
+          </a:r>
+          <a:endParaRPr lang="en-GB" sz="1400"/>
+        </a:p>
+      </dgm:t>
+    </dgm:pt>
+    <dgm:pt modelId="{6EDBF98F-421A-4EA1-81CB-94D3DB8AD95D}" type="parTrans" cxnId="{053473D9-E995-47A1-A570-0504884A59FB}">
+      <dgm:prSet/>
+      <dgm:spPr/>
+      <dgm:t>
+        <a:bodyPr/>
+        <a:lstStyle/>
+        <a:p>
+          <a:endParaRPr lang="en-GB"/>
+        </a:p>
+      </dgm:t>
+    </dgm:pt>
+    <dgm:pt modelId="{2384FF1D-FB9F-4319-9DAA-9879596DA99D}" type="sibTrans" cxnId="{053473D9-E995-47A1-A570-0504884A59FB}">
+      <dgm:prSet/>
+      <dgm:spPr/>
+      <dgm:t>
+        <a:bodyPr/>
+        <a:lstStyle/>
+        <a:p>
+          <a:endParaRPr lang="en-GB"/>
+        </a:p>
+      </dgm:t>
+    </dgm:pt>
+    <dgm:pt modelId="{C2F4EF64-D17D-4F72-8599-7507CA0FE4B0}">
+      <dgm:prSet custT="1"/>
+      <dgm:spPr/>
+      <dgm:t>
+        <a:bodyPr/>
+        <a:lstStyle/>
+        <a:p>
+          <a:r>
+            <a:rPr lang="fr-FR" sz="1400" b="1" smtClean="0"/>
+            <a:t>STEP 3B</a:t>
+          </a:r>
+        </a:p>
+        <a:p>
+          <a:r>
+            <a:rPr lang="fr-FR" sz="1400" smtClean="0"/>
+            <a:t>Creation of a working paper</a:t>
+          </a:r>
+        </a:p>
+        <a:p>
+          <a:r>
+            <a:rPr lang="fr-FR" sz="1400" smtClean="0"/>
+            <a:t> using an XML file</a:t>
+          </a:r>
+          <a:endParaRPr lang="en-GB" sz="1400"/>
+        </a:p>
+      </dgm:t>
+    </dgm:pt>
+    <dgm:pt modelId="{F8790D07-3C2E-4078-BEBE-D73B5C85E8A7}" type="parTrans" cxnId="{9AD8C9C3-F953-4D8D-9979-43AAEC0E3D87}">
+      <dgm:prSet/>
+      <dgm:spPr/>
+      <dgm:t>
+        <a:bodyPr/>
+        <a:lstStyle/>
+        <a:p>
+          <a:endParaRPr lang="en-GB"/>
+        </a:p>
+      </dgm:t>
+    </dgm:pt>
+    <dgm:pt modelId="{38028F12-ABC4-4963-AEA8-264C59F481BD}" type="sibTrans" cxnId="{9AD8C9C3-F953-4D8D-9979-43AAEC0E3D87}">
+      <dgm:prSet/>
+      <dgm:spPr/>
+      <dgm:t>
+        <a:bodyPr/>
+        <a:lstStyle/>
+        <a:p>
+          <a:endParaRPr lang="en-GB"/>
+        </a:p>
+      </dgm:t>
+    </dgm:pt>
+    <dgm:pt modelId="{5618E7D5-7FB7-42AB-8A59-8C5946DA294C}" type="pres">
+      <dgm:prSet presAssocID="{47BDA446-C0F4-4403-AEAE-9E8290AC245A}" presName="hierChild1" presStyleCnt="0">
+        <dgm:presLayoutVars>
+          <dgm:chPref val="1"/>
+          <dgm:dir/>
+          <dgm:animOne val="branch"/>
+          <dgm:animLvl val="lvl"/>
+          <dgm:resizeHandles/>
+        </dgm:presLayoutVars>
+      </dgm:prSet>
+      <dgm:spPr/>
+      <dgm:t>
+        <a:bodyPr/>
+        <a:lstStyle/>
+        <a:p>
+          <a:endParaRPr lang="en-GB"/>
+        </a:p>
+      </dgm:t>
+    </dgm:pt>
+    <dgm:pt modelId="{EBB1D6E3-8BD3-4898-BA54-EAF982CBDABB}" type="pres">
+      <dgm:prSet presAssocID="{F0B64D68-2078-439F-85C6-E8F4DCF10833}" presName="hierRoot1" presStyleCnt="0"/>
+      <dgm:spPr/>
+    </dgm:pt>
+    <dgm:pt modelId="{88A1303F-1404-4349-B698-EF872B8B8F05}" type="pres">
+      <dgm:prSet presAssocID="{F0B64D68-2078-439F-85C6-E8F4DCF10833}" presName="composite" presStyleCnt="0"/>
+      <dgm:spPr/>
+    </dgm:pt>
+    <dgm:pt modelId="{DF59BC37-FAF8-41A7-B31B-D079BB5A1748}" type="pres">
+      <dgm:prSet presAssocID="{F0B64D68-2078-439F-85C6-E8F4DCF10833}" presName="background" presStyleLbl="node0" presStyleIdx="0" presStyleCnt="1"/>
+      <dgm:spPr/>
+    </dgm:pt>
+    <dgm:pt modelId="{DE1DD832-D35C-4C10-B562-2D190E99A7B6}" type="pres">
+      <dgm:prSet presAssocID="{F0B64D68-2078-439F-85C6-E8F4DCF10833}" presName="text" presStyleLbl="fgAcc0" presStyleIdx="0" presStyleCnt="1" custScaleY="44961" custLinFactNeighborX="2384" custLinFactNeighborY="-2953">
+        <dgm:presLayoutVars>
+          <dgm:chPref val="3"/>
+        </dgm:presLayoutVars>
+      </dgm:prSet>
+      <dgm:spPr/>
+      <dgm:t>
+        <a:bodyPr/>
+        <a:lstStyle/>
+        <a:p>
+          <a:endParaRPr lang="en-GB"/>
+        </a:p>
+      </dgm:t>
+    </dgm:pt>
+    <dgm:pt modelId="{2DF974F9-017E-4234-BD50-935D61EA9E61}" type="pres">
+      <dgm:prSet presAssocID="{F0B64D68-2078-439F-85C6-E8F4DCF10833}" presName="hierChild2" presStyleCnt="0"/>
+      <dgm:spPr/>
+    </dgm:pt>
+    <dgm:pt modelId="{9DB1EA88-1DFC-4C71-9FDF-0F7F45F4F38F}" type="pres">
+      <dgm:prSet presAssocID="{59130E41-8C6D-4700-9BBB-C8FE19C7EAC4}" presName="Name10" presStyleLbl="parChTrans1D2" presStyleIdx="0" presStyleCnt="1"/>
+      <dgm:spPr/>
+      <dgm:t>
+        <a:bodyPr/>
+        <a:lstStyle/>
+        <a:p>
+          <a:endParaRPr lang="en-GB"/>
+        </a:p>
+      </dgm:t>
+    </dgm:pt>
+    <dgm:pt modelId="{3CA8B3A2-A6ED-4D0C-99E6-F99DA57D4392}" type="pres">
+      <dgm:prSet presAssocID="{E59C2E2D-C485-4904-99BA-50D1D99830C6}" presName="hierRoot2" presStyleCnt="0"/>
+      <dgm:spPr/>
+    </dgm:pt>
+    <dgm:pt modelId="{528B4FAC-8248-491D-BDB9-38B8BB2D2FAB}" type="pres">
+      <dgm:prSet presAssocID="{E59C2E2D-C485-4904-99BA-50D1D99830C6}" presName="composite2" presStyleCnt="0"/>
+      <dgm:spPr/>
+    </dgm:pt>
+    <dgm:pt modelId="{2704FF83-E38A-4704-A469-CF8FD278B8CE}" type="pres">
+      <dgm:prSet presAssocID="{E59C2E2D-C485-4904-99BA-50D1D99830C6}" presName="background2" presStyleLbl="node2" presStyleIdx="0" presStyleCnt="1"/>
+      <dgm:spPr>
+        <a:solidFill>
+          <a:schemeClr val="accent6">
+            <a:lumMod val="75000"/>
+          </a:schemeClr>
+        </a:solidFill>
+      </dgm:spPr>
+      <dgm:t>
+        <a:bodyPr/>
+        <a:lstStyle/>
+        <a:p>
+          <a:endParaRPr lang="en-GB"/>
+        </a:p>
+      </dgm:t>
+    </dgm:pt>
+    <dgm:pt modelId="{D8D2A675-F486-4510-A4C2-B51EE00F527F}" type="pres">
+      <dgm:prSet presAssocID="{E59C2E2D-C485-4904-99BA-50D1D99830C6}" presName="text2" presStyleLbl="fgAcc2" presStyleIdx="0" presStyleCnt="1" custScaleY="52510" custLinFactNeighborX="5237" custLinFactNeighborY="-23551">
+        <dgm:presLayoutVars>
+          <dgm:chPref val="3"/>
+        </dgm:presLayoutVars>
+      </dgm:prSet>
+      <dgm:spPr/>
+      <dgm:t>
+        <a:bodyPr/>
+        <a:lstStyle/>
+        <a:p>
+          <a:endParaRPr lang="en-GB"/>
+        </a:p>
+      </dgm:t>
+    </dgm:pt>
+    <dgm:pt modelId="{C73CE857-3393-481C-BC46-0A43C752AF3F}" type="pres">
+      <dgm:prSet presAssocID="{E59C2E2D-C485-4904-99BA-50D1D99830C6}" presName="hierChild3" presStyleCnt="0"/>
+      <dgm:spPr/>
+    </dgm:pt>
+    <dgm:pt modelId="{95BC0BF2-A6C6-49EB-968E-C832DC204B59}" type="pres">
+      <dgm:prSet presAssocID="{F0EB2D1B-B0F4-4C32-B957-D1B365D43116}" presName="Name17" presStyleLbl="parChTrans1D3" presStyleIdx="0" presStyleCnt="2"/>
+      <dgm:spPr/>
+      <dgm:t>
+        <a:bodyPr/>
+        <a:lstStyle/>
+        <a:p>
+          <a:endParaRPr lang="en-GB"/>
+        </a:p>
+      </dgm:t>
+    </dgm:pt>
+    <dgm:pt modelId="{FA821E8F-63DB-4AFA-AEAC-62016E1703A0}" type="pres">
+      <dgm:prSet presAssocID="{0789DDAA-5BF9-4B1C-90E4-85118C28A7D3}" presName="hierRoot3" presStyleCnt="0"/>
+      <dgm:spPr/>
+    </dgm:pt>
+    <dgm:pt modelId="{9C5B6592-4CF3-472C-80BB-34968F814520}" type="pres">
+      <dgm:prSet presAssocID="{0789DDAA-5BF9-4B1C-90E4-85118C28A7D3}" presName="composite3" presStyleCnt="0"/>
+      <dgm:spPr/>
+    </dgm:pt>
+    <dgm:pt modelId="{D109EC7C-C09E-4344-80BD-080CEA189107}" type="pres">
+      <dgm:prSet presAssocID="{0789DDAA-5BF9-4B1C-90E4-85118C28A7D3}" presName="background3" presStyleLbl="node3" presStyleIdx="0" presStyleCnt="2"/>
+      <dgm:spPr/>
+    </dgm:pt>
+    <dgm:pt modelId="{4D4E702E-D1B9-44A4-B94B-136FA5149430}" type="pres">
+      <dgm:prSet presAssocID="{0789DDAA-5BF9-4B1C-90E4-85118C28A7D3}" presName="text3" presStyleLbl="fgAcc3" presStyleIdx="0" presStyleCnt="2" custScaleY="58224" custLinFactNeighborX="-32725" custLinFactNeighborY="-27994">
+        <dgm:presLayoutVars>
+          <dgm:chPref val="3"/>
+        </dgm:presLayoutVars>
+      </dgm:prSet>
+      <dgm:spPr/>
+      <dgm:t>
+        <a:bodyPr/>
+        <a:lstStyle/>
+        <a:p>
+          <a:endParaRPr lang="en-GB"/>
+        </a:p>
+      </dgm:t>
+    </dgm:pt>
+    <dgm:pt modelId="{090BA379-FFCD-4E01-A3B6-C0F4DC5780E2}" type="pres">
+      <dgm:prSet presAssocID="{0789DDAA-5BF9-4B1C-90E4-85118C28A7D3}" presName="hierChild4" presStyleCnt="0"/>
+      <dgm:spPr/>
+    </dgm:pt>
+    <dgm:pt modelId="{BCDBD1D6-A6D7-46E5-9ECD-1551F9801A0A}" type="pres">
+      <dgm:prSet presAssocID="{6EDBF98F-421A-4EA1-81CB-94D3DB8AD95D}" presName="Name23" presStyleLbl="parChTrans1D4" presStyleIdx="0" presStyleCnt="2"/>
+      <dgm:spPr/>
+    </dgm:pt>
+    <dgm:pt modelId="{AE09DD33-29BA-432E-8F72-8AD5E5EE4D17}" type="pres">
+      <dgm:prSet presAssocID="{DA90BC73-75D5-4045-A22E-907CFB243BFB}" presName="hierRoot4" presStyleCnt="0"/>
+      <dgm:spPr/>
+    </dgm:pt>
+    <dgm:pt modelId="{5F2EFC5C-A1AE-4CBB-ADEA-6F7FA18161E9}" type="pres">
+      <dgm:prSet presAssocID="{DA90BC73-75D5-4045-A22E-907CFB243BFB}" presName="composite4" presStyleCnt="0"/>
+      <dgm:spPr/>
+    </dgm:pt>
+    <dgm:pt modelId="{7432A4C8-F18D-45D8-9032-74348FED1E66}" type="pres">
+      <dgm:prSet presAssocID="{DA90BC73-75D5-4045-A22E-907CFB243BFB}" presName="background4" presStyleLbl="node4" presStyleIdx="0" presStyleCnt="2"/>
+      <dgm:spPr/>
+    </dgm:pt>
+    <dgm:pt modelId="{CE336225-1E8F-4F89-8F11-D8F0589F7C13}" type="pres">
+      <dgm:prSet presAssocID="{DA90BC73-75D5-4045-A22E-907CFB243BFB}" presName="text4" presStyleLbl="fgAcc4" presStyleIdx="0" presStyleCnt="2" custScaleX="96192" custScaleY="53793" custLinFactNeighborX="-20121" custLinFactNeighborY="-21473">
+        <dgm:presLayoutVars>
+          <dgm:chPref val="3"/>
+        </dgm:presLayoutVars>
+      </dgm:prSet>
+      <dgm:spPr/>
+    </dgm:pt>
+    <dgm:pt modelId="{1FD0C56D-2FF2-4F4D-81F6-410F9EC5EE69}" type="pres">
+      <dgm:prSet presAssocID="{DA90BC73-75D5-4045-A22E-907CFB243BFB}" presName="hierChild5" presStyleCnt="0"/>
+      <dgm:spPr/>
+    </dgm:pt>
+    <dgm:pt modelId="{E8441736-2B19-40A0-B6AC-9D5E3CB0933D}" type="pres">
+      <dgm:prSet presAssocID="{F8790D07-3C2E-4078-BEBE-D73B5C85E8A7}" presName="Name23" presStyleLbl="parChTrans1D4" presStyleIdx="1" presStyleCnt="2"/>
+      <dgm:spPr/>
+    </dgm:pt>
+    <dgm:pt modelId="{24A300B9-0BE2-480C-84B9-A5B378353BCA}" type="pres">
+      <dgm:prSet presAssocID="{C2F4EF64-D17D-4F72-8599-7507CA0FE4B0}" presName="hierRoot4" presStyleCnt="0"/>
+      <dgm:spPr/>
+    </dgm:pt>
+    <dgm:pt modelId="{C91E06A1-0D32-4902-86ED-DF1ED244D556}" type="pres">
+      <dgm:prSet presAssocID="{C2F4EF64-D17D-4F72-8599-7507CA0FE4B0}" presName="composite4" presStyleCnt="0"/>
+      <dgm:spPr/>
+    </dgm:pt>
+    <dgm:pt modelId="{A2F187DA-7FED-48B1-A25A-9458EED12E0B}" type="pres">
+      <dgm:prSet presAssocID="{C2F4EF64-D17D-4F72-8599-7507CA0FE4B0}" presName="background4" presStyleLbl="node4" presStyleIdx="1" presStyleCnt="2"/>
+      <dgm:spPr/>
+    </dgm:pt>
+    <dgm:pt modelId="{1A6802AC-EC08-4B0A-9606-EDC7AD661EAE}" type="pres">
+      <dgm:prSet presAssocID="{C2F4EF64-D17D-4F72-8599-7507CA0FE4B0}" presName="text4" presStyleLbl="fgAcc4" presStyleIdx="1" presStyleCnt="2" custScaleX="88691" custScaleY="53793" custLinFactNeighborX="-10963" custLinFactNeighborY="-21473">
+        <dgm:presLayoutVars>
+          <dgm:chPref val="3"/>
+        </dgm:presLayoutVars>
+      </dgm:prSet>
+      <dgm:spPr/>
+      <dgm:t>
+        <a:bodyPr/>
+        <a:lstStyle/>
+        <a:p>
+          <a:endParaRPr lang="en-GB"/>
+        </a:p>
+      </dgm:t>
+    </dgm:pt>
+    <dgm:pt modelId="{FD4AE683-DD84-403D-AF49-37459D937FAE}" type="pres">
+      <dgm:prSet presAssocID="{C2F4EF64-D17D-4F72-8599-7507CA0FE4B0}" presName="hierChild5" presStyleCnt="0"/>
+      <dgm:spPr/>
+    </dgm:pt>
+    <dgm:pt modelId="{3F457C5B-1528-4B97-8CCC-7561E0655C30}" type="pres">
+      <dgm:prSet presAssocID="{DC1BFE07-E7CF-42EA-AA56-31762A576622}" presName="Name17" presStyleLbl="parChTrans1D3" presStyleIdx="1" presStyleCnt="2"/>
+      <dgm:spPr/>
+      <dgm:t>
+        <a:bodyPr/>
+        <a:lstStyle/>
+        <a:p>
+          <a:endParaRPr lang="en-GB"/>
+        </a:p>
+      </dgm:t>
+    </dgm:pt>
+    <dgm:pt modelId="{D5E751C0-7AE9-4B9C-B503-B100D10A32B4}" type="pres">
+      <dgm:prSet presAssocID="{B24F059E-2381-418E-8D9F-01FACAA5389C}" presName="hierRoot3" presStyleCnt="0"/>
+      <dgm:spPr/>
+    </dgm:pt>
+    <dgm:pt modelId="{871EDC61-015B-41C0-BE86-495AC851A0A5}" type="pres">
+      <dgm:prSet presAssocID="{B24F059E-2381-418E-8D9F-01FACAA5389C}" presName="composite3" presStyleCnt="0"/>
+      <dgm:spPr/>
+    </dgm:pt>
+    <dgm:pt modelId="{CA3F5F9A-FB1D-4570-97AD-47836F3CBBA0}" type="pres">
+      <dgm:prSet presAssocID="{B24F059E-2381-418E-8D9F-01FACAA5389C}" presName="background3" presStyleLbl="node3" presStyleIdx="1" presStyleCnt="2"/>
+      <dgm:spPr/>
+    </dgm:pt>
+    <dgm:pt modelId="{93D830B4-6443-4BF2-8E39-73B15E17C511}" type="pres">
+      <dgm:prSet presAssocID="{B24F059E-2381-418E-8D9F-01FACAA5389C}" presName="text3" presStyleLbl="fgAcc3" presStyleIdx="1" presStyleCnt="2" custScaleX="113639" custScaleY="58224" custLinFactNeighborX="17619" custLinFactNeighborY="-27994">
+        <dgm:presLayoutVars>
+          <dgm:chPref val="3"/>
+        </dgm:presLayoutVars>
+      </dgm:prSet>
+      <dgm:spPr/>
+      <dgm:t>
+        <a:bodyPr/>
+        <a:lstStyle/>
+        <a:p>
+          <a:endParaRPr lang="en-GB"/>
+        </a:p>
+      </dgm:t>
+    </dgm:pt>
+    <dgm:pt modelId="{D303FD7A-673F-482E-B98E-F9A6381D3C8D}" type="pres">
+      <dgm:prSet presAssocID="{B24F059E-2381-418E-8D9F-01FACAA5389C}" presName="hierChild4" presStyleCnt="0"/>
+      <dgm:spPr/>
+    </dgm:pt>
+  </dgm:ptLst>
+  <dgm:cxnLst>
+    <dgm:cxn modelId="{7C8E7F51-3FE6-42CA-899E-98732EA73080}" type="presOf" srcId="{F0B64D68-2078-439F-85C6-E8F4DCF10833}" destId="{DE1DD832-D35C-4C10-B562-2D190E99A7B6}" srcOrd="0" destOrd="0" presId="urn:microsoft.com/office/officeart/2005/8/layout/hierarchy1"/>
+    <dgm:cxn modelId="{2F1646BE-DADA-4AD5-AB4E-12627D92BBD9}" type="presOf" srcId="{DA90BC73-75D5-4045-A22E-907CFB243BFB}" destId="{CE336225-1E8F-4F89-8F11-D8F0589F7C13}" srcOrd="0" destOrd="0" presId="urn:microsoft.com/office/officeart/2005/8/layout/hierarchy1"/>
+    <dgm:cxn modelId="{17B38BB8-35AB-4095-8795-EC50105F0A3F}" type="presOf" srcId="{C2F4EF64-D17D-4F72-8599-7507CA0FE4B0}" destId="{1A6802AC-EC08-4B0A-9606-EDC7AD661EAE}" srcOrd="0" destOrd="0" presId="urn:microsoft.com/office/officeart/2005/8/layout/hierarchy1"/>
+    <dgm:cxn modelId="{B7D91874-FDE8-46A1-8767-5DC98F1AC44E}" type="presOf" srcId="{47BDA446-C0F4-4403-AEAE-9E8290AC245A}" destId="{5618E7D5-7FB7-42AB-8A59-8C5946DA294C}" srcOrd="0" destOrd="0" presId="urn:microsoft.com/office/officeart/2005/8/layout/hierarchy1"/>
+    <dgm:cxn modelId="{EC969D58-FF0F-48BC-893B-3FB042E035FC}" type="presOf" srcId="{59130E41-8C6D-4700-9BBB-C8FE19C7EAC4}" destId="{9DB1EA88-1DFC-4C71-9FDF-0F7F45F4F38F}" srcOrd="0" destOrd="0" presId="urn:microsoft.com/office/officeart/2005/8/layout/hierarchy1"/>
+    <dgm:cxn modelId="{8D671405-DDB5-4859-91BB-0B1A8E5419D4}" srcId="{F0B64D68-2078-439F-85C6-E8F4DCF10833}" destId="{E59C2E2D-C485-4904-99BA-50D1D99830C6}" srcOrd="0" destOrd="0" parTransId="{59130E41-8C6D-4700-9BBB-C8FE19C7EAC4}" sibTransId="{8D05AE1C-9B2E-4907-9114-574DC8F3CA02}"/>
+    <dgm:cxn modelId="{77310C57-512C-4D39-BB53-7BA139A9B5A4}" type="presOf" srcId="{B24F059E-2381-418E-8D9F-01FACAA5389C}" destId="{93D830B4-6443-4BF2-8E39-73B15E17C511}" srcOrd="0" destOrd="0" presId="urn:microsoft.com/office/officeart/2005/8/layout/hierarchy1"/>
+    <dgm:cxn modelId="{AE0FEAC1-59D9-46B6-8ED5-ADD403D7432E}" type="presOf" srcId="{0789DDAA-5BF9-4B1C-90E4-85118C28A7D3}" destId="{4D4E702E-D1B9-44A4-B94B-136FA5149430}" srcOrd="0" destOrd="0" presId="urn:microsoft.com/office/officeart/2005/8/layout/hierarchy1"/>
+    <dgm:cxn modelId="{C8B57B55-34EB-4C67-923A-9AC7D1CC6C9B}" type="presOf" srcId="{E59C2E2D-C485-4904-99BA-50D1D99830C6}" destId="{D8D2A675-F486-4510-A4C2-B51EE00F527F}" srcOrd="0" destOrd="0" presId="urn:microsoft.com/office/officeart/2005/8/layout/hierarchy1"/>
+    <dgm:cxn modelId="{C182643E-903C-48FE-9103-71A85F4AFD85}" type="presOf" srcId="{F8790D07-3C2E-4078-BEBE-D73B5C85E8A7}" destId="{E8441736-2B19-40A0-B6AC-9D5E3CB0933D}" srcOrd="0" destOrd="0" presId="urn:microsoft.com/office/officeart/2005/8/layout/hierarchy1"/>
+    <dgm:cxn modelId="{98AB328C-FB51-4A24-A2AB-170FCB58B642}" srcId="{E59C2E2D-C485-4904-99BA-50D1D99830C6}" destId="{0789DDAA-5BF9-4B1C-90E4-85118C28A7D3}" srcOrd="0" destOrd="0" parTransId="{F0EB2D1B-B0F4-4C32-B957-D1B365D43116}" sibTransId="{DA3A7B13-BC6D-4B8F-AD27-C25663362396}"/>
+    <dgm:cxn modelId="{053473D9-E995-47A1-A570-0504884A59FB}" srcId="{0789DDAA-5BF9-4B1C-90E4-85118C28A7D3}" destId="{DA90BC73-75D5-4045-A22E-907CFB243BFB}" srcOrd="0" destOrd="0" parTransId="{6EDBF98F-421A-4EA1-81CB-94D3DB8AD95D}" sibTransId="{2384FF1D-FB9F-4319-9DAA-9879596DA99D}"/>
+    <dgm:cxn modelId="{8B74EB49-D6E5-4305-B7B1-375FB2B1D9C9}" srcId="{47BDA446-C0F4-4403-AEAE-9E8290AC245A}" destId="{F0B64D68-2078-439F-85C6-E8F4DCF10833}" srcOrd="0" destOrd="0" parTransId="{DED3AA24-C110-490D-891F-22DD6F40949C}" sibTransId="{6B9EF68D-37D4-4753-A78D-507653E3FB2C}"/>
+    <dgm:cxn modelId="{C0AA730A-8044-49A6-8C94-E34920DDB4E5}" srcId="{E59C2E2D-C485-4904-99BA-50D1D99830C6}" destId="{B24F059E-2381-418E-8D9F-01FACAA5389C}" srcOrd="1" destOrd="0" parTransId="{DC1BFE07-E7CF-42EA-AA56-31762A576622}" sibTransId="{177D8E64-A432-472B-A767-B2C2EF2C0BCF}"/>
+    <dgm:cxn modelId="{DC4474BB-E31B-4886-A054-DC5E2AB7CD64}" type="presOf" srcId="{6EDBF98F-421A-4EA1-81CB-94D3DB8AD95D}" destId="{BCDBD1D6-A6D7-46E5-9ECD-1551F9801A0A}" srcOrd="0" destOrd="0" presId="urn:microsoft.com/office/officeart/2005/8/layout/hierarchy1"/>
+    <dgm:cxn modelId="{9AD8C9C3-F953-4D8D-9979-43AAEC0E3D87}" srcId="{0789DDAA-5BF9-4B1C-90E4-85118C28A7D3}" destId="{C2F4EF64-D17D-4F72-8599-7507CA0FE4B0}" srcOrd="1" destOrd="0" parTransId="{F8790D07-3C2E-4078-BEBE-D73B5C85E8A7}" sibTransId="{38028F12-ABC4-4963-AEA8-264C59F481BD}"/>
+    <dgm:cxn modelId="{92386228-C8D5-43FD-B799-6EEEAC3007E3}" type="presOf" srcId="{DC1BFE07-E7CF-42EA-AA56-31762A576622}" destId="{3F457C5B-1528-4B97-8CCC-7561E0655C30}" srcOrd="0" destOrd="0" presId="urn:microsoft.com/office/officeart/2005/8/layout/hierarchy1"/>
+    <dgm:cxn modelId="{ADD780F5-C7C5-46DF-861F-558A20B2F5EC}" type="presOf" srcId="{F0EB2D1B-B0F4-4C32-B957-D1B365D43116}" destId="{95BC0BF2-A6C6-49EB-968E-C832DC204B59}" srcOrd="0" destOrd="0" presId="urn:microsoft.com/office/officeart/2005/8/layout/hierarchy1"/>
+    <dgm:cxn modelId="{8CD39579-35D8-41EA-807C-E202479BD2B6}" type="presParOf" srcId="{5618E7D5-7FB7-42AB-8A59-8C5946DA294C}" destId="{EBB1D6E3-8BD3-4898-BA54-EAF982CBDABB}" srcOrd="0" destOrd="0" presId="urn:microsoft.com/office/officeart/2005/8/layout/hierarchy1"/>
+    <dgm:cxn modelId="{85DE06C0-85F3-4A98-B028-D021438ABF68}" type="presParOf" srcId="{EBB1D6E3-8BD3-4898-BA54-EAF982CBDABB}" destId="{88A1303F-1404-4349-B698-EF872B8B8F05}" srcOrd="0" destOrd="0" presId="urn:microsoft.com/office/officeart/2005/8/layout/hierarchy1"/>
+    <dgm:cxn modelId="{7FDA6BFD-68F1-4657-90ED-976D84BD58FB}" type="presParOf" srcId="{88A1303F-1404-4349-B698-EF872B8B8F05}" destId="{DF59BC37-FAF8-41A7-B31B-D079BB5A1748}" srcOrd="0" destOrd="0" presId="urn:microsoft.com/office/officeart/2005/8/layout/hierarchy1"/>
+    <dgm:cxn modelId="{C145AEE5-EF74-4E7F-9781-B31B66EF0885}" type="presParOf" srcId="{88A1303F-1404-4349-B698-EF872B8B8F05}" destId="{DE1DD832-D35C-4C10-B562-2D190E99A7B6}" srcOrd="1" destOrd="0" presId="urn:microsoft.com/office/officeart/2005/8/layout/hierarchy1"/>
+    <dgm:cxn modelId="{B2DAEABF-FCED-4CC5-B926-73E6496F9D82}" type="presParOf" srcId="{EBB1D6E3-8BD3-4898-BA54-EAF982CBDABB}" destId="{2DF974F9-017E-4234-BD50-935D61EA9E61}" srcOrd="1" destOrd="0" presId="urn:microsoft.com/office/officeart/2005/8/layout/hierarchy1"/>
+    <dgm:cxn modelId="{2D7E602F-7F58-4B42-9CAD-13C3E958E640}" type="presParOf" srcId="{2DF974F9-017E-4234-BD50-935D61EA9E61}" destId="{9DB1EA88-1DFC-4C71-9FDF-0F7F45F4F38F}" srcOrd="0" destOrd="0" presId="urn:microsoft.com/office/officeart/2005/8/layout/hierarchy1"/>
+    <dgm:cxn modelId="{96FED420-1E92-4DF7-BDC9-D9AD663DF465}" type="presParOf" srcId="{2DF974F9-017E-4234-BD50-935D61EA9E61}" destId="{3CA8B3A2-A6ED-4D0C-99E6-F99DA57D4392}" srcOrd="1" destOrd="0" presId="urn:microsoft.com/office/officeart/2005/8/layout/hierarchy1"/>
+    <dgm:cxn modelId="{2EE54009-D6E9-4852-8FE6-8D6275D7F1E4}" type="presParOf" srcId="{3CA8B3A2-A6ED-4D0C-99E6-F99DA57D4392}" destId="{528B4FAC-8248-491D-BDB9-38B8BB2D2FAB}" srcOrd="0" destOrd="0" presId="urn:microsoft.com/office/officeart/2005/8/layout/hierarchy1"/>
+    <dgm:cxn modelId="{527E25CB-FB06-4F2D-B44E-B7DA6027A19E}" type="presParOf" srcId="{528B4FAC-8248-491D-BDB9-38B8BB2D2FAB}" destId="{2704FF83-E38A-4704-A469-CF8FD278B8CE}" srcOrd="0" destOrd="0" presId="urn:microsoft.com/office/officeart/2005/8/layout/hierarchy1"/>
+    <dgm:cxn modelId="{A29FC9BD-D51D-4819-BF85-31B384B3F9C2}" type="presParOf" srcId="{528B4FAC-8248-491D-BDB9-38B8BB2D2FAB}" destId="{D8D2A675-F486-4510-A4C2-B51EE00F527F}" srcOrd="1" destOrd="0" presId="urn:microsoft.com/office/officeart/2005/8/layout/hierarchy1"/>
+    <dgm:cxn modelId="{0F7BE212-648D-4575-841A-6BE73DE8314A}" type="presParOf" srcId="{3CA8B3A2-A6ED-4D0C-99E6-F99DA57D4392}" destId="{C73CE857-3393-481C-BC46-0A43C752AF3F}" srcOrd="1" destOrd="0" presId="urn:microsoft.com/office/officeart/2005/8/layout/hierarchy1"/>
+    <dgm:cxn modelId="{FCA59E2C-DA52-4E60-94DD-0B22B0234391}" type="presParOf" srcId="{C73CE857-3393-481C-BC46-0A43C752AF3F}" destId="{95BC0BF2-A6C6-49EB-968E-C832DC204B59}" srcOrd="0" destOrd="0" presId="urn:microsoft.com/office/officeart/2005/8/layout/hierarchy1"/>
+    <dgm:cxn modelId="{28D48D19-B425-4960-ADD0-8CD2504B8FA2}" type="presParOf" srcId="{C73CE857-3393-481C-BC46-0A43C752AF3F}" destId="{FA821E8F-63DB-4AFA-AEAC-62016E1703A0}" srcOrd="1" destOrd="0" presId="urn:microsoft.com/office/officeart/2005/8/layout/hierarchy1"/>
+    <dgm:cxn modelId="{1211DEFE-8226-466C-9A28-6E648818D93A}" type="presParOf" srcId="{FA821E8F-63DB-4AFA-AEAC-62016E1703A0}" destId="{9C5B6592-4CF3-472C-80BB-34968F814520}" srcOrd="0" destOrd="0" presId="urn:microsoft.com/office/officeart/2005/8/layout/hierarchy1"/>
+    <dgm:cxn modelId="{FF27D18F-06D5-4CDE-9877-90772C4ECEDC}" type="presParOf" srcId="{9C5B6592-4CF3-472C-80BB-34968F814520}" destId="{D109EC7C-C09E-4344-80BD-080CEA189107}" srcOrd="0" destOrd="0" presId="urn:microsoft.com/office/officeart/2005/8/layout/hierarchy1"/>
+    <dgm:cxn modelId="{756FAFBD-BCE8-4A29-8FD6-4DA250E663F3}" type="presParOf" srcId="{9C5B6592-4CF3-472C-80BB-34968F814520}" destId="{4D4E702E-D1B9-44A4-B94B-136FA5149430}" srcOrd="1" destOrd="0" presId="urn:microsoft.com/office/officeart/2005/8/layout/hierarchy1"/>
+    <dgm:cxn modelId="{D1035DDA-AD97-4070-B01D-28277BA1B873}" type="presParOf" srcId="{FA821E8F-63DB-4AFA-AEAC-62016E1703A0}" destId="{090BA379-FFCD-4E01-A3B6-C0F4DC5780E2}" srcOrd="1" destOrd="0" presId="urn:microsoft.com/office/officeart/2005/8/layout/hierarchy1"/>
+    <dgm:cxn modelId="{32202AC4-0941-4F4D-B03E-621CE490DDA8}" type="presParOf" srcId="{090BA379-FFCD-4E01-A3B6-C0F4DC5780E2}" destId="{BCDBD1D6-A6D7-46E5-9ECD-1551F9801A0A}" srcOrd="0" destOrd="0" presId="urn:microsoft.com/office/officeart/2005/8/layout/hierarchy1"/>
+    <dgm:cxn modelId="{FCD72D31-122C-4F57-9CE9-6EC3879E0F11}" type="presParOf" srcId="{090BA379-FFCD-4E01-A3B6-C0F4DC5780E2}" destId="{AE09DD33-29BA-432E-8F72-8AD5E5EE4D17}" srcOrd="1" destOrd="0" presId="urn:microsoft.com/office/officeart/2005/8/layout/hierarchy1"/>
+    <dgm:cxn modelId="{C72DD04C-41ED-4FBF-8292-6214AC4A9ADC}" type="presParOf" srcId="{AE09DD33-29BA-432E-8F72-8AD5E5EE4D17}" destId="{5F2EFC5C-A1AE-4CBB-ADEA-6F7FA18161E9}" srcOrd="0" destOrd="0" presId="urn:microsoft.com/office/officeart/2005/8/layout/hierarchy1"/>
+    <dgm:cxn modelId="{FB61F336-B127-4EFF-A531-78024AB5B106}" type="presParOf" srcId="{5F2EFC5C-A1AE-4CBB-ADEA-6F7FA18161E9}" destId="{7432A4C8-F18D-45D8-9032-74348FED1E66}" srcOrd="0" destOrd="0" presId="urn:microsoft.com/office/officeart/2005/8/layout/hierarchy1"/>
+    <dgm:cxn modelId="{0A25212C-AB9B-41E2-9A67-26FE64A934D4}" type="presParOf" srcId="{5F2EFC5C-A1AE-4CBB-ADEA-6F7FA18161E9}" destId="{CE336225-1E8F-4F89-8F11-D8F0589F7C13}" srcOrd="1" destOrd="0" presId="urn:microsoft.com/office/officeart/2005/8/layout/hierarchy1"/>
+    <dgm:cxn modelId="{98322552-7383-47D4-969C-789ED13DBE9A}" type="presParOf" srcId="{AE09DD33-29BA-432E-8F72-8AD5E5EE4D17}" destId="{1FD0C56D-2FF2-4F4D-81F6-410F9EC5EE69}" srcOrd="1" destOrd="0" presId="urn:microsoft.com/office/officeart/2005/8/layout/hierarchy1"/>
+    <dgm:cxn modelId="{BECC3A4B-572E-41E7-9E14-4C141D065D1F}" type="presParOf" srcId="{090BA379-FFCD-4E01-A3B6-C0F4DC5780E2}" destId="{E8441736-2B19-40A0-B6AC-9D5E3CB0933D}" srcOrd="2" destOrd="0" presId="urn:microsoft.com/office/officeart/2005/8/layout/hierarchy1"/>
+    <dgm:cxn modelId="{AD8FC241-B702-4D58-ACC0-858243B852DB}" type="presParOf" srcId="{090BA379-FFCD-4E01-A3B6-C0F4DC5780E2}" destId="{24A300B9-0BE2-480C-84B9-A5B378353BCA}" srcOrd="3" destOrd="0" presId="urn:microsoft.com/office/officeart/2005/8/layout/hierarchy1"/>
+    <dgm:cxn modelId="{7C4839A6-2805-44E5-98E6-C1F061C60EF3}" type="presParOf" srcId="{24A300B9-0BE2-480C-84B9-A5B378353BCA}" destId="{C91E06A1-0D32-4902-86ED-DF1ED244D556}" srcOrd="0" destOrd="0" presId="urn:microsoft.com/office/officeart/2005/8/layout/hierarchy1"/>
+    <dgm:cxn modelId="{38D8E455-ACCB-4647-B7F1-7B5C005D4955}" type="presParOf" srcId="{C91E06A1-0D32-4902-86ED-DF1ED244D556}" destId="{A2F187DA-7FED-48B1-A25A-9458EED12E0B}" srcOrd="0" destOrd="0" presId="urn:microsoft.com/office/officeart/2005/8/layout/hierarchy1"/>
+    <dgm:cxn modelId="{BCC8EE8A-E3F1-4E6D-93C8-198AB2B14EDD}" type="presParOf" srcId="{C91E06A1-0D32-4902-86ED-DF1ED244D556}" destId="{1A6802AC-EC08-4B0A-9606-EDC7AD661EAE}" srcOrd="1" destOrd="0" presId="urn:microsoft.com/office/officeart/2005/8/layout/hierarchy1"/>
+    <dgm:cxn modelId="{EC832CFA-A32B-4AF0-B2E5-D99B63665DB8}" type="presParOf" srcId="{24A300B9-0BE2-480C-84B9-A5B378353BCA}" destId="{FD4AE683-DD84-403D-AF49-37459D937FAE}" srcOrd="1" destOrd="0" presId="urn:microsoft.com/office/officeart/2005/8/layout/hierarchy1"/>
+    <dgm:cxn modelId="{D8F5C5C3-7150-4A9C-A84A-59314A59CFF2}" type="presParOf" srcId="{C73CE857-3393-481C-BC46-0A43C752AF3F}" destId="{3F457C5B-1528-4B97-8CCC-7561E0655C30}" srcOrd="2" destOrd="0" presId="urn:microsoft.com/office/officeart/2005/8/layout/hierarchy1"/>
+    <dgm:cxn modelId="{479EE35E-59DB-4253-8184-4976F064D93B}" type="presParOf" srcId="{C73CE857-3393-481C-BC46-0A43C752AF3F}" destId="{D5E751C0-7AE9-4B9C-B503-B100D10A32B4}" srcOrd="3" destOrd="0" presId="urn:microsoft.com/office/officeart/2005/8/layout/hierarchy1"/>
+    <dgm:cxn modelId="{1D1FD27F-0E6B-4ECA-9BA4-E0D5C02697E9}" type="presParOf" srcId="{D5E751C0-7AE9-4B9C-B503-B100D10A32B4}" destId="{871EDC61-015B-41C0-BE86-495AC851A0A5}" srcOrd="0" destOrd="0" presId="urn:microsoft.com/office/officeart/2005/8/layout/hierarchy1"/>
+    <dgm:cxn modelId="{5EB4CDC5-ABD6-4309-9CBA-AE63577C125E}" type="presParOf" srcId="{871EDC61-015B-41C0-BE86-495AC851A0A5}" destId="{CA3F5F9A-FB1D-4570-97AD-47836F3CBBA0}" srcOrd="0" destOrd="0" presId="urn:microsoft.com/office/officeart/2005/8/layout/hierarchy1"/>
+    <dgm:cxn modelId="{E01ADEF1-9F1D-46A8-9B29-B54772F613FE}" type="presParOf" srcId="{871EDC61-015B-41C0-BE86-495AC851A0A5}" destId="{93D830B4-6443-4BF2-8E39-73B15E17C511}" srcOrd="1" destOrd="0" presId="urn:microsoft.com/office/officeart/2005/8/layout/hierarchy1"/>
+    <dgm:cxn modelId="{87E58C49-42BB-4ED0-8C8A-D332CDB5DC03}" type="presParOf" srcId="{D5E751C0-7AE9-4B9C-B503-B100D10A32B4}" destId="{D303FD7A-673F-482E-B98E-F9A6381D3C8D}" srcOrd="1" destOrd="0" presId="urn:microsoft.com/office/officeart/2005/8/layout/hierarchy1"/>
+  </dgm:cxnLst>
+  <dgm:bg/>
+  <dgm:whole/>
+  <dgm:extLst>
+    <a:ext uri="http://schemas.microsoft.com/office/drawing/2008/diagram">
+      <dsp:dataModelExt xmlns:dsp="http://schemas.microsoft.com/office/drawing/2008/diagram" relId="rId6" minVer="http://schemas.openxmlformats.org/drawingml/2006/diagram"/>
+    </a:ext>
+  </dgm:extLst>
+</dgm:dataModel>
+</file>
+
+<file path=ppt/diagrams/data3.xml><?xml version="1.0" encoding="utf-8"?>
+<dgm:dataModel xmlns:dgm="http://schemas.openxmlformats.org/drawingml/2006/diagram" xmlns:a="http://schemas.openxmlformats.org/drawingml/2006/main">
+  <dgm:ptLst>
+    <dgm:pt modelId="{88DC4769-BFA2-48D4-8CF8-C42FB36B7747}" type="doc">
+      <dgm:prSet loTypeId="urn:microsoft.com/office/officeart/2005/8/layout/hierarchy1" loCatId="hierarchy" qsTypeId="urn:microsoft.com/office/officeart/2005/8/quickstyle/simple1" qsCatId="simple" csTypeId="urn:microsoft.com/office/officeart/2005/8/colors/accent1_2" csCatId="accent1" phldr="1"/>
+      <dgm:spPr/>
+      <dgm:t>
+        <a:bodyPr/>
+        <a:lstStyle/>
+        <a:p>
+          <a:endParaRPr lang="en-GB"/>
+        </a:p>
+      </dgm:t>
+    </dgm:pt>
+    <dgm:pt modelId="{0FED8A8F-8D1D-45C9-B303-35BD7ED59EE1}">
+      <dgm:prSet phldrT="[Text]" custT="1"/>
+      <dgm:spPr/>
+      <dgm:t>
+        <a:bodyPr/>
+        <a:lstStyle/>
+        <a:p>
+          <a:r>
+            <a:rPr lang="fr-FR" sz="1400" smtClean="0"/>
+            <a:t>Creation of a Working Paper series</a:t>
+          </a:r>
+          <a:endParaRPr lang="en-GB" sz="1400"/>
+        </a:p>
+      </dgm:t>
+    </dgm:pt>
+    <dgm:pt modelId="{511D4097-53DB-4D60-BABC-FC3FB072A263}" type="parTrans" cxnId="{E7696D4F-C919-4C20-A9BB-1C319C114813}">
+      <dgm:prSet/>
+      <dgm:spPr/>
+      <dgm:t>
+        <a:bodyPr/>
+        <a:lstStyle/>
+        <a:p>
+          <a:endParaRPr lang="en-GB"/>
+        </a:p>
+      </dgm:t>
+    </dgm:pt>
+    <dgm:pt modelId="{D052233E-7E5A-409E-BBC8-C81687F0B24F}" type="sibTrans" cxnId="{E7696D4F-C919-4C20-A9BB-1C319C114813}">
+      <dgm:prSet/>
+      <dgm:spPr/>
+      <dgm:t>
+        <a:bodyPr/>
+        <a:lstStyle/>
+        <a:p>
+          <a:endParaRPr lang="en-GB"/>
+        </a:p>
+      </dgm:t>
+    </dgm:pt>
+    <dgm:pt modelId="{97AC197A-1ECC-4537-A587-7C89D492431E}">
+      <dgm:prSet phldrT="[Text]" custT="1"/>
+      <dgm:spPr>
+        <a:ln>
+          <a:solidFill>
+            <a:srgbClr val="7030A0"/>
+          </a:solidFill>
+        </a:ln>
+      </dgm:spPr>
+      <dgm:t>
+        <a:bodyPr/>
+        <a:lstStyle/>
+        <a:p>
+          <a:r>
+            <a:rPr lang="fr-FR" sz="1400" smtClean="0">
+              <a:solidFill>
+                <a:schemeClr val="accent4">
+                  <a:lumMod val="50000"/>
+                </a:schemeClr>
+              </a:solidFill>
+            </a:rPr>
+            <a:t>Send </a:t>
+          </a:r>
+          <a:r>
+            <a:rPr lang="fr-FR" sz="1400" smtClean="0">
+              <a:solidFill>
+                <a:schemeClr val="accent4">
+                  <a:lumMod val="50000"/>
+                </a:schemeClr>
+              </a:solidFill>
+            </a:rPr>
+            <a:t>PACmetadata </a:t>
+          </a:r>
+        </a:p>
+        <a:p>
+          <a:r>
+            <a:rPr lang="fr-FR" sz="1400" smtClean="0">
+              <a:solidFill>
+                <a:schemeClr val="accent4">
+                  <a:lumMod val="50000"/>
+                </a:schemeClr>
+              </a:solidFill>
+            </a:rPr>
+            <a:t>a r</a:t>
+          </a:r>
+          <a:r>
+            <a:rPr lang="fr-FR" sz="1400" smtClean="0">
+              <a:solidFill>
+                <a:schemeClr val="accent4">
+                  <a:lumMod val="50000"/>
+                </a:schemeClr>
+              </a:solidFill>
+            </a:rPr>
+            <a:t>equest for a new  ISSN</a:t>
+          </a:r>
+          <a:endParaRPr lang="en-GB" sz="1400">
+            <a:solidFill>
+              <a:schemeClr val="accent4">
+                <a:lumMod val="50000"/>
+              </a:schemeClr>
+            </a:solidFill>
+          </a:endParaRPr>
+        </a:p>
+      </dgm:t>
+    </dgm:pt>
+    <dgm:pt modelId="{9AB26895-1CB0-4371-8F09-5F6E87871966}" type="parTrans" cxnId="{3BB78AEF-60C7-467E-B67F-35A0CB967FF8}">
+      <dgm:prSet/>
+      <dgm:spPr/>
+      <dgm:t>
+        <a:bodyPr/>
+        <a:lstStyle/>
+        <a:p>
+          <a:endParaRPr lang="en-GB"/>
+        </a:p>
+      </dgm:t>
+    </dgm:pt>
+    <dgm:pt modelId="{A169FAEE-4307-4552-9D86-340B0B7CF946}" type="sibTrans" cxnId="{3BB78AEF-60C7-467E-B67F-35A0CB967FF8}">
+      <dgm:prSet/>
+      <dgm:spPr/>
+      <dgm:t>
+        <a:bodyPr/>
+        <a:lstStyle/>
+        <a:p>
+          <a:endParaRPr lang="en-GB"/>
+        </a:p>
+      </dgm:t>
+    </dgm:pt>
+    <dgm:pt modelId="{14CFACEF-1387-4002-ACC7-347EF221DF53}">
+      <dgm:prSet phldrT="[Text]" custT="1"/>
+      <dgm:spPr/>
+      <dgm:t>
+        <a:bodyPr/>
+        <a:lstStyle/>
+        <a:p>
+          <a:r>
+            <a:rPr lang="fr-FR" sz="1400" smtClean="0"/>
+            <a:t>STEP 1A</a:t>
+          </a:r>
+        </a:p>
+        <a:p>
+          <a:r>
+            <a:rPr lang="fr-FR" sz="1400" smtClean="0"/>
+            <a:t>Creation using Web Form</a:t>
+          </a:r>
+          <a:endParaRPr lang="en-GB" sz="1400"/>
+        </a:p>
+      </dgm:t>
+    </dgm:pt>
+    <dgm:pt modelId="{8FA91C6F-9DF8-4A59-974B-AFA2F6F6B3AD}" type="parTrans" cxnId="{9384EBB4-CD15-4459-A1F3-652F22D19399}">
+      <dgm:prSet/>
+      <dgm:spPr/>
+      <dgm:t>
+        <a:bodyPr/>
+        <a:lstStyle/>
+        <a:p>
+          <a:endParaRPr lang="en-GB"/>
+        </a:p>
+      </dgm:t>
+    </dgm:pt>
+    <dgm:pt modelId="{63565EF3-31EA-407E-87B7-2BD2325AD597}" type="sibTrans" cxnId="{9384EBB4-CD15-4459-A1F3-652F22D19399}">
+      <dgm:prSet/>
+      <dgm:spPr/>
+      <dgm:t>
+        <a:bodyPr/>
+        <a:lstStyle/>
+        <a:p>
+          <a:endParaRPr lang="en-GB"/>
+        </a:p>
+      </dgm:t>
+    </dgm:pt>
+    <dgm:pt modelId="{43BFB384-8D62-4135-B6F1-25CBFA36DD43}">
+      <dgm:prSet phldrT="[Text]" custT="1"/>
+      <dgm:spPr/>
+      <dgm:t>
+        <a:bodyPr/>
+        <a:lstStyle/>
+        <a:p>
+          <a:r>
+            <a:rPr lang="fr-FR" sz="1400" smtClean="0"/>
+            <a:t>STEP 1B</a:t>
+          </a:r>
+        </a:p>
+        <a:p>
+          <a:r>
+            <a:rPr lang="fr-FR" sz="1400" smtClean="0"/>
+            <a:t>Creation Using XML file</a:t>
+          </a:r>
+          <a:endParaRPr lang="en-GB" sz="1400"/>
+        </a:p>
+      </dgm:t>
+    </dgm:pt>
+    <dgm:pt modelId="{5B011A7B-F498-488B-9AE0-4BC9EDA66410}" type="parTrans" cxnId="{217F803A-F61F-4EC1-9908-E634D1F489AE}">
+      <dgm:prSet/>
+      <dgm:spPr/>
+      <dgm:t>
+        <a:bodyPr/>
+        <a:lstStyle/>
+        <a:p>
+          <a:endParaRPr lang="en-GB"/>
+        </a:p>
+      </dgm:t>
+    </dgm:pt>
+    <dgm:pt modelId="{DEC0E196-BFB7-413B-B217-11B238197FC8}" type="sibTrans" cxnId="{217F803A-F61F-4EC1-9908-E634D1F489AE}">
+      <dgm:prSet/>
+      <dgm:spPr/>
+      <dgm:t>
+        <a:bodyPr/>
+        <a:lstStyle/>
+        <a:p>
+          <a:endParaRPr lang="en-GB"/>
+        </a:p>
+      </dgm:t>
+    </dgm:pt>
+    <dgm:pt modelId="{9C394491-079A-4A3B-8012-931F6E40B880}" type="pres">
+      <dgm:prSet presAssocID="{88DC4769-BFA2-48D4-8CF8-C42FB36B7747}" presName="hierChild1" presStyleCnt="0">
+        <dgm:presLayoutVars>
+          <dgm:chPref val="1"/>
+          <dgm:dir/>
+          <dgm:animOne val="branch"/>
+          <dgm:animLvl val="lvl"/>
+          <dgm:resizeHandles/>
+        </dgm:presLayoutVars>
+      </dgm:prSet>
+      <dgm:spPr/>
+    </dgm:pt>
+    <dgm:pt modelId="{41C5209B-E7D1-4691-A6B1-F9B342B5185A}" type="pres">
+      <dgm:prSet presAssocID="{0FED8A8F-8D1D-45C9-B303-35BD7ED59EE1}" presName="hierRoot1" presStyleCnt="0"/>
+      <dgm:spPr/>
+    </dgm:pt>
+    <dgm:pt modelId="{9488FF38-5BD0-405A-87BA-32C6A0FC2A18}" type="pres">
+      <dgm:prSet presAssocID="{0FED8A8F-8D1D-45C9-B303-35BD7ED59EE1}" presName="composite" presStyleCnt="0"/>
+      <dgm:spPr/>
+    </dgm:pt>
+    <dgm:pt modelId="{0BA137B3-E16C-4B94-B367-179408C697F4}" type="pres">
+      <dgm:prSet presAssocID="{0FED8A8F-8D1D-45C9-B303-35BD7ED59EE1}" presName="background" presStyleLbl="node0" presStyleIdx="0" presStyleCnt="1"/>
+      <dgm:spPr/>
+      <dgm:t>
+        <a:bodyPr/>
+        <a:lstStyle/>
+        <a:p>
+          <a:endParaRPr lang="en-GB"/>
+        </a:p>
+      </dgm:t>
+    </dgm:pt>
+    <dgm:pt modelId="{FFE1E694-78FC-404C-8C7F-A993588EEAFB}" type="pres">
+      <dgm:prSet presAssocID="{0FED8A8F-8D1D-45C9-B303-35BD7ED59EE1}" presName="text" presStyleLbl="fgAcc0" presStyleIdx="0" presStyleCnt="1" custScaleY="45834">
+        <dgm:presLayoutVars>
+          <dgm:chPref val="3"/>
+        </dgm:presLayoutVars>
+      </dgm:prSet>
+      <dgm:spPr/>
+    </dgm:pt>
+    <dgm:pt modelId="{601AECC4-6992-4452-93B4-79AFE122C2E5}" type="pres">
+      <dgm:prSet presAssocID="{0FED8A8F-8D1D-45C9-B303-35BD7ED59EE1}" presName="hierChild2" presStyleCnt="0"/>
+      <dgm:spPr/>
+    </dgm:pt>
+    <dgm:pt modelId="{1B3283C5-8AC6-4F36-AC8C-0A54FF39047A}" type="pres">
+      <dgm:prSet presAssocID="{9AB26895-1CB0-4371-8F09-5F6E87871966}" presName="Name10" presStyleLbl="parChTrans1D2" presStyleIdx="0" presStyleCnt="1"/>
+      <dgm:spPr/>
+    </dgm:pt>
+    <dgm:pt modelId="{AC18B101-AD15-4157-982F-7938663BC643}" type="pres">
+      <dgm:prSet presAssocID="{97AC197A-1ECC-4537-A587-7C89D492431E}" presName="hierRoot2" presStyleCnt="0"/>
+      <dgm:spPr/>
+    </dgm:pt>
+    <dgm:pt modelId="{D6E66344-A019-4D79-998A-9D34912FAAC8}" type="pres">
+      <dgm:prSet presAssocID="{97AC197A-1ECC-4537-A587-7C89D492431E}" presName="composite2" presStyleCnt="0"/>
+      <dgm:spPr/>
+    </dgm:pt>
+    <dgm:pt modelId="{D0FD5BB6-7B74-40F8-B2D6-7BF6A1D13CA8}" type="pres">
+      <dgm:prSet presAssocID="{97AC197A-1ECC-4537-A587-7C89D492431E}" presName="background2" presStyleLbl="node2" presStyleIdx="0" presStyleCnt="1"/>
+      <dgm:spPr>
+        <a:solidFill>
+          <a:srgbClr val="7030A0"/>
+        </a:solidFill>
+      </dgm:spPr>
+    </dgm:pt>
+    <dgm:pt modelId="{B166310E-0A69-488B-A1D7-14BA0739BCDD}" type="pres">
+      <dgm:prSet presAssocID="{97AC197A-1ECC-4537-A587-7C89D492431E}" presName="text2" presStyleLbl="fgAcc2" presStyleIdx="0" presStyleCnt="1" custScaleY="40096">
+        <dgm:presLayoutVars>
+          <dgm:chPref val="3"/>
+        </dgm:presLayoutVars>
+      </dgm:prSet>
+      <dgm:spPr/>
+      <dgm:t>
+        <a:bodyPr/>
+        <a:lstStyle/>
+        <a:p>
+          <a:endParaRPr lang="en-GB"/>
+        </a:p>
+      </dgm:t>
+    </dgm:pt>
+    <dgm:pt modelId="{3C3F28BE-E579-4A79-A6B4-5C157A8FDE68}" type="pres">
+      <dgm:prSet presAssocID="{97AC197A-1ECC-4537-A587-7C89D492431E}" presName="hierChild3" presStyleCnt="0"/>
+      <dgm:spPr/>
+    </dgm:pt>
+    <dgm:pt modelId="{F42BF059-EAF0-486A-B1F5-E37FA0D38460}" type="pres">
+      <dgm:prSet presAssocID="{8FA91C6F-9DF8-4A59-974B-AFA2F6F6B3AD}" presName="Name17" presStyleLbl="parChTrans1D3" presStyleIdx="0" presStyleCnt="2"/>
+      <dgm:spPr/>
+    </dgm:pt>
+    <dgm:pt modelId="{7B342595-498B-40F6-AF85-C8D6BF1D33CD}" type="pres">
+      <dgm:prSet presAssocID="{14CFACEF-1387-4002-ACC7-347EF221DF53}" presName="hierRoot3" presStyleCnt="0"/>
+      <dgm:spPr/>
+    </dgm:pt>
+    <dgm:pt modelId="{5BC24520-BD4A-4DB4-BEBF-C7034BF58925}" type="pres">
+      <dgm:prSet presAssocID="{14CFACEF-1387-4002-ACC7-347EF221DF53}" presName="composite3" presStyleCnt="0"/>
+      <dgm:spPr/>
+    </dgm:pt>
+    <dgm:pt modelId="{8BADB48E-5F02-4C09-9FFD-CECF462B193D}" type="pres">
+      <dgm:prSet presAssocID="{14CFACEF-1387-4002-ACC7-347EF221DF53}" presName="background3" presStyleLbl="node3" presStyleIdx="0" presStyleCnt="2"/>
+      <dgm:spPr/>
+    </dgm:pt>
+    <dgm:pt modelId="{F39CF965-BD1D-49A7-B5C7-DC88332F2F41}" type="pres">
+      <dgm:prSet presAssocID="{14CFACEF-1387-4002-ACC7-347EF221DF53}" presName="text3" presStyleLbl="fgAcc3" presStyleIdx="0" presStyleCnt="2" custScaleX="92357" custScaleY="47526">
+        <dgm:presLayoutVars>
+          <dgm:chPref val="3"/>
+        </dgm:presLayoutVars>
+      </dgm:prSet>
+      <dgm:spPr/>
+      <dgm:t>
+        <a:bodyPr/>
+        <a:lstStyle/>
+        <a:p>
+          <a:endParaRPr lang="en-GB"/>
+        </a:p>
+      </dgm:t>
+    </dgm:pt>
+    <dgm:pt modelId="{69485E45-DE26-4CE4-A08B-A944C38D9E47}" type="pres">
+      <dgm:prSet presAssocID="{14CFACEF-1387-4002-ACC7-347EF221DF53}" presName="hierChild4" presStyleCnt="0"/>
+      <dgm:spPr/>
+    </dgm:pt>
+    <dgm:pt modelId="{E14E8047-2472-4BB3-8F2B-A6995183F58B}" type="pres">
+      <dgm:prSet presAssocID="{5B011A7B-F498-488B-9AE0-4BC9EDA66410}" presName="Name17" presStyleLbl="parChTrans1D3" presStyleIdx="1" presStyleCnt="2"/>
+      <dgm:spPr/>
+    </dgm:pt>
+    <dgm:pt modelId="{50DB3A42-565B-4F16-A526-1349BEAC9849}" type="pres">
+      <dgm:prSet presAssocID="{43BFB384-8D62-4135-B6F1-25CBFA36DD43}" presName="hierRoot3" presStyleCnt="0"/>
+      <dgm:spPr/>
+    </dgm:pt>
+    <dgm:pt modelId="{DD78CFB0-7426-4252-953E-DF14D7917E80}" type="pres">
+      <dgm:prSet presAssocID="{43BFB384-8D62-4135-B6F1-25CBFA36DD43}" presName="composite3" presStyleCnt="0"/>
+      <dgm:spPr/>
+    </dgm:pt>
+    <dgm:pt modelId="{68B5ABEF-3119-4635-825F-C0F4EA46FC0C}" type="pres">
+      <dgm:prSet presAssocID="{43BFB384-8D62-4135-B6F1-25CBFA36DD43}" presName="background3" presStyleLbl="node3" presStyleIdx="1" presStyleCnt="2"/>
+      <dgm:spPr/>
+    </dgm:pt>
+    <dgm:pt modelId="{6F9E98AC-59B6-43F1-B0F2-D5F0F5871CB2}" type="pres">
+      <dgm:prSet presAssocID="{43BFB384-8D62-4135-B6F1-25CBFA36DD43}" presName="text3" presStyleLbl="fgAcc3" presStyleIdx="1" presStyleCnt="2" custScaleX="96748" custScaleY="47526">
+        <dgm:presLayoutVars>
+          <dgm:chPref val="3"/>
+        </dgm:presLayoutVars>
+      </dgm:prSet>
+      <dgm:spPr/>
+    </dgm:pt>
+    <dgm:pt modelId="{60E969E1-3F91-4E08-A4DF-CF49A551DC52}" type="pres">
+      <dgm:prSet presAssocID="{43BFB384-8D62-4135-B6F1-25CBFA36DD43}" presName="hierChild4" presStyleCnt="0"/>
+      <dgm:spPr/>
+    </dgm:pt>
+  </dgm:ptLst>
+  <dgm:cxnLst>
+    <dgm:cxn modelId="{E7D42AD1-C2EA-4445-A392-FB72DC8B34D7}" type="presOf" srcId="{97AC197A-1ECC-4537-A587-7C89D492431E}" destId="{B166310E-0A69-488B-A1D7-14BA0739BCDD}" srcOrd="0" destOrd="0" presId="urn:microsoft.com/office/officeart/2005/8/layout/hierarchy1"/>
+    <dgm:cxn modelId="{AFB1F79E-053F-447D-800C-73CB04720519}" type="presOf" srcId="{5B011A7B-F498-488B-9AE0-4BC9EDA66410}" destId="{E14E8047-2472-4BB3-8F2B-A6995183F58B}" srcOrd="0" destOrd="0" presId="urn:microsoft.com/office/officeart/2005/8/layout/hierarchy1"/>
+    <dgm:cxn modelId="{E7696D4F-C919-4C20-A9BB-1C319C114813}" srcId="{88DC4769-BFA2-48D4-8CF8-C42FB36B7747}" destId="{0FED8A8F-8D1D-45C9-B303-35BD7ED59EE1}" srcOrd="0" destOrd="0" parTransId="{511D4097-53DB-4D60-BABC-FC3FB072A263}" sibTransId="{D052233E-7E5A-409E-BBC8-C81687F0B24F}"/>
+    <dgm:cxn modelId="{1DE2A97B-FF59-43B7-8B6A-E42D2C9786B5}" type="presOf" srcId="{14CFACEF-1387-4002-ACC7-347EF221DF53}" destId="{F39CF965-BD1D-49A7-B5C7-DC88332F2F41}" srcOrd="0" destOrd="0" presId="urn:microsoft.com/office/officeart/2005/8/layout/hierarchy1"/>
+    <dgm:cxn modelId="{34483888-1F87-415E-A119-C8368764386E}" type="presOf" srcId="{8FA91C6F-9DF8-4A59-974B-AFA2F6F6B3AD}" destId="{F42BF059-EAF0-486A-B1F5-E37FA0D38460}" srcOrd="0" destOrd="0" presId="urn:microsoft.com/office/officeart/2005/8/layout/hierarchy1"/>
+    <dgm:cxn modelId="{EF1AEC97-8C46-439D-96FD-F24113FC07D3}" type="presOf" srcId="{43BFB384-8D62-4135-B6F1-25CBFA36DD43}" destId="{6F9E98AC-59B6-43F1-B0F2-D5F0F5871CB2}" srcOrd="0" destOrd="0" presId="urn:microsoft.com/office/officeart/2005/8/layout/hierarchy1"/>
+    <dgm:cxn modelId="{7FEA16AE-6604-4865-AAF5-B4CD3FDFC62D}" type="presOf" srcId="{9AB26895-1CB0-4371-8F09-5F6E87871966}" destId="{1B3283C5-8AC6-4F36-AC8C-0A54FF39047A}" srcOrd="0" destOrd="0" presId="urn:microsoft.com/office/officeart/2005/8/layout/hierarchy1"/>
+    <dgm:cxn modelId="{F4DF16A6-17D4-4F18-87F6-85DC99A5B6C3}" type="presOf" srcId="{0FED8A8F-8D1D-45C9-B303-35BD7ED59EE1}" destId="{FFE1E694-78FC-404C-8C7F-A993588EEAFB}" srcOrd="0" destOrd="0" presId="urn:microsoft.com/office/officeart/2005/8/layout/hierarchy1"/>
+    <dgm:cxn modelId="{9384EBB4-CD15-4459-A1F3-652F22D19399}" srcId="{97AC197A-1ECC-4537-A587-7C89D492431E}" destId="{14CFACEF-1387-4002-ACC7-347EF221DF53}" srcOrd="0" destOrd="0" parTransId="{8FA91C6F-9DF8-4A59-974B-AFA2F6F6B3AD}" sibTransId="{63565EF3-31EA-407E-87B7-2BD2325AD597}"/>
+    <dgm:cxn modelId="{217F803A-F61F-4EC1-9908-E634D1F489AE}" srcId="{97AC197A-1ECC-4537-A587-7C89D492431E}" destId="{43BFB384-8D62-4135-B6F1-25CBFA36DD43}" srcOrd="1" destOrd="0" parTransId="{5B011A7B-F498-488B-9AE0-4BC9EDA66410}" sibTransId="{DEC0E196-BFB7-413B-B217-11B238197FC8}"/>
+    <dgm:cxn modelId="{257B328E-2336-4EA6-B8B5-D4C5DDC5E243}" type="presOf" srcId="{88DC4769-BFA2-48D4-8CF8-C42FB36B7747}" destId="{9C394491-079A-4A3B-8012-931F6E40B880}" srcOrd="0" destOrd="0" presId="urn:microsoft.com/office/officeart/2005/8/layout/hierarchy1"/>
+    <dgm:cxn modelId="{3BB78AEF-60C7-467E-B67F-35A0CB967FF8}" srcId="{0FED8A8F-8D1D-45C9-B303-35BD7ED59EE1}" destId="{97AC197A-1ECC-4537-A587-7C89D492431E}" srcOrd="0" destOrd="0" parTransId="{9AB26895-1CB0-4371-8F09-5F6E87871966}" sibTransId="{A169FAEE-4307-4552-9D86-340B0B7CF946}"/>
+    <dgm:cxn modelId="{A4C2F055-3D51-40F3-B06C-D787DFCB8E04}" type="presParOf" srcId="{9C394491-079A-4A3B-8012-931F6E40B880}" destId="{41C5209B-E7D1-4691-A6B1-F9B342B5185A}" srcOrd="0" destOrd="0" presId="urn:microsoft.com/office/officeart/2005/8/layout/hierarchy1"/>
+    <dgm:cxn modelId="{8117186B-3191-4FCA-A971-FD1A3DEADC8D}" type="presParOf" srcId="{41C5209B-E7D1-4691-A6B1-F9B342B5185A}" destId="{9488FF38-5BD0-405A-87BA-32C6A0FC2A18}" srcOrd="0" destOrd="0" presId="urn:microsoft.com/office/officeart/2005/8/layout/hierarchy1"/>
+    <dgm:cxn modelId="{CB8934B8-41C8-4860-8E20-67B399BC40D6}" type="presParOf" srcId="{9488FF38-5BD0-405A-87BA-32C6A0FC2A18}" destId="{0BA137B3-E16C-4B94-B367-179408C697F4}" srcOrd="0" destOrd="0" presId="urn:microsoft.com/office/officeart/2005/8/layout/hierarchy1"/>
+    <dgm:cxn modelId="{89F3A5BE-511B-4A04-8F85-D43B5545FA37}" type="presParOf" srcId="{9488FF38-5BD0-405A-87BA-32C6A0FC2A18}" destId="{FFE1E694-78FC-404C-8C7F-A993588EEAFB}" srcOrd="1" destOrd="0" presId="urn:microsoft.com/office/officeart/2005/8/layout/hierarchy1"/>
+    <dgm:cxn modelId="{862A0238-C15A-42BF-8C38-96532C57254B}" type="presParOf" srcId="{41C5209B-E7D1-4691-A6B1-F9B342B5185A}" destId="{601AECC4-6992-4452-93B4-79AFE122C2E5}" srcOrd="1" destOrd="0" presId="urn:microsoft.com/office/officeart/2005/8/layout/hierarchy1"/>
+    <dgm:cxn modelId="{1F500068-4842-4755-8833-E4B33A75775B}" type="presParOf" srcId="{601AECC4-6992-4452-93B4-79AFE122C2E5}" destId="{1B3283C5-8AC6-4F36-AC8C-0A54FF39047A}" srcOrd="0" destOrd="0" presId="urn:microsoft.com/office/officeart/2005/8/layout/hierarchy1"/>
+    <dgm:cxn modelId="{70820D7B-CF0F-496E-BB6C-8F3F4F35E9C3}" type="presParOf" srcId="{601AECC4-6992-4452-93B4-79AFE122C2E5}" destId="{AC18B101-AD15-4157-982F-7938663BC643}" srcOrd="1" destOrd="0" presId="urn:microsoft.com/office/officeart/2005/8/layout/hierarchy1"/>
+    <dgm:cxn modelId="{F9B07FC3-0080-4667-BCFA-2E3FACF55DA1}" type="presParOf" srcId="{AC18B101-AD15-4157-982F-7938663BC643}" destId="{D6E66344-A019-4D79-998A-9D34912FAAC8}" srcOrd="0" destOrd="0" presId="urn:microsoft.com/office/officeart/2005/8/layout/hierarchy1"/>
+    <dgm:cxn modelId="{7C3D6046-F31D-49DE-A4C4-B458BC0789C7}" type="presParOf" srcId="{D6E66344-A019-4D79-998A-9D34912FAAC8}" destId="{D0FD5BB6-7B74-40F8-B2D6-7BF6A1D13CA8}" srcOrd="0" destOrd="0" presId="urn:microsoft.com/office/officeart/2005/8/layout/hierarchy1"/>
+    <dgm:cxn modelId="{28428056-C471-4965-ABA2-B2326687599D}" type="presParOf" srcId="{D6E66344-A019-4D79-998A-9D34912FAAC8}" destId="{B166310E-0A69-488B-A1D7-14BA0739BCDD}" srcOrd="1" destOrd="0" presId="urn:microsoft.com/office/officeart/2005/8/layout/hierarchy1"/>
+    <dgm:cxn modelId="{7055D288-709B-49E6-BE08-407F7D32BF8C}" type="presParOf" srcId="{AC18B101-AD15-4157-982F-7938663BC643}" destId="{3C3F28BE-E579-4A79-A6B4-5C157A8FDE68}" srcOrd="1" destOrd="0" presId="urn:microsoft.com/office/officeart/2005/8/layout/hierarchy1"/>
+    <dgm:cxn modelId="{749E23F6-A58D-4001-B76C-625F17E911EB}" type="presParOf" srcId="{3C3F28BE-E579-4A79-A6B4-5C157A8FDE68}" destId="{F42BF059-EAF0-486A-B1F5-E37FA0D38460}" srcOrd="0" destOrd="0" presId="urn:microsoft.com/office/officeart/2005/8/layout/hierarchy1"/>
+    <dgm:cxn modelId="{F580307C-9809-4DEF-A47D-5E5C55268FFD}" type="presParOf" srcId="{3C3F28BE-E579-4A79-A6B4-5C157A8FDE68}" destId="{7B342595-498B-40F6-AF85-C8D6BF1D33CD}" srcOrd="1" destOrd="0" presId="urn:microsoft.com/office/officeart/2005/8/layout/hierarchy1"/>
+    <dgm:cxn modelId="{A777F12F-F1E9-4F8E-A0EF-879F970F02FB}" type="presParOf" srcId="{7B342595-498B-40F6-AF85-C8D6BF1D33CD}" destId="{5BC24520-BD4A-4DB4-BEBF-C7034BF58925}" srcOrd="0" destOrd="0" presId="urn:microsoft.com/office/officeart/2005/8/layout/hierarchy1"/>
+    <dgm:cxn modelId="{E8119BB6-73C8-4A6E-B7D2-745D66F67665}" type="presParOf" srcId="{5BC24520-BD4A-4DB4-BEBF-C7034BF58925}" destId="{8BADB48E-5F02-4C09-9FFD-CECF462B193D}" srcOrd="0" destOrd="0" presId="urn:microsoft.com/office/officeart/2005/8/layout/hierarchy1"/>
+    <dgm:cxn modelId="{A529951C-169B-452B-862D-F18438CEB112}" type="presParOf" srcId="{5BC24520-BD4A-4DB4-BEBF-C7034BF58925}" destId="{F39CF965-BD1D-49A7-B5C7-DC88332F2F41}" srcOrd="1" destOrd="0" presId="urn:microsoft.com/office/officeart/2005/8/layout/hierarchy1"/>
+    <dgm:cxn modelId="{B86656C8-C556-40DE-BAF7-C6BBDB435B7F}" type="presParOf" srcId="{7B342595-498B-40F6-AF85-C8D6BF1D33CD}" destId="{69485E45-DE26-4CE4-A08B-A944C38D9E47}" srcOrd="1" destOrd="0" presId="urn:microsoft.com/office/officeart/2005/8/layout/hierarchy1"/>
+    <dgm:cxn modelId="{1B657E47-D384-4D08-B223-FB1F6C3D4100}" type="presParOf" srcId="{3C3F28BE-E579-4A79-A6B4-5C157A8FDE68}" destId="{E14E8047-2472-4BB3-8F2B-A6995183F58B}" srcOrd="2" destOrd="0" presId="urn:microsoft.com/office/officeart/2005/8/layout/hierarchy1"/>
+    <dgm:cxn modelId="{A8E1B218-71D1-4EAB-8DEA-B42E7C7E1B72}" type="presParOf" srcId="{3C3F28BE-E579-4A79-A6B4-5C157A8FDE68}" destId="{50DB3A42-565B-4F16-A526-1349BEAC9849}" srcOrd="3" destOrd="0" presId="urn:microsoft.com/office/officeart/2005/8/layout/hierarchy1"/>
+    <dgm:cxn modelId="{DBCE7771-81C8-4527-9EC9-D2AA960F4FEE}" type="presParOf" srcId="{50DB3A42-565B-4F16-A526-1349BEAC9849}" destId="{DD78CFB0-7426-4252-953E-DF14D7917E80}" srcOrd="0" destOrd="0" presId="urn:microsoft.com/office/officeart/2005/8/layout/hierarchy1"/>
+    <dgm:cxn modelId="{C2F3F261-2ABA-4203-A5D3-CBF7B03F9B61}" type="presParOf" srcId="{DD78CFB0-7426-4252-953E-DF14D7917E80}" destId="{68B5ABEF-3119-4635-825F-C0F4EA46FC0C}" srcOrd="0" destOrd="0" presId="urn:microsoft.com/office/officeart/2005/8/layout/hierarchy1"/>
+    <dgm:cxn modelId="{37E0B227-3639-42E2-9E78-8AA96776C1B5}" type="presParOf" srcId="{DD78CFB0-7426-4252-953E-DF14D7917E80}" destId="{6F9E98AC-59B6-43F1-B0F2-D5F0F5871CB2}" srcOrd="1" destOrd="0" presId="urn:microsoft.com/office/officeart/2005/8/layout/hierarchy1"/>
+    <dgm:cxn modelId="{76795FAD-B1BC-45D9-8155-C75096A4A31F}" type="presParOf" srcId="{50DB3A42-565B-4F16-A526-1349BEAC9849}" destId="{60E969E1-3F91-4E08-A4DF-CF49A551DC52}" srcOrd="1" destOrd="0" presId="urn:microsoft.com/office/officeart/2005/8/layout/hierarchy1"/>
   </dgm:cxnLst>
   <dgm:bg/>
   <dgm:whole/>
@@ -2591,7 +5165,3147 @@
 </dsp:drawing>
 </file>
 
+<file path=ppt/diagrams/drawing2.xml><?xml version="1.0" encoding="utf-8"?>
+<dsp:drawing xmlns:dgm="http://schemas.openxmlformats.org/drawingml/2006/diagram" xmlns:dsp="http://schemas.microsoft.com/office/drawing/2008/diagram" xmlns:a="http://schemas.openxmlformats.org/drawingml/2006/main">
+  <dsp:spTree>
+    <dsp:nvGrpSpPr>
+      <dsp:cNvPr id="0" name=""/>
+      <dsp:cNvGrpSpPr/>
+    </dsp:nvGrpSpPr>
+    <dsp:grpSpPr/>
+    <dsp:sp modelId="{3F457C5B-1528-4B97-8CCC-7561E0655C30}">
+      <dsp:nvSpPr>
+        <dsp:cNvPr id="0" name=""/>
+        <dsp:cNvSpPr/>
+      </dsp:nvSpPr>
+      <dsp:spPr>
+        <a:xfrm>
+          <a:off x="5114154" y="1921872"/>
+          <a:ext cx="1855301" cy="662973"/>
+        </a:xfrm>
+        <a:custGeom>
+          <a:avLst/>
+          <a:gdLst/>
+          <a:ahLst/>
+          <a:cxnLst/>
+          <a:rect l="0" t="0" r="0" b="0"/>
+          <a:pathLst>
+            <a:path>
+              <a:moveTo>
+                <a:pt x="0" y="0"/>
+              </a:moveTo>
+              <a:lnTo>
+                <a:pt x="0" y="429110"/>
+              </a:lnTo>
+              <a:lnTo>
+                <a:pt x="1855301" y="429110"/>
+              </a:lnTo>
+              <a:lnTo>
+                <a:pt x="1855301" y="662973"/>
+              </a:lnTo>
+            </a:path>
+          </a:pathLst>
+        </a:custGeom>
+        <a:noFill/>
+        <a:ln w="25400" cap="flat" cmpd="sng" algn="ctr">
+          <a:solidFill>
+            <a:schemeClr val="accent1">
+              <a:shade val="80000"/>
+              <a:hueOff val="0"/>
+              <a:satOff val="0"/>
+              <a:lumOff val="0"/>
+              <a:alphaOff val="0"/>
+            </a:schemeClr>
+          </a:solidFill>
+          <a:prstDash val="solid"/>
+        </a:ln>
+        <a:effectLst/>
+      </dsp:spPr>
+      <dsp:style>
+        <a:lnRef idx="2">
+          <a:scrgbClr r="0" g="0" b="0"/>
+        </a:lnRef>
+        <a:fillRef idx="0">
+          <a:scrgbClr r="0" g="0" b="0"/>
+        </a:fillRef>
+        <a:effectRef idx="0">
+          <a:scrgbClr r="0" g="0" b="0"/>
+        </a:effectRef>
+        <a:fontRef idx="minor"/>
+      </dsp:style>
+    </dsp:sp>
+    <dsp:sp modelId="{E8441736-2B19-40A0-B6AC-9D5E3CB0933D}">
+      <dsp:nvSpPr>
+        <dsp:cNvPr id="0" name=""/>
+        <dsp:cNvSpPr/>
+      </dsp:nvSpPr>
+      <dsp:spPr>
+        <a:xfrm>
+          <a:off x="2440941" y="3518194"/>
+          <a:ext cx="2044030" cy="838729"/>
+        </a:xfrm>
+        <a:custGeom>
+          <a:avLst/>
+          <a:gdLst/>
+          <a:ahLst/>
+          <a:cxnLst/>
+          <a:rect l="0" t="0" r="0" b="0"/>
+          <a:pathLst>
+            <a:path>
+              <a:moveTo>
+                <a:pt x="0" y="0"/>
+              </a:moveTo>
+              <a:lnTo>
+                <a:pt x="0" y="604866"/>
+              </a:lnTo>
+              <a:lnTo>
+                <a:pt x="2044030" y="604866"/>
+              </a:lnTo>
+              <a:lnTo>
+                <a:pt x="2044030" y="838729"/>
+              </a:lnTo>
+            </a:path>
+          </a:pathLst>
+        </a:custGeom>
+        <a:noFill/>
+        <a:ln w="25400" cap="flat" cmpd="sng" algn="ctr">
+          <a:solidFill>
+            <a:schemeClr val="accent1">
+              <a:shade val="80000"/>
+              <a:hueOff val="0"/>
+              <a:satOff val="0"/>
+              <a:lumOff val="0"/>
+              <a:alphaOff val="0"/>
+            </a:schemeClr>
+          </a:solidFill>
+          <a:prstDash val="solid"/>
+        </a:ln>
+        <a:effectLst/>
+      </dsp:spPr>
+      <dsp:style>
+        <a:lnRef idx="2">
+          <a:scrgbClr r="0" g="0" b="0"/>
+        </a:lnRef>
+        <a:fillRef idx="0">
+          <a:scrgbClr r="0" g="0" b="0"/>
+        </a:fillRef>
+        <a:effectRef idx="0">
+          <a:scrgbClr r="0" g="0" b="0"/>
+        </a:effectRef>
+        <a:fontRef idx="minor"/>
+      </dsp:style>
+    </dsp:sp>
+    <dsp:sp modelId="{BCDBD1D6-A6D7-46E5-9ECD-1551F9801A0A}">
+      <dsp:nvSpPr>
+        <dsp:cNvPr id="0" name=""/>
+        <dsp:cNvSpPr/>
+      </dsp:nvSpPr>
+      <dsp:spPr>
+        <a:xfrm>
+          <a:off x="1359145" y="3518194"/>
+          <a:ext cx="1081795" cy="838729"/>
+        </a:xfrm>
+        <a:custGeom>
+          <a:avLst/>
+          <a:gdLst/>
+          <a:ahLst/>
+          <a:cxnLst/>
+          <a:rect l="0" t="0" r="0" b="0"/>
+          <a:pathLst>
+            <a:path>
+              <a:moveTo>
+                <a:pt x="1081795" y="0"/>
+              </a:moveTo>
+              <a:lnTo>
+                <a:pt x="1081795" y="604866"/>
+              </a:lnTo>
+              <a:lnTo>
+                <a:pt x="0" y="604866"/>
+              </a:lnTo>
+              <a:lnTo>
+                <a:pt x="0" y="838729"/>
+              </a:lnTo>
+            </a:path>
+          </a:pathLst>
+        </a:custGeom>
+        <a:noFill/>
+        <a:ln w="25400" cap="flat" cmpd="sng" algn="ctr">
+          <a:solidFill>
+            <a:schemeClr val="accent1">
+              <a:shade val="80000"/>
+              <a:hueOff val="0"/>
+              <a:satOff val="0"/>
+              <a:lumOff val="0"/>
+              <a:alphaOff val="0"/>
+            </a:schemeClr>
+          </a:solidFill>
+          <a:prstDash val="solid"/>
+        </a:ln>
+        <a:effectLst/>
+      </dsp:spPr>
+      <dsp:style>
+        <a:lnRef idx="2">
+          <a:scrgbClr r="0" g="0" b="0"/>
+        </a:lnRef>
+        <a:fillRef idx="0">
+          <a:scrgbClr r="0" g="0" b="0"/>
+        </a:fillRef>
+        <a:effectRef idx="0">
+          <a:scrgbClr r="0" g="0" b="0"/>
+        </a:effectRef>
+        <a:fontRef idx="minor"/>
+      </dsp:style>
+    </dsp:sp>
+    <dsp:sp modelId="{95BC0BF2-A6C6-49EB-968E-C832DC204B59}">
+      <dsp:nvSpPr>
+        <dsp:cNvPr id="0" name=""/>
+        <dsp:cNvSpPr/>
+      </dsp:nvSpPr>
+      <dsp:spPr>
+        <a:xfrm>
+          <a:off x="2440941" y="1921872"/>
+          <a:ext cx="2673213" cy="662973"/>
+        </a:xfrm>
+        <a:custGeom>
+          <a:avLst/>
+          <a:gdLst/>
+          <a:ahLst/>
+          <a:cxnLst/>
+          <a:rect l="0" t="0" r="0" b="0"/>
+          <a:pathLst>
+            <a:path>
+              <a:moveTo>
+                <a:pt x="2673213" y="0"/>
+              </a:moveTo>
+              <a:lnTo>
+                <a:pt x="2673213" y="429110"/>
+              </a:lnTo>
+              <a:lnTo>
+                <a:pt x="0" y="429110"/>
+              </a:lnTo>
+              <a:lnTo>
+                <a:pt x="0" y="662973"/>
+              </a:lnTo>
+            </a:path>
+          </a:pathLst>
+        </a:custGeom>
+        <a:noFill/>
+        <a:ln w="25400" cap="flat" cmpd="sng" algn="ctr">
+          <a:solidFill>
+            <a:schemeClr val="accent1">
+              <a:shade val="80000"/>
+              <a:hueOff val="0"/>
+              <a:satOff val="0"/>
+              <a:lumOff val="0"/>
+              <a:alphaOff val="0"/>
+            </a:schemeClr>
+          </a:solidFill>
+          <a:prstDash val="solid"/>
+        </a:ln>
+        <a:effectLst/>
+      </dsp:spPr>
+      <dsp:style>
+        <a:lnRef idx="2">
+          <a:scrgbClr r="0" g="0" b="0"/>
+        </a:lnRef>
+        <a:fillRef idx="0">
+          <a:scrgbClr r="0" g="0" b="0"/>
+        </a:fillRef>
+        <a:effectRef idx="0">
+          <a:scrgbClr r="0" g="0" b="0"/>
+        </a:effectRef>
+        <a:fontRef idx="minor"/>
+      </dsp:style>
+    </dsp:sp>
+    <dsp:sp modelId="{9DB1EA88-1DFC-4C71-9FDF-0F7F45F4F38F}">
+      <dsp:nvSpPr>
+        <dsp:cNvPr id="0" name=""/>
+        <dsp:cNvSpPr/>
+      </dsp:nvSpPr>
+      <dsp:spPr>
+        <a:xfrm>
+          <a:off x="4996411" y="676117"/>
+          <a:ext cx="91440" cy="404004"/>
+        </a:xfrm>
+        <a:custGeom>
+          <a:avLst/>
+          <a:gdLst/>
+          <a:ahLst/>
+          <a:cxnLst/>
+          <a:rect l="0" t="0" r="0" b="0"/>
+          <a:pathLst>
+            <a:path>
+              <a:moveTo>
+                <a:pt x="45720" y="0"/>
+              </a:moveTo>
+              <a:lnTo>
+                <a:pt x="45720" y="170141"/>
+              </a:lnTo>
+              <a:lnTo>
+                <a:pt x="117742" y="170141"/>
+              </a:lnTo>
+              <a:lnTo>
+                <a:pt x="117742" y="404004"/>
+              </a:lnTo>
+            </a:path>
+          </a:pathLst>
+        </a:custGeom>
+        <a:noFill/>
+        <a:ln w="25400" cap="flat" cmpd="sng" algn="ctr">
+          <a:solidFill>
+            <a:schemeClr val="accent1">
+              <a:shade val="60000"/>
+              <a:hueOff val="0"/>
+              <a:satOff val="0"/>
+              <a:lumOff val="0"/>
+              <a:alphaOff val="0"/>
+            </a:schemeClr>
+          </a:solidFill>
+          <a:prstDash val="solid"/>
+        </a:ln>
+        <a:effectLst/>
+      </dsp:spPr>
+      <dsp:style>
+        <a:lnRef idx="2">
+          <a:scrgbClr r="0" g="0" b="0"/>
+        </a:lnRef>
+        <a:fillRef idx="0">
+          <a:scrgbClr r="0" g="0" b="0"/>
+        </a:fillRef>
+        <a:effectRef idx="0">
+          <a:scrgbClr r="0" g="0" b="0"/>
+        </a:effectRef>
+        <a:fontRef idx="minor"/>
+      </dsp:style>
+    </dsp:sp>
+    <dsp:sp modelId="{DF59BC37-FAF8-41A7-B31B-D079BB5A1748}">
+      <dsp:nvSpPr>
+        <dsp:cNvPr id="0" name=""/>
+        <dsp:cNvSpPr/>
+      </dsp:nvSpPr>
+      <dsp:spPr>
+        <a:xfrm>
+          <a:off x="3779903" y="-44620"/>
+          <a:ext cx="2524456" cy="720738"/>
+        </a:xfrm>
+        <a:prstGeom prst="roundRect">
+          <a:avLst>
+            <a:gd name="adj" fmla="val 10000"/>
+          </a:avLst>
+        </a:prstGeom>
+        <a:solidFill>
+          <a:schemeClr val="accent1">
+            <a:hueOff val="0"/>
+            <a:satOff val="0"/>
+            <a:lumOff val="0"/>
+            <a:alphaOff val="0"/>
+          </a:schemeClr>
+        </a:solidFill>
+        <a:ln w="25400" cap="flat" cmpd="sng" algn="ctr">
+          <a:solidFill>
+            <a:schemeClr val="lt1">
+              <a:hueOff val="0"/>
+              <a:satOff val="0"/>
+              <a:lumOff val="0"/>
+              <a:alphaOff val="0"/>
+            </a:schemeClr>
+          </a:solidFill>
+          <a:prstDash val="solid"/>
+        </a:ln>
+        <a:effectLst/>
+      </dsp:spPr>
+      <dsp:style>
+        <a:lnRef idx="2">
+          <a:scrgbClr r="0" g="0" b="0"/>
+        </a:lnRef>
+        <a:fillRef idx="1">
+          <a:scrgbClr r="0" g="0" b="0"/>
+        </a:fillRef>
+        <a:effectRef idx="0">
+          <a:scrgbClr r="0" g="0" b="0"/>
+        </a:effectRef>
+        <a:fontRef idx="minor">
+          <a:schemeClr val="lt1"/>
+        </a:fontRef>
+      </dsp:style>
+    </dsp:sp>
+    <dsp:sp modelId="{DE1DD832-D35C-4C10-B562-2D190E99A7B6}">
+      <dsp:nvSpPr>
+        <dsp:cNvPr id="0" name=""/>
+        <dsp:cNvSpPr/>
+      </dsp:nvSpPr>
+      <dsp:spPr>
+        <a:xfrm>
+          <a:off x="4060398" y="221849"/>
+          <a:ext cx="2524456" cy="720738"/>
+        </a:xfrm>
+        <a:prstGeom prst="roundRect">
+          <a:avLst>
+            <a:gd name="adj" fmla="val 10000"/>
+          </a:avLst>
+        </a:prstGeom>
+        <a:solidFill>
+          <a:schemeClr val="lt1">
+            <a:alpha val="90000"/>
+            <a:hueOff val="0"/>
+            <a:satOff val="0"/>
+            <a:lumOff val="0"/>
+            <a:alphaOff val="0"/>
+          </a:schemeClr>
+        </a:solidFill>
+        <a:ln w="25400" cap="flat" cmpd="sng" algn="ctr">
+          <a:solidFill>
+            <a:schemeClr val="accent1">
+              <a:hueOff val="0"/>
+              <a:satOff val="0"/>
+              <a:lumOff val="0"/>
+              <a:alphaOff val="0"/>
+            </a:schemeClr>
+          </a:solidFill>
+          <a:prstDash val="solid"/>
+        </a:ln>
+        <a:effectLst/>
+      </dsp:spPr>
+      <dsp:style>
+        <a:lnRef idx="2">
+          <a:scrgbClr r="0" g="0" b="0"/>
+        </a:lnRef>
+        <a:fillRef idx="1">
+          <a:scrgbClr r="0" g="0" b="0"/>
+        </a:fillRef>
+        <a:effectRef idx="0">
+          <a:scrgbClr r="0" g="0" b="0"/>
+        </a:effectRef>
+        <a:fontRef idx="minor"/>
+      </dsp:style>
+      <dsp:txBody>
+        <a:bodyPr spcFirstLastPara="0" vert="horz" wrap="square" lIns="53340" tIns="53340" rIns="53340" bIns="53340" numCol="1" spcCol="1270" anchor="ctr" anchorCtr="0">
+          <a:noAutofit/>
+        </a:bodyPr>
+        <a:lstStyle/>
+        <a:p>
+          <a:pPr lvl="0" algn="ctr" defTabSz="622300">
+            <a:lnSpc>
+              <a:spcPct val="90000"/>
+            </a:lnSpc>
+            <a:spcBef>
+              <a:spcPct val="0"/>
+            </a:spcBef>
+            <a:spcAft>
+              <a:spcPct val="35000"/>
+            </a:spcAft>
+          </a:pPr>
+          <a:r>
+            <a:rPr lang="fr-FR" sz="1400" kern="1200" smtClean="0"/>
+            <a:t>Reception of the Working Paper</a:t>
+          </a:r>
+          <a:endParaRPr lang="en-GB" sz="1400" kern="1200"/>
+        </a:p>
+      </dsp:txBody>
+      <dsp:txXfrm>
+        <a:off x="4081508" y="242959"/>
+        <a:ext cx="2482236" cy="678518"/>
+      </dsp:txXfrm>
+    </dsp:sp>
+    <dsp:sp modelId="{2704FF83-E38A-4704-A469-CF8FD278B8CE}">
+      <dsp:nvSpPr>
+        <dsp:cNvPr id="0" name=""/>
+        <dsp:cNvSpPr/>
+      </dsp:nvSpPr>
+      <dsp:spPr>
+        <a:xfrm>
+          <a:off x="3851926" y="1080121"/>
+          <a:ext cx="2524456" cy="841751"/>
+        </a:xfrm>
+        <a:prstGeom prst="roundRect">
+          <a:avLst>
+            <a:gd name="adj" fmla="val 10000"/>
+          </a:avLst>
+        </a:prstGeom>
+        <a:solidFill>
+          <a:schemeClr val="accent6">
+            <a:lumMod val="75000"/>
+          </a:schemeClr>
+        </a:solidFill>
+        <a:ln w="25400" cap="flat" cmpd="sng" algn="ctr">
+          <a:solidFill>
+            <a:schemeClr val="lt1">
+              <a:hueOff val="0"/>
+              <a:satOff val="0"/>
+              <a:lumOff val="0"/>
+              <a:alphaOff val="0"/>
+            </a:schemeClr>
+          </a:solidFill>
+          <a:prstDash val="solid"/>
+        </a:ln>
+        <a:effectLst/>
+      </dsp:spPr>
+      <dsp:style>
+        <a:lnRef idx="2">
+          <a:scrgbClr r="0" g="0" b="0"/>
+        </a:lnRef>
+        <a:fillRef idx="1">
+          <a:scrgbClr r="0" g="0" b="0"/>
+        </a:fillRef>
+        <a:effectRef idx="0">
+          <a:scrgbClr r="0" g="0" b="0"/>
+        </a:effectRef>
+        <a:fontRef idx="minor">
+          <a:schemeClr val="lt1"/>
+        </a:fontRef>
+      </dsp:style>
+    </dsp:sp>
+    <dsp:sp modelId="{D8D2A675-F486-4510-A4C2-B51EE00F527F}">
+      <dsp:nvSpPr>
+        <dsp:cNvPr id="0" name=""/>
+        <dsp:cNvSpPr/>
+      </dsp:nvSpPr>
+      <dsp:spPr>
+        <a:xfrm>
+          <a:off x="4132421" y="1346591"/>
+          <a:ext cx="2524456" cy="841751"/>
+        </a:xfrm>
+        <a:prstGeom prst="roundRect">
+          <a:avLst>
+            <a:gd name="adj" fmla="val 10000"/>
+          </a:avLst>
+        </a:prstGeom>
+        <a:solidFill>
+          <a:schemeClr val="lt1">
+            <a:alpha val="90000"/>
+            <a:hueOff val="0"/>
+            <a:satOff val="0"/>
+            <a:lumOff val="0"/>
+            <a:alphaOff val="0"/>
+          </a:schemeClr>
+        </a:solidFill>
+        <a:ln w="25400" cap="flat" cmpd="sng" algn="ctr">
+          <a:solidFill>
+            <a:schemeClr val="accent2"/>
+          </a:solidFill>
+          <a:prstDash val="solid"/>
+        </a:ln>
+        <a:effectLst/>
+      </dsp:spPr>
+      <dsp:style>
+        <a:lnRef idx="2">
+          <a:scrgbClr r="0" g="0" b="0"/>
+        </a:lnRef>
+        <a:fillRef idx="1">
+          <a:scrgbClr r="0" g="0" b="0"/>
+        </a:fillRef>
+        <a:effectRef idx="0">
+          <a:scrgbClr r="0" g="0" b="0"/>
+        </a:effectRef>
+        <a:fontRef idx="minor"/>
+      </dsp:style>
+      <dsp:txBody>
+        <a:bodyPr spcFirstLastPara="0" vert="horz" wrap="square" lIns="53340" tIns="53340" rIns="53340" bIns="53340" numCol="1" spcCol="1270" anchor="ctr" anchorCtr="0">
+          <a:noAutofit/>
+        </a:bodyPr>
+        <a:lstStyle/>
+        <a:p>
+          <a:pPr lvl="0" algn="ctr" defTabSz="622300">
+            <a:lnSpc>
+              <a:spcPct val="90000"/>
+            </a:lnSpc>
+            <a:spcBef>
+              <a:spcPct val="0"/>
+            </a:spcBef>
+            <a:spcAft>
+              <a:spcPct val="35000"/>
+            </a:spcAft>
+          </a:pPr>
+          <a:r>
+            <a:rPr lang="fr-FR" sz="1400" b="1" kern="1200" smtClean="0"/>
+            <a:t>URGENT: check authors</a:t>
+          </a:r>
+        </a:p>
+        <a:p>
+          <a:pPr lvl="0" algn="ctr" defTabSz="622300">
+            <a:lnSpc>
+              <a:spcPct val="90000"/>
+            </a:lnSpc>
+            <a:spcBef>
+              <a:spcPct val="0"/>
+            </a:spcBef>
+            <a:spcAft>
+              <a:spcPct val="35000"/>
+            </a:spcAft>
+          </a:pPr>
+          <a:r>
+            <a:rPr lang="fr-FR" sz="1400" kern="1200" smtClean="0"/>
+            <a:t>Do </a:t>
+          </a:r>
+          <a:r>
+            <a:rPr lang="fr-FR" sz="1400" kern="1200" smtClean="0"/>
+            <a:t>authors and affiliation exist?</a:t>
+          </a:r>
+          <a:endParaRPr lang="en-GB" sz="1400" kern="1200"/>
+        </a:p>
+      </dsp:txBody>
+      <dsp:txXfrm>
+        <a:off x="4157075" y="1371245"/>
+        <a:ext cx="2475148" cy="792443"/>
+      </dsp:txXfrm>
+    </dsp:sp>
+    <dsp:sp modelId="{D109EC7C-C09E-4344-80BD-080CEA189107}">
+      <dsp:nvSpPr>
+        <dsp:cNvPr id="0" name=""/>
+        <dsp:cNvSpPr/>
+      </dsp:nvSpPr>
+      <dsp:spPr>
+        <a:xfrm>
+          <a:off x="1178712" y="2584846"/>
+          <a:ext cx="2524456" cy="933348"/>
+        </a:xfrm>
+        <a:prstGeom prst="roundRect">
+          <a:avLst>
+            <a:gd name="adj" fmla="val 10000"/>
+          </a:avLst>
+        </a:prstGeom>
+        <a:solidFill>
+          <a:schemeClr val="accent1">
+            <a:hueOff val="0"/>
+            <a:satOff val="0"/>
+            <a:lumOff val="0"/>
+            <a:alphaOff val="0"/>
+          </a:schemeClr>
+        </a:solidFill>
+        <a:ln w="25400" cap="flat" cmpd="sng" algn="ctr">
+          <a:solidFill>
+            <a:schemeClr val="lt1">
+              <a:hueOff val="0"/>
+              <a:satOff val="0"/>
+              <a:lumOff val="0"/>
+              <a:alphaOff val="0"/>
+            </a:schemeClr>
+          </a:solidFill>
+          <a:prstDash val="solid"/>
+        </a:ln>
+        <a:effectLst/>
+      </dsp:spPr>
+      <dsp:style>
+        <a:lnRef idx="2">
+          <a:scrgbClr r="0" g="0" b="0"/>
+        </a:lnRef>
+        <a:fillRef idx="1">
+          <a:scrgbClr r="0" g="0" b="0"/>
+        </a:fillRef>
+        <a:effectRef idx="0">
+          <a:scrgbClr r="0" g="0" b="0"/>
+        </a:effectRef>
+        <a:fontRef idx="minor">
+          <a:schemeClr val="lt1"/>
+        </a:fontRef>
+      </dsp:style>
+    </dsp:sp>
+    <dsp:sp modelId="{4D4E702E-D1B9-44A4-B94B-136FA5149430}">
+      <dsp:nvSpPr>
+        <dsp:cNvPr id="0" name=""/>
+        <dsp:cNvSpPr/>
+      </dsp:nvSpPr>
+      <dsp:spPr>
+        <a:xfrm>
+          <a:off x="1459207" y="2851316"/>
+          <a:ext cx="2524456" cy="933348"/>
+        </a:xfrm>
+        <a:prstGeom prst="roundRect">
+          <a:avLst>
+            <a:gd name="adj" fmla="val 10000"/>
+          </a:avLst>
+        </a:prstGeom>
+        <a:solidFill>
+          <a:schemeClr val="lt1">
+            <a:alpha val="90000"/>
+            <a:hueOff val="0"/>
+            <a:satOff val="0"/>
+            <a:lumOff val="0"/>
+            <a:alphaOff val="0"/>
+          </a:schemeClr>
+        </a:solidFill>
+        <a:ln w="25400" cap="flat" cmpd="sng" algn="ctr">
+          <a:solidFill>
+            <a:schemeClr val="accent1">
+              <a:hueOff val="0"/>
+              <a:satOff val="0"/>
+              <a:lumOff val="0"/>
+              <a:alphaOff val="0"/>
+            </a:schemeClr>
+          </a:solidFill>
+          <a:prstDash val="solid"/>
+        </a:ln>
+        <a:effectLst/>
+      </dsp:spPr>
+      <dsp:style>
+        <a:lnRef idx="2">
+          <a:scrgbClr r="0" g="0" b="0"/>
+        </a:lnRef>
+        <a:fillRef idx="1">
+          <a:scrgbClr r="0" g="0" b="0"/>
+        </a:fillRef>
+        <a:effectRef idx="0">
+          <a:scrgbClr r="0" g="0" b="0"/>
+        </a:effectRef>
+        <a:fontRef idx="minor"/>
+      </dsp:style>
+      <dsp:txBody>
+        <a:bodyPr spcFirstLastPara="0" vert="horz" wrap="square" lIns="53340" tIns="53340" rIns="53340" bIns="53340" numCol="1" spcCol="1270" anchor="ctr" anchorCtr="0">
+          <a:noAutofit/>
+        </a:bodyPr>
+        <a:lstStyle/>
+        <a:p>
+          <a:pPr lvl="0" algn="ctr" defTabSz="622300">
+            <a:lnSpc>
+              <a:spcPct val="90000"/>
+            </a:lnSpc>
+            <a:spcBef>
+              <a:spcPct val="0"/>
+            </a:spcBef>
+            <a:spcAft>
+              <a:spcPct val="35000"/>
+            </a:spcAft>
+          </a:pPr>
+          <a:r>
+            <a:rPr lang="fr-FR" sz="1400" kern="1200" smtClean="0"/>
+            <a:t>YES</a:t>
+          </a:r>
+        </a:p>
+        <a:p>
+          <a:pPr lvl="0" algn="ctr" defTabSz="622300">
+            <a:lnSpc>
+              <a:spcPct val="90000"/>
+            </a:lnSpc>
+            <a:spcBef>
+              <a:spcPct val="0"/>
+            </a:spcBef>
+            <a:spcAft>
+              <a:spcPct val="35000"/>
+            </a:spcAft>
+          </a:pPr>
+          <a:r>
+            <a:rPr lang="fr-FR" sz="1400" b="1" kern="1200" smtClean="0"/>
+            <a:t>You can go ahead and create the Working Paper</a:t>
+          </a:r>
+        </a:p>
+      </dsp:txBody>
+      <dsp:txXfrm>
+        <a:off x="1486544" y="2878653"/>
+        <a:ext cx="2469782" cy="878674"/>
+      </dsp:txXfrm>
+    </dsp:sp>
+    <dsp:sp modelId="{7432A4C8-F18D-45D8-9032-74348FED1E66}">
+      <dsp:nvSpPr>
+        <dsp:cNvPr id="0" name=""/>
+        <dsp:cNvSpPr/>
+      </dsp:nvSpPr>
+      <dsp:spPr>
+        <a:xfrm>
+          <a:off x="144982" y="4356924"/>
+          <a:ext cx="2428325" cy="862318"/>
+        </a:xfrm>
+        <a:prstGeom prst="roundRect">
+          <a:avLst>
+            <a:gd name="adj" fmla="val 10000"/>
+          </a:avLst>
+        </a:prstGeom>
+        <a:solidFill>
+          <a:schemeClr val="accent1">
+            <a:hueOff val="0"/>
+            <a:satOff val="0"/>
+            <a:lumOff val="0"/>
+            <a:alphaOff val="0"/>
+          </a:schemeClr>
+        </a:solidFill>
+        <a:ln w="25400" cap="flat" cmpd="sng" algn="ctr">
+          <a:solidFill>
+            <a:schemeClr val="lt1">
+              <a:hueOff val="0"/>
+              <a:satOff val="0"/>
+              <a:lumOff val="0"/>
+              <a:alphaOff val="0"/>
+            </a:schemeClr>
+          </a:solidFill>
+          <a:prstDash val="solid"/>
+        </a:ln>
+        <a:effectLst/>
+      </dsp:spPr>
+      <dsp:style>
+        <a:lnRef idx="2">
+          <a:scrgbClr r="0" g="0" b="0"/>
+        </a:lnRef>
+        <a:fillRef idx="1">
+          <a:scrgbClr r="0" g="0" b="0"/>
+        </a:fillRef>
+        <a:effectRef idx="0">
+          <a:scrgbClr r="0" g="0" b="0"/>
+        </a:effectRef>
+        <a:fontRef idx="minor">
+          <a:schemeClr val="lt1"/>
+        </a:fontRef>
+      </dsp:style>
+    </dsp:sp>
+    <dsp:sp modelId="{CE336225-1E8F-4F89-8F11-D8F0589F7C13}">
+      <dsp:nvSpPr>
+        <dsp:cNvPr id="0" name=""/>
+        <dsp:cNvSpPr/>
+      </dsp:nvSpPr>
+      <dsp:spPr>
+        <a:xfrm>
+          <a:off x="425477" y="4623394"/>
+          <a:ext cx="2428325" cy="862318"/>
+        </a:xfrm>
+        <a:prstGeom prst="roundRect">
+          <a:avLst>
+            <a:gd name="adj" fmla="val 10000"/>
+          </a:avLst>
+        </a:prstGeom>
+        <a:solidFill>
+          <a:schemeClr val="lt1">
+            <a:alpha val="90000"/>
+            <a:hueOff val="0"/>
+            <a:satOff val="0"/>
+            <a:lumOff val="0"/>
+            <a:alphaOff val="0"/>
+          </a:schemeClr>
+        </a:solidFill>
+        <a:ln w="25400" cap="flat" cmpd="sng" algn="ctr">
+          <a:solidFill>
+            <a:schemeClr val="accent1">
+              <a:hueOff val="0"/>
+              <a:satOff val="0"/>
+              <a:lumOff val="0"/>
+              <a:alphaOff val="0"/>
+            </a:schemeClr>
+          </a:solidFill>
+          <a:prstDash val="solid"/>
+        </a:ln>
+        <a:effectLst/>
+      </dsp:spPr>
+      <dsp:style>
+        <a:lnRef idx="2">
+          <a:scrgbClr r="0" g="0" b="0"/>
+        </a:lnRef>
+        <a:fillRef idx="1">
+          <a:scrgbClr r="0" g="0" b="0"/>
+        </a:fillRef>
+        <a:effectRef idx="0">
+          <a:scrgbClr r="0" g="0" b="0"/>
+        </a:effectRef>
+        <a:fontRef idx="minor"/>
+      </dsp:style>
+      <dsp:txBody>
+        <a:bodyPr spcFirstLastPara="0" vert="horz" wrap="square" lIns="53340" tIns="53340" rIns="53340" bIns="53340" numCol="1" spcCol="1270" anchor="ctr" anchorCtr="0">
+          <a:noAutofit/>
+        </a:bodyPr>
+        <a:lstStyle/>
+        <a:p>
+          <a:pPr lvl="0" algn="ctr" defTabSz="622300">
+            <a:lnSpc>
+              <a:spcPct val="90000"/>
+            </a:lnSpc>
+            <a:spcBef>
+              <a:spcPct val="0"/>
+            </a:spcBef>
+            <a:spcAft>
+              <a:spcPct val="35000"/>
+            </a:spcAft>
+          </a:pPr>
+          <a:r>
+            <a:rPr lang="fr-FR" sz="1400" b="1" kern="1200" smtClean="0"/>
+            <a:t>STEP 3A</a:t>
+          </a:r>
+        </a:p>
+        <a:p>
+          <a:pPr lvl="0" algn="ctr" defTabSz="622300">
+            <a:lnSpc>
+              <a:spcPct val="90000"/>
+            </a:lnSpc>
+            <a:spcBef>
+              <a:spcPct val="0"/>
+            </a:spcBef>
+            <a:spcAft>
+              <a:spcPct val="35000"/>
+            </a:spcAft>
+          </a:pPr>
+          <a:r>
+            <a:rPr lang="fr-FR" sz="1400" kern="1200" smtClean="0"/>
+            <a:t>Creation of a working paper </a:t>
+          </a:r>
+        </a:p>
+        <a:p>
+          <a:pPr lvl="0" algn="ctr" defTabSz="622300">
+            <a:lnSpc>
+              <a:spcPct val="90000"/>
+            </a:lnSpc>
+            <a:spcBef>
+              <a:spcPct val="0"/>
+            </a:spcBef>
+            <a:spcAft>
+              <a:spcPct val="35000"/>
+            </a:spcAft>
+          </a:pPr>
+          <a:r>
+            <a:rPr lang="fr-FR" sz="1400" kern="1200" smtClean="0"/>
+            <a:t>via the Form</a:t>
+          </a:r>
+          <a:endParaRPr lang="en-GB" sz="1400" kern="1200"/>
+        </a:p>
+      </dsp:txBody>
+      <dsp:txXfrm>
+        <a:off x="450733" y="4648650"/>
+        <a:ext cx="2377813" cy="811806"/>
+      </dsp:txXfrm>
+    </dsp:sp>
+    <dsp:sp modelId="{A2F187DA-7FED-48B1-A25A-9458EED12E0B}">
+      <dsp:nvSpPr>
+        <dsp:cNvPr id="0" name=""/>
+        <dsp:cNvSpPr/>
+      </dsp:nvSpPr>
+      <dsp:spPr>
+        <a:xfrm>
+          <a:off x="3365488" y="4356924"/>
+          <a:ext cx="2238966" cy="862318"/>
+        </a:xfrm>
+        <a:prstGeom prst="roundRect">
+          <a:avLst>
+            <a:gd name="adj" fmla="val 10000"/>
+          </a:avLst>
+        </a:prstGeom>
+        <a:solidFill>
+          <a:schemeClr val="accent1">
+            <a:hueOff val="0"/>
+            <a:satOff val="0"/>
+            <a:lumOff val="0"/>
+            <a:alphaOff val="0"/>
+          </a:schemeClr>
+        </a:solidFill>
+        <a:ln w="25400" cap="flat" cmpd="sng" algn="ctr">
+          <a:solidFill>
+            <a:schemeClr val="lt1">
+              <a:hueOff val="0"/>
+              <a:satOff val="0"/>
+              <a:lumOff val="0"/>
+              <a:alphaOff val="0"/>
+            </a:schemeClr>
+          </a:solidFill>
+          <a:prstDash val="solid"/>
+        </a:ln>
+        <a:effectLst/>
+      </dsp:spPr>
+      <dsp:style>
+        <a:lnRef idx="2">
+          <a:scrgbClr r="0" g="0" b="0"/>
+        </a:lnRef>
+        <a:fillRef idx="1">
+          <a:scrgbClr r="0" g="0" b="0"/>
+        </a:fillRef>
+        <a:effectRef idx="0">
+          <a:scrgbClr r="0" g="0" b="0"/>
+        </a:effectRef>
+        <a:fontRef idx="minor">
+          <a:schemeClr val="lt1"/>
+        </a:fontRef>
+      </dsp:style>
+    </dsp:sp>
+    <dsp:sp modelId="{1A6802AC-EC08-4B0A-9606-EDC7AD661EAE}">
+      <dsp:nvSpPr>
+        <dsp:cNvPr id="0" name=""/>
+        <dsp:cNvSpPr/>
+      </dsp:nvSpPr>
+      <dsp:spPr>
+        <a:xfrm>
+          <a:off x="3645983" y="4623394"/>
+          <a:ext cx="2238966" cy="862318"/>
+        </a:xfrm>
+        <a:prstGeom prst="roundRect">
+          <a:avLst>
+            <a:gd name="adj" fmla="val 10000"/>
+          </a:avLst>
+        </a:prstGeom>
+        <a:solidFill>
+          <a:schemeClr val="lt1">
+            <a:alpha val="90000"/>
+            <a:hueOff val="0"/>
+            <a:satOff val="0"/>
+            <a:lumOff val="0"/>
+            <a:alphaOff val="0"/>
+          </a:schemeClr>
+        </a:solidFill>
+        <a:ln w="25400" cap="flat" cmpd="sng" algn="ctr">
+          <a:solidFill>
+            <a:schemeClr val="accent1">
+              <a:hueOff val="0"/>
+              <a:satOff val="0"/>
+              <a:lumOff val="0"/>
+              <a:alphaOff val="0"/>
+            </a:schemeClr>
+          </a:solidFill>
+          <a:prstDash val="solid"/>
+        </a:ln>
+        <a:effectLst/>
+      </dsp:spPr>
+      <dsp:style>
+        <a:lnRef idx="2">
+          <a:scrgbClr r="0" g="0" b="0"/>
+        </a:lnRef>
+        <a:fillRef idx="1">
+          <a:scrgbClr r="0" g="0" b="0"/>
+        </a:fillRef>
+        <a:effectRef idx="0">
+          <a:scrgbClr r="0" g="0" b="0"/>
+        </a:effectRef>
+        <a:fontRef idx="minor"/>
+      </dsp:style>
+      <dsp:txBody>
+        <a:bodyPr spcFirstLastPara="0" vert="horz" wrap="square" lIns="53340" tIns="53340" rIns="53340" bIns="53340" numCol="1" spcCol="1270" anchor="ctr" anchorCtr="0">
+          <a:noAutofit/>
+        </a:bodyPr>
+        <a:lstStyle/>
+        <a:p>
+          <a:pPr lvl="0" algn="ctr" defTabSz="622300">
+            <a:lnSpc>
+              <a:spcPct val="90000"/>
+            </a:lnSpc>
+            <a:spcBef>
+              <a:spcPct val="0"/>
+            </a:spcBef>
+            <a:spcAft>
+              <a:spcPct val="35000"/>
+            </a:spcAft>
+          </a:pPr>
+          <a:r>
+            <a:rPr lang="fr-FR" sz="1400" b="1" kern="1200" smtClean="0"/>
+            <a:t>STEP 3B</a:t>
+          </a:r>
+        </a:p>
+        <a:p>
+          <a:pPr lvl="0" algn="ctr" defTabSz="622300">
+            <a:lnSpc>
+              <a:spcPct val="90000"/>
+            </a:lnSpc>
+            <a:spcBef>
+              <a:spcPct val="0"/>
+            </a:spcBef>
+            <a:spcAft>
+              <a:spcPct val="35000"/>
+            </a:spcAft>
+          </a:pPr>
+          <a:r>
+            <a:rPr lang="fr-FR" sz="1400" kern="1200" smtClean="0"/>
+            <a:t>Creation of a working paper</a:t>
+          </a:r>
+        </a:p>
+        <a:p>
+          <a:pPr lvl="0" algn="ctr" defTabSz="622300">
+            <a:lnSpc>
+              <a:spcPct val="90000"/>
+            </a:lnSpc>
+            <a:spcBef>
+              <a:spcPct val="0"/>
+            </a:spcBef>
+            <a:spcAft>
+              <a:spcPct val="35000"/>
+            </a:spcAft>
+          </a:pPr>
+          <a:r>
+            <a:rPr lang="fr-FR" sz="1400" kern="1200" smtClean="0"/>
+            <a:t> using an XML file</a:t>
+          </a:r>
+          <a:endParaRPr lang="en-GB" sz="1400" kern="1200"/>
+        </a:p>
+      </dsp:txBody>
+      <dsp:txXfrm>
+        <a:off x="3671239" y="4648650"/>
+        <a:ext cx="2188454" cy="811806"/>
+      </dsp:txXfrm>
+    </dsp:sp>
+    <dsp:sp modelId="{CA3F5F9A-FB1D-4570-97AD-47836F3CBBA0}">
+      <dsp:nvSpPr>
+        <dsp:cNvPr id="0" name=""/>
+        <dsp:cNvSpPr/>
+      </dsp:nvSpPr>
+      <dsp:spPr>
+        <a:xfrm>
+          <a:off x="5535072" y="2584846"/>
+          <a:ext cx="2868767" cy="933348"/>
+        </a:xfrm>
+        <a:prstGeom prst="roundRect">
+          <a:avLst>
+            <a:gd name="adj" fmla="val 10000"/>
+          </a:avLst>
+        </a:prstGeom>
+        <a:solidFill>
+          <a:schemeClr val="accent1">
+            <a:hueOff val="0"/>
+            <a:satOff val="0"/>
+            <a:lumOff val="0"/>
+            <a:alphaOff val="0"/>
+          </a:schemeClr>
+        </a:solidFill>
+        <a:ln w="25400" cap="flat" cmpd="sng" algn="ctr">
+          <a:solidFill>
+            <a:schemeClr val="lt1">
+              <a:hueOff val="0"/>
+              <a:satOff val="0"/>
+              <a:lumOff val="0"/>
+              <a:alphaOff val="0"/>
+            </a:schemeClr>
+          </a:solidFill>
+          <a:prstDash val="solid"/>
+        </a:ln>
+        <a:effectLst/>
+      </dsp:spPr>
+      <dsp:style>
+        <a:lnRef idx="2">
+          <a:scrgbClr r="0" g="0" b="0"/>
+        </a:lnRef>
+        <a:fillRef idx="1">
+          <a:scrgbClr r="0" g="0" b="0"/>
+        </a:fillRef>
+        <a:effectRef idx="0">
+          <a:scrgbClr r="0" g="0" b="0"/>
+        </a:effectRef>
+        <a:fontRef idx="minor">
+          <a:schemeClr val="lt1"/>
+        </a:fontRef>
+      </dsp:style>
+    </dsp:sp>
+    <dsp:sp modelId="{93D830B4-6443-4BF2-8E39-73B15E17C511}">
+      <dsp:nvSpPr>
+        <dsp:cNvPr id="0" name=""/>
+        <dsp:cNvSpPr/>
+      </dsp:nvSpPr>
+      <dsp:spPr>
+        <a:xfrm>
+          <a:off x="5815567" y="2851316"/>
+          <a:ext cx="2868767" cy="933348"/>
+        </a:xfrm>
+        <a:prstGeom prst="roundRect">
+          <a:avLst>
+            <a:gd name="adj" fmla="val 10000"/>
+          </a:avLst>
+        </a:prstGeom>
+        <a:solidFill>
+          <a:schemeClr val="lt1">
+            <a:alpha val="90000"/>
+            <a:hueOff val="0"/>
+            <a:satOff val="0"/>
+            <a:lumOff val="0"/>
+            <a:alphaOff val="0"/>
+          </a:schemeClr>
+        </a:solidFill>
+        <a:ln w="25400" cap="flat" cmpd="sng" algn="ctr">
+          <a:solidFill>
+            <a:schemeClr val="accent1">
+              <a:hueOff val="0"/>
+              <a:satOff val="0"/>
+              <a:lumOff val="0"/>
+              <a:alphaOff val="0"/>
+            </a:schemeClr>
+          </a:solidFill>
+          <a:prstDash val="solid"/>
+        </a:ln>
+        <a:effectLst/>
+      </dsp:spPr>
+      <dsp:style>
+        <a:lnRef idx="2">
+          <a:scrgbClr r="0" g="0" b="0"/>
+        </a:lnRef>
+        <a:fillRef idx="1">
+          <a:scrgbClr r="0" g="0" b="0"/>
+        </a:fillRef>
+        <a:effectRef idx="0">
+          <a:scrgbClr r="0" g="0" b="0"/>
+        </a:effectRef>
+        <a:fontRef idx="minor"/>
+      </dsp:style>
+      <dsp:txBody>
+        <a:bodyPr spcFirstLastPara="0" vert="horz" wrap="square" lIns="53340" tIns="53340" rIns="53340" bIns="53340" numCol="1" spcCol="1270" anchor="ctr" anchorCtr="0">
+          <a:noAutofit/>
+        </a:bodyPr>
+        <a:lstStyle/>
+        <a:p>
+          <a:pPr lvl="0" algn="ctr" defTabSz="622300">
+            <a:lnSpc>
+              <a:spcPct val="90000"/>
+            </a:lnSpc>
+            <a:spcBef>
+              <a:spcPct val="0"/>
+            </a:spcBef>
+            <a:spcAft>
+              <a:spcPct val="35000"/>
+            </a:spcAft>
+          </a:pPr>
+          <a:r>
+            <a:rPr lang="fr-FR" sz="1400" kern="1200" smtClean="0"/>
+            <a:t>NO</a:t>
+          </a:r>
+        </a:p>
+        <a:p>
+          <a:pPr lvl="0" algn="ctr" defTabSz="622300">
+            <a:lnSpc>
+              <a:spcPct val="90000"/>
+            </a:lnSpc>
+            <a:spcBef>
+              <a:spcPct val="0"/>
+            </a:spcBef>
+            <a:spcAft>
+              <a:spcPct val="35000"/>
+            </a:spcAft>
+          </a:pPr>
+          <a:r>
+            <a:rPr lang="fr-FR" sz="1400" b="1" kern="1200" smtClean="0"/>
+            <a:t>STEP </a:t>
+          </a:r>
+          <a:r>
+            <a:rPr lang="fr-FR" sz="1400" b="1" kern="1200" smtClean="0"/>
+            <a:t>2 </a:t>
+          </a:r>
+        </a:p>
+        <a:p>
+          <a:pPr lvl="0" algn="ctr" defTabSz="622300">
+            <a:lnSpc>
+              <a:spcPct val="90000"/>
+            </a:lnSpc>
+            <a:spcBef>
+              <a:spcPct val="0"/>
+            </a:spcBef>
+            <a:spcAft>
+              <a:spcPct val="35000"/>
+            </a:spcAft>
+          </a:pPr>
+          <a:r>
+            <a:rPr lang="fr-FR" sz="1400" kern="1200" smtClean="0"/>
+            <a:t>creation </a:t>
+          </a:r>
+          <a:r>
+            <a:rPr lang="fr-FR" sz="1400" kern="1200" smtClean="0"/>
+            <a:t>of author and affiliation</a:t>
+          </a:r>
+          <a:endParaRPr lang="en-GB" sz="1400" kern="1200"/>
+        </a:p>
+      </dsp:txBody>
+      <dsp:txXfrm>
+        <a:off x="5842904" y="2878653"/>
+        <a:ext cx="2814093" cy="878674"/>
+      </dsp:txXfrm>
+    </dsp:sp>
+  </dsp:spTree>
+</dsp:drawing>
+</file>
+
+<file path=ppt/diagrams/drawing3.xml><?xml version="1.0" encoding="utf-8"?>
+<dsp:drawing xmlns:dgm="http://schemas.openxmlformats.org/drawingml/2006/diagram" xmlns:dsp="http://schemas.microsoft.com/office/drawing/2008/diagram" xmlns:a="http://schemas.openxmlformats.org/drawingml/2006/main">
+  <dsp:spTree>
+    <dsp:nvGrpSpPr>
+      <dsp:cNvPr id="0" name=""/>
+      <dsp:cNvGrpSpPr/>
+    </dsp:nvGrpSpPr>
+    <dsp:grpSpPr/>
+    <dsp:sp modelId="{E14E8047-2472-4BB3-8F2B-A6995183F58B}">
+      <dsp:nvSpPr>
+        <dsp:cNvPr id="0" name=""/>
+        <dsp:cNvSpPr/>
+      </dsp:nvSpPr>
+      <dsp:spPr>
+        <a:xfrm>
+          <a:off x="2565416" y="2616173"/>
+          <a:ext cx="1390932" cy="706113"/>
+        </a:xfrm>
+        <a:custGeom>
+          <a:avLst/>
+          <a:gdLst/>
+          <a:ahLst/>
+          <a:cxnLst/>
+          <a:rect l="0" t="0" r="0" b="0"/>
+          <a:pathLst>
+            <a:path>
+              <a:moveTo>
+                <a:pt x="0" y="0"/>
+              </a:moveTo>
+              <a:lnTo>
+                <a:pt x="0" y="481195"/>
+              </a:lnTo>
+              <a:lnTo>
+                <a:pt x="1390932" y="481195"/>
+              </a:lnTo>
+              <a:lnTo>
+                <a:pt x="1390932" y="706113"/>
+              </a:lnTo>
+            </a:path>
+          </a:pathLst>
+        </a:custGeom>
+        <a:noFill/>
+        <a:ln w="25400" cap="flat" cmpd="sng" algn="ctr">
+          <a:solidFill>
+            <a:schemeClr val="accent1">
+              <a:shade val="80000"/>
+              <a:hueOff val="0"/>
+              <a:satOff val="0"/>
+              <a:lumOff val="0"/>
+              <a:alphaOff val="0"/>
+            </a:schemeClr>
+          </a:solidFill>
+          <a:prstDash val="solid"/>
+        </a:ln>
+        <a:effectLst/>
+      </dsp:spPr>
+      <dsp:style>
+        <a:lnRef idx="2">
+          <a:scrgbClr r="0" g="0" b="0"/>
+        </a:lnRef>
+        <a:fillRef idx="0">
+          <a:scrgbClr r="0" g="0" b="0"/>
+        </a:fillRef>
+        <a:effectRef idx="0">
+          <a:scrgbClr r="0" g="0" b="0"/>
+        </a:effectRef>
+        <a:fontRef idx="minor"/>
+      </dsp:style>
+    </dsp:sp>
+    <dsp:sp modelId="{F42BF059-EAF0-486A-B1F5-E37FA0D38460}">
+      <dsp:nvSpPr>
+        <dsp:cNvPr id="0" name=""/>
+        <dsp:cNvSpPr/>
+      </dsp:nvSpPr>
+      <dsp:spPr>
+        <a:xfrm>
+          <a:off x="1121179" y="2616173"/>
+          <a:ext cx="1444237" cy="706113"/>
+        </a:xfrm>
+        <a:custGeom>
+          <a:avLst/>
+          <a:gdLst/>
+          <a:ahLst/>
+          <a:cxnLst/>
+          <a:rect l="0" t="0" r="0" b="0"/>
+          <a:pathLst>
+            <a:path>
+              <a:moveTo>
+                <a:pt x="1444237" y="0"/>
+              </a:moveTo>
+              <a:lnTo>
+                <a:pt x="1444237" y="481195"/>
+              </a:lnTo>
+              <a:lnTo>
+                <a:pt x="0" y="481195"/>
+              </a:lnTo>
+              <a:lnTo>
+                <a:pt x="0" y="706113"/>
+              </a:lnTo>
+            </a:path>
+          </a:pathLst>
+        </a:custGeom>
+        <a:noFill/>
+        <a:ln w="25400" cap="flat" cmpd="sng" algn="ctr">
+          <a:solidFill>
+            <a:schemeClr val="accent1">
+              <a:shade val="80000"/>
+              <a:hueOff val="0"/>
+              <a:satOff val="0"/>
+              <a:lumOff val="0"/>
+              <a:alphaOff val="0"/>
+            </a:schemeClr>
+          </a:solidFill>
+          <a:prstDash val="solid"/>
+        </a:ln>
+        <a:effectLst/>
+      </dsp:spPr>
+      <dsp:style>
+        <a:lnRef idx="2">
+          <a:scrgbClr r="0" g="0" b="0"/>
+        </a:lnRef>
+        <a:fillRef idx="0">
+          <a:scrgbClr r="0" g="0" b="0"/>
+        </a:fillRef>
+        <a:effectRef idx="0">
+          <a:scrgbClr r="0" g="0" b="0"/>
+        </a:effectRef>
+        <a:fontRef idx="minor"/>
+      </dsp:style>
+    </dsp:sp>
+    <dsp:sp modelId="{1B3283C5-8AC6-4F36-AC8C-0A54FF39047A}">
+      <dsp:nvSpPr>
+        <dsp:cNvPr id="0" name=""/>
+        <dsp:cNvSpPr/>
+      </dsp:nvSpPr>
+      <dsp:spPr>
+        <a:xfrm>
+          <a:off x="2519696" y="1291893"/>
+          <a:ext cx="91440" cy="706113"/>
+        </a:xfrm>
+        <a:custGeom>
+          <a:avLst/>
+          <a:gdLst/>
+          <a:ahLst/>
+          <a:cxnLst/>
+          <a:rect l="0" t="0" r="0" b="0"/>
+          <a:pathLst>
+            <a:path>
+              <a:moveTo>
+                <a:pt x="45720" y="0"/>
+              </a:moveTo>
+              <a:lnTo>
+                <a:pt x="45720" y="706113"/>
+              </a:lnTo>
+            </a:path>
+          </a:pathLst>
+        </a:custGeom>
+        <a:noFill/>
+        <a:ln w="25400" cap="flat" cmpd="sng" algn="ctr">
+          <a:solidFill>
+            <a:schemeClr val="accent1">
+              <a:shade val="60000"/>
+              <a:hueOff val="0"/>
+              <a:satOff val="0"/>
+              <a:lumOff val="0"/>
+              <a:alphaOff val="0"/>
+            </a:schemeClr>
+          </a:solidFill>
+          <a:prstDash val="solid"/>
+        </a:ln>
+        <a:effectLst/>
+      </dsp:spPr>
+      <dsp:style>
+        <a:lnRef idx="2">
+          <a:scrgbClr r="0" g="0" b="0"/>
+        </a:lnRef>
+        <a:fillRef idx="0">
+          <a:scrgbClr r="0" g="0" b="0"/>
+        </a:fillRef>
+        <a:effectRef idx="0">
+          <a:scrgbClr r="0" g="0" b="0"/>
+        </a:effectRef>
+        <a:fontRef idx="minor"/>
+      </dsp:style>
+    </dsp:sp>
+    <dsp:sp modelId="{0BA137B3-E16C-4B94-B367-179408C697F4}">
+      <dsp:nvSpPr>
+        <dsp:cNvPr id="0" name=""/>
+        <dsp:cNvSpPr/>
+      </dsp:nvSpPr>
+      <dsp:spPr>
+        <a:xfrm>
+          <a:off x="1351468" y="585264"/>
+          <a:ext cx="2427896" cy="706629"/>
+        </a:xfrm>
+        <a:prstGeom prst="roundRect">
+          <a:avLst>
+            <a:gd name="adj" fmla="val 10000"/>
+          </a:avLst>
+        </a:prstGeom>
+        <a:solidFill>
+          <a:schemeClr val="accent1">
+            <a:hueOff val="0"/>
+            <a:satOff val="0"/>
+            <a:lumOff val="0"/>
+            <a:alphaOff val="0"/>
+          </a:schemeClr>
+        </a:solidFill>
+        <a:ln w="25400" cap="flat" cmpd="sng" algn="ctr">
+          <a:solidFill>
+            <a:schemeClr val="lt1">
+              <a:hueOff val="0"/>
+              <a:satOff val="0"/>
+              <a:lumOff val="0"/>
+              <a:alphaOff val="0"/>
+            </a:schemeClr>
+          </a:solidFill>
+          <a:prstDash val="solid"/>
+        </a:ln>
+        <a:effectLst/>
+      </dsp:spPr>
+      <dsp:style>
+        <a:lnRef idx="2">
+          <a:scrgbClr r="0" g="0" b="0"/>
+        </a:lnRef>
+        <a:fillRef idx="1">
+          <a:scrgbClr r="0" g="0" b="0"/>
+        </a:fillRef>
+        <a:effectRef idx="0">
+          <a:scrgbClr r="0" g="0" b="0"/>
+        </a:effectRef>
+        <a:fontRef idx="minor">
+          <a:schemeClr val="lt1"/>
+        </a:fontRef>
+      </dsp:style>
+    </dsp:sp>
+    <dsp:sp modelId="{FFE1E694-78FC-404C-8C7F-A993588EEAFB}">
+      <dsp:nvSpPr>
+        <dsp:cNvPr id="0" name=""/>
+        <dsp:cNvSpPr/>
+      </dsp:nvSpPr>
+      <dsp:spPr>
+        <a:xfrm>
+          <a:off x="1621234" y="841542"/>
+          <a:ext cx="2427896" cy="706629"/>
+        </a:xfrm>
+        <a:prstGeom prst="roundRect">
+          <a:avLst>
+            <a:gd name="adj" fmla="val 10000"/>
+          </a:avLst>
+        </a:prstGeom>
+        <a:solidFill>
+          <a:schemeClr val="lt1">
+            <a:alpha val="90000"/>
+            <a:hueOff val="0"/>
+            <a:satOff val="0"/>
+            <a:lumOff val="0"/>
+            <a:alphaOff val="0"/>
+          </a:schemeClr>
+        </a:solidFill>
+        <a:ln w="25400" cap="flat" cmpd="sng" algn="ctr">
+          <a:solidFill>
+            <a:schemeClr val="accent1">
+              <a:hueOff val="0"/>
+              <a:satOff val="0"/>
+              <a:lumOff val="0"/>
+              <a:alphaOff val="0"/>
+            </a:schemeClr>
+          </a:solidFill>
+          <a:prstDash val="solid"/>
+        </a:ln>
+        <a:effectLst/>
+      </dsp:spPr>
+      <dsp:style>
+        <a:lnRef idx="2">
+          <a:scrgbClr r="0" g="0" b="0"/>
+        </a:lnRef>
+        <a:fillRef idx="1">
+          <a:scrgbClr r="0" g="0" b="0"/>
+        </a:fillRef>
+        <a:effectRef idx="0">
+          <a:scrgbClr r="0" g="0" b="0"/>
+        </a:effectRef>
+        <a:fontRef idx="minor"/>
+      </dsp:style>
+      <dsp:txBody>
+        <a:bodyPr spcFirstLastPara="0" vert="horz" wrap="square" lIns="53340" tIns="53340" rIns="53340" bIns="53340" numCol="1" spcCol="1270" anchor="ctr" anchorCtr="0">
+          <a:noAutofit/>
+        </a:bodyPr>
+        <a:lstStyle/>
+        <a:p>
+          <a:pPr lvl="0" algn="ctr" defTabSz="622300">
+            <a:lnSpc>
+              <a:spcPct val="90000"/>
+            </a:lnSpc>
+            <a:spcBef>
+              <a:spcPct val="0"/>
+            </a:spcBef>
+            <a:spcAft>
+              <a:spcPct val="35000"/>
+            </a:spcAft>
+          </a:pPr>
+          <a:r>
+            <a:rPr lang="fr-FR" sz="1400" kern="1200" smtClean="0"/>
+            <a:t>Creation of a Working Paper series</a:t>
+          </a:r>
+          <a:endParaRPr lang="en-GB" sz="1400" kern="1200"/>
+        </a:p>
+      </dsp:txBody>
+      <dsp:txXfrm>
+        <a:off x="1641930" y="862238"/>
+        <a:ext cx="2386504" cy="665237"/>
+      </dsp:txXfrm>
+    </dsp:sp>
+    <dsp:sp modelId="{D0FD5BB6-7B74-40F8-B2D6-7BF6A1D13CA8}">
+      <dsp:nvSpPr>
+        <dsp:cNvPr id="0" name=""/>
+        <dsp:cNvSpPr/>
+      </dsp:nvSpPr>
+      <dsp:spPr>
+        <a:xfrm>
+          <a:off x="1351468" y="1998007"/>
+          <a:ext cx="2427896" cy="618165"/>
+        </a:xfrm>
+        <a:prstGeom prst="roundRect">
+          <a:avLst>
+            <a:gd name="adj" fmla="val 10000"/>
+          </a:avLst>
+        </a:prstGeom>
+        <a:solidFill>
+          <a:srgbClr val="7030A0"/>
+        </a:solidFill>
+        <a:ln w="25400" cap="flat" cmpd="sng" algn="ctr">
+          <a:solidFill>
+            <a:schemeClr val="lt1">
+              <a:hueOff val="0"/>
+              <a:satOff val="0"/>
+              <a:lumOff val="0"/>
+              <a:alphaOff val="0"/>
+            </a:schemeClr>
+          </a:solidFill>
+          <a:prstDash val="solid"/>
+        </a:ln>
+        <a:effectLst/>
+      </dsp:spPr>
+      <dsp:style>
+        <a:lnRef idx="2">
+          <a:scrgbClr r="0" g="0" b="0"/>
+        </a:lnRef>
+        <a:fillRef idx="1">
+          <a:scrgbClr r="0" g="0" b="0"/>
+        </a:fillRef>
+        <a:effectRef idx="0">
+          <a:scrgbClr r="0" g="0" b="0"/>
+        </a:effectRef>
+        <a:fontRef idx="minor">
+          <a:schemeClr val="lt1"/>
+        </a:fontRef>
+      </dsp:style>
+    </dsp:sp>
+    <dsp:sp modelId="{B166310E-0A69-488B-A1D7-14BA0739BCDD}">
+      <dsp:nvSpPr>
+        <dsp:cNvPr id="0" name=""/>
+        <dsp:cNvSpPr/>
+      </dsp:nvSpPr>
+      <dsp:spPr>
+        <a:xfrm>
+          <a:off x="1621234" y="2254285"/>
+          <a:ext cx="2427896" cy="618165"/>
+        </a:xfrm>
+        <a:prstGeom prst="roundRect">
+          <a:avLst>
+            <a:gd name="adj" fmla="val 10000"/>
+          </a:avLst>
+        </a:prstGeom>
+        <a:solidFill>
+          <a:schemeClr val="lt1">
+            <a:alpha val="90000"/>
+            <a:hueOff val="0"/>
+            <a:satOff val="0"/>
+            <a:lumOff val="0"/>
+            <a:alphaOff val="0"/>
+          </a:schemeClr>
+        </a:solidFill>
+        <a:ln w="25400" cap="flat" cmpd="sng" algn="ctr">
+          <a:solidFill>
+            <a:srgbClr val="7030A0"/>
+          </a:solidFill>
+          <a:prstDash val="solid"/>
+        </a:ln>
+        <a:effectLst/>
+      </dsp:spPr>
+      <dsp:style>
+        <a:lnRef idx="2">
+          <a:scrgbClr r="0" g="0" b="0"/>
+        </a:lnRef>
+        <a:fillRef idx="1">
+          <a:scrgbClr r="0" g="0" b="0"/>
+        </a:fillRef>
+        <a:effectRef idx="0">
+          <a:scrgbClr r="0" g="0" b="0"/>
+        </a:effectRef>
+        <a:fontRef idx="minor"/>
+      </dsp:style>
+      <dsp:txBody>
+        <a:bodyPr spcFirstLastPara="0" vert="horz" wrap="square" lIns="53340" tIns="53340" rIns="53340" bIns="53340" numCol="1" spcCol="1270" anchor="ctr" anchorCtr="0">
+          <a:noAutofit/>
+        </a:bodyPr>
+        <a:lstStyle/>
+        <a:p>
+          <a:pPr lvl="0" algn="ctr" defTabSz="622300">
+            <a:lnSpc>
+              <a:spcPct val="90000"/>
+            </a:lnSpc>
+            <a:spcBef>
+              <a:spcPct val="0"/>
+            </a:spcBef>
+            <a:spcAft>
+              <a:spcPct val="35000"/>
+            </a:spcAft>
+          </a:pPr>
+          <a:r>
+            <a:rPr lang="fr-FR" sz="1400" kern="1200" smtClean="0">
+              <a:solidFill>
+                <a:schemeClr val="accent4">
+                  <a:lumMod val="50000"/>
+                </a:schemeClr>
+              </a:solidFill>
+            </a:rPr>
+            <a:t>Send </a:t>
+          </a:r>
+          <a:r>
+            <a:rPr lang="fr-FR" sz="1400" kern="1200" smtClean="0">
+              <a:solidFill>
+                <a:schemeClr val="accent4">
+                  <a:lumMod val="50000"/>
+                </a:schemeClr>
+              </a:solidFill>
+            </a:rPr>
+            <a:t>PACmetadata </a:t>
+          </a:r>
+        </a:p>
+        <a:p>
+          <a:pPr lvl="0" algn="ctr" defTabSz="622300">
+            <a:lnSpc>
+              <a:spcPct val="90000"/>
+            </a:lnSpc>
+            <a:spcBef>
+              <a:spcPct val="0"/>
+            </a:spcBef>
+            <a:spcAft>
+              <a:spcPct val="35000"/>
+            </a:spcAft>
+          </a:pPr>
+          <a:r>
+            <a:rPr lang="fr-FR" sz="1400" kern="1200" smtClean="0">
+              <a:solidFill>
+                <a:schemeClr val="accent4">
+                  <a:lumMod val="50000"/>
+                </a:schemeClr>
+              </a:solidFill>
+            </a:rPr>
+            <a:t>a r</a:t>
+          </a:r>
+          <a:r>
+            <a:rPr lang="fr-FR" sz="1400" kern="1200" smtClean="0">
+              <a:solidFill>
+                <a:schemeClr val="accent4">
+                  <a:lumMod val="50000"/>
+                </a:schemeClr>
+              </a:solidFill>
+            </a:rPr>
+            <a:t>equest for a new  ISSN</a:t>
+          </a:r>
+          <a:endParaRPr lang="en-GB" sz="1400" kern="1200">
+            <a:solidFill>
+              <a:schemeClr val="accent4">
+                <a:lumMod val="50000"/>
+              </a:schemeClr>
+            </a:solidFill>
+          </a:endParaRPr>
+        </a:p>
+      </dsp:txBody>
+      <dsp:txXfrm>
+        <a:off x="1639339" y="2272390"/>
+        <a:ext cx="2391686" cy="581955"/>
+      </dsp:txXfrm>
+    </dsp:sp>
+    <dsp:sp modelId="{8BADB48E-5F02-4C09-9FFD-CECF462B193D}">
+      <dsp:nvSpPr>
+        <dsp:cNvPr id="0" name=""/>
+        <dsp:cNvSpPr/>
+      </dsp:nvSpPr>
+      <dsp:spPr>
+        <a:xfrm>
+          <a:off x="13" y="3322286"/>
+          <a:ext cx="2242332" cy="732715"/>
+        </a:xfrm>
+        <a:prstGeom prst="roundRect">
+          <a:avLst>
+            <a:gd name="adj" fmla="val 10000"/>
+          </a:avLst>
+        </a:prstGeom>
+        <a:solidFill>
+          <a:schemeClr val="accent1">
+            <a:hueOff val="0"/>
+            <a:satOff val="0"/>
+            <a:lumOff val="0"/>
+            <a:alphaOff val="0"/>
+          </a:schemeClr>
+        </a:solidFill>
+        <a:ln w="25400" cap="flat" cmpd="sng" algn="ctr">
+          <a:solidFill>
+            <a:schemeClr val="lt1">
+              <a:hueOff val="0"/>
+              <a:satOff val="0"/>
+              <a:lumOff val="0"/>
+              <a:alphaOff val="0"/>
+            </a:schemeClr>
+          </a:solidFill>
+          <a:prstDash val="solid"/>
+        </a:ln>
+        <a:effectLst/>
+      </dsp:spPr>
+      <dsp:style>
+        <a:lnRef idx="2">
+          <a:scrgbClr r="0" g="0" b="0"/>
+        </a:lnRef>
+        <a:fillRef idx="1">
+          <a:scrgbClr r="0" g="0" b="0"/>
+        </a:fillRef>
+        <a:effectRef idx="0">
+          <a:scrgbClr r="0" g="0" b="0"/>
+        </a:effectRef>
+        <a:fontRef idx="minor">
+          <a:schemeClr val="lt1"/>
+        </a:fontRef>
+      </dsp:style>
+    </dsp:sp>
+    <dsp:sp modelId="{F39CF965-BD1D-49A7-B5C7-DC88332F2F41}">
+      <dsp:nvSpPr>
+        <dsp:cNvPr id="0" name=""/>
+        <dsp:cNvSpPr/>
+      </dsp:nvSpPr>
+      <dsp:spPr>
+        <a:xfrm>
+          <a:off x="269779" y="3578564"/>
+          <a:ext cx="2242332" cy="732715"/>
+        </a:xfrm>
+        <a:prstGeom prst="roundRect">
+          <a:avLst>
+            <a:gd name="adj" fmla="val 10000"/>
+          </a:avLst>
+        </a:prstGeom>
+        <a:solidFill>
+          <a:schemeClr val="lt1">
+            <a:alpha val="90000"/>
+            <a:hueOff val="0"/>
+            <a:satOff val="0"/>
+            <a:lumOff val="0"/>
+            <a:alphaOff val="0"/>
+          </a:schemeClr>
+        </a:solidFill>
+        <a:ln w="25400" cap="flat" cmpd="sng" algn="ctr">
+          <a:solidFill>
+            <a:schemeClr val="accent1">
+              <a:hueOff val="0"/>
+              <a:satOff val="0"/>
+              <a:lumOff val="0"/>
+              <a:alphaOff val="0"/>
+            </a:schemeClr>
+          </a:solidFill>
+          <a:prstDash val="solid"/>
+        </a:ln>
+        <a:effectLst/>
+      </dsp:spPr>
+      <dsp:style>
+        <a:lnRef idx="2">
+          <a:scrgbClr r="0" g="0" b="0"/>
+        </a:lnRef>
+        <a:fillRef idx="1">
+          <a:scrgbClr r="0" g="0" b="0"/>
+        </a:fillRef>
+        <a:effectRef idx="0">
+          <a:scrgbClr r="0" g="0" b="0"/>
+        </a:effectRef>
+        <a:fontRef idx="minor"/>
+      </dsp:style>
+      <dsp:txBody>
+        <a:bodyPr spcFirstLastPara="0" vert="horz" wrap="square" lIns="53340" tIns="53340" rIns="53340" bIns="53340" numCol="1" spcCol="1270" anchor="ctr" anchorCtr="0">
+          <a:noAutofit/>
+        </a:bodyPr>
+        <a:lstStyle/>
+        <a:p>
+          <a:pPr lvl="0" algn="ctr" defTabSz="622300">
+            <a:lnSpc>
+              <a:spcPct val="90000"/>
+            </a:lnSpc>
+            <a:spcBef>
+              <a:spcPct val="0"/>
+            </a:spcBef>
+            <a:spcAft>
+              <a:spcPct val="35000"/>
+            </a:spcAft>
+          </a:pPr>
+          <a:r>
+            <a:rPr lang="fr-FR" sz="1400" kern="1200" smtClean="0"/>
+            <a:t>STEP 1A</a:t>
+          </a:r>
+        </a:p>
+        <a:p>
+          <a:pPr lvl="0" algn="ctr" defTabSz="622300">
+            <a:lnSpc>
+              <a:spcPct val="90000"/>
+            </a:lnSpc>
+            <a:spcBef>
+              <a:spcPct val="0"/>
+            </a:spcBef>
+            <a:spcAft>
+              <a:spcPct val="35000"/>
+            </a:spcAft>
+          </a:pPr>
+          <a:r>
+            <a:rPr lang="fr-FR" sz="1400" kern="1200" smtClean="0"/>
+            <a:t>Creation using Web Form</a:t>
+          </a:r>
+          <a:endParaRPr lang="en-GB" sz="1400" kern="1200"/>
+        </a:p>
+      </dsp:txBody>
+      <dsp:txXfrm>
+        <a:off x="291239" y="3600024"/>
+        <a:ext cx="2199412" cy="689795"/>
+      </dsp:txXfrm>
+    </dsp:sp>
+    <dsp:sp modelId="{68B5ABEF-3119-4635-825F-C0F4EA46FC0C}">
+      <dsp:nvSpPr>
+        <dsp:cNvPr id="0" name=""/>
+        <dsp:cNvSpPr/>
+      </dsp:nvSpPr>
+      <dsp:spPr>
+        <a:xfrm>
+          <a:off x="2781878" y="3322286"/>
+          <a:ext cx="2348941" cy="732715"/>
+        </a:xfrm>
+        <a:prstGeom prst="roundRect">
+          <a:avLst>
+            <a:gd name="adj" fmla="val 10000"/>
+          </a:avLst>
+        </a:prstGeom>
+        <a:solidFill>
+          <a:schemeClr val="accent1">
+            <a:hueOff val="0"/>
+            <a:satOff val="0"/>
+            <a:lumOff val="0"/>
+            <a:alphaOff val="0"/>
+          </a:schemeClr>
+        </a:solidFill>
+        <a:ln w="25400" cap="flat" cmpd="sng" algn="ctr">
+          <a:solidFill>
+            <a:schemeClr val="lt1">
+              <a:hueOff val="0"/>
+              <a:satOff val="0"/>
+              <a:lumOff val="0"/>
+              <a:alphaOff val="0"/>
+            </a:schemeClr>
+          </a:solidFill>
+          <a:prstDash val="solid"/>
+        </a:ln>
+        <a:effectLst/>
+      </dsp:spPr>
+      <dsp:style>
+        <a:lnRef idx="2">
+          <a:scrgbClr r="0" g="0" b="0"/>
+        </a:lnRef>
+        <a:fillRef idx="1">
+          <a:scrgbClr r="0" g="0" b="0"/>
+        </a:fillRef>
+        <a:effectRef idx="0">
+          <a:scrgbClr r="0" g="0" b="0"/>
+        </a:effectRef>
+        <a:fontRef idx="minor">
+          <a:schemeClr val="lt1"/>
+        </a:fontRef>
+      </dsp:style>
+    </dsp:sp>
+    <dsp:sp modelId="{6F9E98AC-59B6-43F1-B0F2-D5F0F5871CB2}">
+      <dsp:nvSpPr>
+        <dsp:cNvPr id="0" name=""/>
+        <dsp:cNvSpPr/>
+      </dsp:nvSpPr>
+      <dsp:spPr>
+        <a:xfrm>
+          <a:off x="3051644" y="3578564"/>
+          <a:ext cx="2348941" cy="732715"/>
+        </a:xfrm>
+        <a:prstGeom prst="roundRect">
+          <a:avLst>
+            <a:gd name="adj" fmla="val 10000"/>
+          </a:avLst>
+        </a:prstGeom>
+        <a:solidFill>
+          <a:schemeClr val="lt1">
+            <a:alpha val="90000"/>
+            <a:hueOff val="0"/>
+            <a:satOff val="0"/>
+            <a:lumOff val="0"/>
+            <a:alphaOff val="0"/>
+          </a:schemeClr>
+        </a:solidFill>
+        <a:ln w="25400" cap="flat" cmpd="sng" algn="ctr">
+          <a:solidFill>
+            <a:schemeClr val="accent1">
+              <a:hueOff val="0"/>
+              <a:satOff val="0"/>
+              <a:lumOff val="0"/>
+              <a:alphaOff val="0"/>
+            </a:schemeClr>
+          </a:solidFill>
+          <a:prstDash val="solid"/>
+        </a:ln>
+        <a:effectLst/>
+      </dsp:spPr>
+      <dsp:style>
+        <a:lnRef idx="2">
+          <a:scrgbClr r="0" g="0" b="0"/>
+        </a:lnRef>
+        <a:fillRef idx="1">
+          <a:scrgbClr r="0" g="0" b="0"/>
+        </a:fillRef>
+        <a:effectRef idx="0">
+          <a:scrgbClr r="0" g="0" b="0"/>
+        </a:effectRef>
+        <a:fontRef idx="minor"/>
+      </dsp:style>
+      <dsp:txBody>
+        <a:bodyPr spcFirstLastPara="0" vert="horz" wrap="square" lIns="53340" tIns="53340" rIns="53340" bIns="53340" numCol="1" spcCol="1270" anchor="ctr" anchorCtr="0">
+          <a:noAutofit/>
+        </a:bodyPr>
+        <a:lstStyle/>
+        <a:p>
+          <a:pPr lvl="0" algn="ctr" defTabSz="622300">
+            <a:lnSpc>
+              <a:spcPct val="90000"/>
+            </a:lnSpc>
+            <a:spcBef>
+              <a:spcPct val="0"/>
+            </a:spcBef>
+            <a:spcAft>
+              <a:spcPct val="35000"/>
+            </a:spcAft>
+          </a:pPr>
+          <a:r>
+            <a:rPr lang="fr-FR" sz="1400" kern="1200" smtClean="0"/>
+            <a:t>STEP 1B</a:t>
+          </a:r>
+        </a:p>
+        <a:p>
+          <a:pPr lvl="0" algn="ctr" defTabSz="622300">
+            <a:lnSpc>
+              <a:spcPct val="90000"/>
+            </a:lnSpc>
+            <a:spcBef>
+              <a:spcPct val="0"/>
+            </a:spcBef>
+            <a:spcAft>
+              <a:spcPct val="35000"/>
+            </a:spcAft>
+          </a:pPr>
+          <a:r>
+            <a:rPr lang="fr-FR" sz="1400" kern="1200" smtClean="0"/>
+            <a:t>Creation Using XML file</a:t>
+          </a:r>
+          <a:endParaRPr lang="en-GB" sz="1400" kern="1200"/>
+        </a:p>
+      </dsp:txBody>
+      <dsp:txXfrm>
+        <a:off x="3073104" y="3600024"/>
+        <a:ext cx="2306021" cy="689795"/>
+      </dsp:txXfrm>
+    </dsp:sp>
+  </dsp:spTree>
+</dsp:drawing>
+</file>
+
 <file path=ppt/diagrams/layout1.xml><?xml version="1.0" encoding="utf-8"?>
+<dgm:layoutDef xmlns:dgm="http://schemas.openxmlformats.org/drawingml/2006/diagram" xmlns:a="http://schemas.openxmlformats.org/drawingml/2006/main" uniqueId="urn:microsoft.com/office/officeart/2005/8/layout/hierarchy1">
+  <dgm:title val=""/>
+  <dgm:desc val=""/>
+  <dgm:catLst>
+    <dgm:cat type="hierarchy" pri="2000"/>
+  </dgm:catLst>
+  <dgm:sampData>
+    <dgm:dataModel>
+      <dgm:ptLst>
+        <dgm:pt modelId="0" type="doc"/>
+        <dgm:pt modelId="1">
+          <dgm:prSet phldr="1"/>
+        </dgm:pt>
+        <dgm:pt modelId="2">
+          <dgm:prSet phldr="1"/>
+        </dgm:pt>
+        <dgm:pt modelId="21">
+          <dgm:prSet phldr="1"/>
+        </dgm:pt>
+        <dgm:pt modelId="22">
+          <dgm:prSet phldr="1"/>
+        </dgm:pt>
+        <dgm:pt modelId="3">
+          <dgm:prSet phldr="1"/>
+        </dgm:pt>
+        <dgm:pt modelId="31">
+          <dgm:prSet phldr="1"/>
+        </dgm:pt>
+      </dgm:ptLst>
+      <dgm:cxnLst>
+        <dgm:cxn modelId="4" srcId="0" destId="1" srcOrd="0" destOrd="0"/>
+        <dgm:cxn modelId="5" srcId="1" destId="2" srcOrd="0" destOrd="0"/>
+        <dgm:cxn modelId="6" srcId="1" destId="3" srcOrd="1" destOrd="0"/>
+        <dgm:cxn modelId="23" srcId="2" destId="21" srcOrd="0" destOrd="0"/>
+        <dgm:cxn modelId="24" srcId="2" destId="22" srcOrd="1" destOrd="0"/>
+        <dgm:cxn modelId="33" srcId="3" destId="31" srcOrd="0" destOrd="0"/>
+      </dgm:cxnLst>
+      <dgm:bg/>
+      <dgm:whole/>
+    </dgm:dataModel>
+  </dgm:sampData>
+  <dgm:styleData>
+    <dgm:dataModel>
+      <dgm:ptLst>
+        <dgm:pt modelId="0" type="doc"/>
+        <dgm:pt modelId="1"/>
+        <dgm:pt modelId="11"/>
+        <dgm:pt modelId="12"/>
+      </dgm:ptLst>
+      <dgm:cxnLst>
+        <dgm:cxn modelId="2" srcId="0" destId="1" srcOrd="0" destOrd="0"/>
+        <dgm:cxn modelId="13" srcId="1" destId="11" srcOrd="0" destOrd="0"/>
+        <dgm:cxn modelId="14" srcId="1" destId="12" srcOrd="1" destOrd="0"/>
+      </dgm:cxnLst>
+      <dgm:bg/>
+      <dgm:whole/>
+    </dgm:dataModel>
+  </dgm:styleData>
+  <dgm:clrData>
+    <dgm:dataModel>
+      <dgm:ptLst>
+        <dgm:pt modelId="0" type="doc"/>
+        <dgm:pt modelId="1"/>
+        <dgm:pt modelId="2"/>
+        <dgm:pt modelId="21"/>
+        <dgm:pt modelId="211"/>
+        <dgm:pt modelId="3"/>
+        <dgm:pt modelId="31"/>
+        <dgm:pt modelId="311"/>
+      </dgm:ptLst>
+      <dgm:cxnLst>
+        <dgm:cxn modelId="4" srcId="0" destId="1" srcOrd="0" destOrd="0"/>
+        <dgm:cxn modelId="5" srcId="1" destId="2" srcOrd="0" destOrd="0"/>
+        <dgm:cxn modelId="6" srcId="1" destId="3" srcOrd="1" destOrd="0"/>
+        <dgm:cxn modelId="23" srcId="2" destId="21" srcOrd="0" destOrd="0"/>
+        <dgm:cxn modelId="24" srcId="21" destId="211" srcOrd="0" destOrd="0"/>
+        <dgm:cxn modelId="33" srcId="3" destId="31" srcOrd="0" destOrd="0"/>
+        <dgm:cxn modelId="34" srcId="31" destId="311" srcOrd="0" destOrd="0"/>
+      </dgm:cxnLst>
+      <dgm:bg/>
+      <dgm:whole/>
+    </dgm:dataModel>
+  </dgm:clrData>
+  <dgm:layoutNode name="hierChild1">
+    <dgm:varLst>
+      <dgm:chPref val="1"/>
+      <dgm:dir/>
+      <dgm:animOne val="branch"/>
+      <dgm:animLvl val="lvl"/>
+      <dgm:resizeHandles/>
+    </dgm:varLst>
+    <dgm:choose name="Name0">
+      <dgm:if name="Name1" func="var" arg="dir" op="equ" val="norm">
+        <dgm:alg type="hierChild">
+          <dgm:param type="linDir" val="fromL"/>
+        </dgm:alg>
+      </dgm:if>
+      <dgm:else name="Name2">
+        <dgm:alg type="hierChild">
+          <dgm:param type="linDir" val="fromR"/>
+        </dgm:alg>
+      </dgm:else>
+    </dgm:choose>
+    <dgm:shape xmlns:r="http://schemas.openxmlformats.org/officeDocument/2006/relationships" r:blip="">
+      <dgm:adjLst/>
+    </dgm:shape>
+    <dgm:presOf/>
+    <dgm:constrLst>
+      <dgm:constr type="primFontSz" for="des" ptType="node" op="equ" val="65"/>
+      <dgm:constr type="w" for="des" forName="composite" refType="w"/>
+      <dgm:constr type="h" for="des" forName="composite" refType="w" refFor="des" refForName="composite" fact="0.667"/>
+      <dgm:constr type="w" for="des" forName="composite2" refType="w" refFor="des" refForName="composite"/>
+      <dgm:constr type="h" for="des" forName="composite2" refType="h" refFor="des" refForName="composite"/>
+      <dgm:constr type="w" for="des" forName="composite3" refType="w" refFor="des" refForName="composite"/>
+      <dgm:constr type="h" for="des" forName="composite3" refType="h" refFor="des" refForName="composite"/>
+      <dgm:constr type="w" for="des" forName="composite4" refType="w" refFor="des" refForName="composite"/>
+      <dgm:constr type="h" for="des" forName="composite4" refType="h" refFor="des" refForName="composite"/>
+      <dgm:constr type="w" for="des" forName="composite5" refType="w" refFor="des" refForName="composite"/>
+      <dgm:constr type="h" for="des" forName="composite5" refType="h" refFor="des" refForName="composite"/>
+      <dgm:constr type="sibSp" refType="w" refFor="des" refForName="composite" fact="0.1"/>
+      <dgm:constr type="sibSp" for="des" forName="hierChild2" refType="sibSp"/>
+      <dgm:constr type="sibSp" for="des" forName="hierChild3" refType="sibSp"/>
+      <dgm:constr type="sibSp" for="des" forName="hierChild4" refType="sibSp"/>
+      <dgm:constr type="sibSp" for="des" forName="hierChild5" refType="sibSp"/>
+      <dgm:constr type="sibSp" for="des" forName="hierChild6" refType="sibSp"/>
+      <dgm:constr type="sp" for="des" forName="hierRoot1" refType="h" refFor="des" refForName="composite" fact="0.25"/>
+      <dgm:constr type="sp" for="des" forName="hierRoot2" refType="sp" refFor="des" refForName="hierRoot1"/>
+      <dgm:constr type="sp" for="des" forName="hierRoot3" refType="sp" refFor="des" refForName="hierRoot1"/>
+      <dgm:constr type="sp" for="des" forName="hierRoot4" refType="sp" refFor="des" refForName="hierRoot1"/>
+      <dgm:constr type="sp" for="des" forName="hierRoot5" refType="sp" refFor="des" refForName="hierRoot1"/>
+    </dgm:constrLst>
+    <dgm:ruleLst/>
+    <dgm:forEach name="Name3" axis="ch">
+      <dgm:forEach name="Name4" axis="self" ptType="node">
+        <dgm:layoutNode name="hierRoot1">
+          <dgm:alg type="hierRoot"/>
+          <dgm:shape xmlns:r="http://schemas.openxmlformats.org/officeDocument/2006/relationships" r:blip="">
+            <dgm:adjLst/>
+          </dgm:shape>
+          <dgm:presOf/>
+          <dgm:constrLst>
+            <dgm:constr type="bendDist" for="des" ptType="parTrans" refType="sp" fact="0.5"/>
+          </dgm:constrLst>
+          <dgm:ruleLst/>
+          <dgm:layoutNode name="composite">
+            <dgm:alg type="composite"/>
+            <dgm:shape xmlns:r="http://schemas.openxmlformats.org/officeDocument/2006/relationships" r:blip="">
+              <dgm:adjLst/>
+            </dgm:shape>
+            <dgm:presOf/>
+            <dgm:constrLst>
+              <dgm:constr type="w" for="ch" forName="background" refType="w" fact="0.9"/>
+              <dgm:constr type="h" for="ch" forName="background" refType="w" refFor="ch" refForName="background" fact="0.635"/>
+              <dgm:constr type="t" for="ch" forName="background"/>
+              <dgm:constr type="l" for="ch" forName="background"/>
+              <dgm:constr type="w" for="ch" forName="text" refType="w" fact="0.9"/>
+              <dgm:constr type="h" for="ch" forName="text" refType="w" refFor="ch" refForName="text" fact="0.635"/>
+              <dgm:constr type="t" for="ch" forName="text" refType="w" fact="0.095"/>
+              <dgm:constr type="l" for="ch" forName="text" refType="w" fact="0.1"/>
+            </dgm:constrLst>
+            <dgm:ruleLst/>
+            <dgm:layoutNode name="background" styleLbl="node0" moveWith="text">
+              <dgm:alg type="sp"/>
+              <dgm:shape xmlns:r="http://schemas.openxmlformats.org/officeDocument/2006/relationships" type="roundRect" r:blip="">
+                <dgm:adjLst>
+                  <dgm:adj idx="1" val="0.1"/>
+                </dgm:adjLst>
+              </dgm:shape>
+              <dgm:presOf/>
+              <dgm:constrLst/>
+              <dgm:ruleLst/>
+            </dgm:layoutNode>
+            <dgm:layoutNode name="text" styleLbl="fgAcc0">
+              <dgm:varLst>
+                <dgm:chPref val="3"/>
+              </dgm:varLst>
+              <dgm:alg type="tx"/>
+              <dgm:shape xmlns:r="http://schemas.openxmlformats.org/officeDocument/2006/relationships" type="roundRect" r:blip="">
+                <dgm:adjLst>
+                  <dgm:adj idx="1" val="0.1"/>
+                </dgm:adjLst>
+              </dgm:shape>
+              <dgm:presOf axis="self"/>
+              <dgm:constrLst>
+                <dgm:constr type="tMarg" refType="primFontSz" fact="0.3"/>
+                <dgm:constr type="bMarg" refType="primFontSz" fact="0.3"/>
+                <dgm:constr type="lMarg" refType="primFontSz" fact="0.3"/>
+                <dgm:constr type="rMarg" refType="primFontSz" fact="0.3"/>
+              </dgm:constrLst>
+              <dgm:ruleLst>
+                <dgm:rule type="primFontSz" val="5" fact="NaN" max="NaN"/>
+              </dgm:ruleLst>
+            </dgm:layoutNode>
+          </dgm:layoutNode>
+          <dgm:layoutNode name="hierChild2">
+            <dgm:choose name="Name5">
+              <dgm:if name="Name6" func="var" arg="dir" op="equ" val="norm">
+                <dgm:alg type="hierChild">
+                  <dgm:param type="linDir" val="fromL"/>
+                </dgm:alg>
+              </dgm:if>
+              <dgm:else name="Name7">
+                <dgm:alg type="hierChild">
+                  <dgm:param type="linDir" val="fromR"/>
+                </dgm:alg>
+              </dgm:else>
+            </dgm:choose>
+            <dgm:shape xmlns:r="http://schemas.openxmlformats.org/officeDocument/2006/relationships" r:blip="">
+              <dgm:adjLst/>
+            </dgm:shape>
+            <dgm:presOf/>
+            <dgm:constrLst/>
+            <dgm:ruleLst/>
+            <dgm:forEach name="Name8" axis="ch">
+              <dgm:forEach name="Name9" axis="self" ptType="parTrans" cnt="1">
+                <dgm:layoutNode name="Name10">
+                  <dgm:alg type="conn">
+                    <dgm:param type="dim" val="1D"/>
+                    <dgm:param type="endSty" val="noArr"/>
+                    <dgm:param type="connRout" val="bend"/>
+                    <dgm:param type="bendPt" val="end"/>
+                    <dgm:param type="begPts" val="bCtr"/>
+                    <dgm:param type="endPts" val="tCtr"/>
+                    <dgm:param type="srcNode" val="background"/>
+                    <dgm:param type="dstNode" val="background2"/>
+                  </dgm:alg>
+                  <dgm:shape xmlns:r="http://schemas.openxmlformats.org/officeDocument/2006/relationships" type="conn" r:blip="" zOrderOff="-999">
+                    <dgm:adjLst/>
+                  </dgm:shape>
+                  <dgm:presOf axis="self"/>
+                  <dgm:constrLst>
+                    <dgm:constr type="begPad"/>
+                    <dgm:constr type="endPad"/>
+                  </dgm:constrLst>
+                  <dgm:ruleLst/>
+                </dgm:layoutNode>
+              </dgm:forEach>
+              <dgm:forEach name="Name11" axis="self" ptType="node">
+                <dgm:layoutNode name="hierRoot2">
+                  <dgm:alg type="hierRoot"/>
+                  <dgm:shape xmlns:r="http://schemas.openxmlformats.org/officeDocument/2006/relationships" r:blip="">
+                    <dgm:adjLst/>
+                  </dgm:shape>
+                  <dgm:presOf/>
+                  <dgm:constrLst>
+                    <dgm:constr type="bendDist" for="des" ptType="parTrans" refType="sp" fact="0.5"/>
+                  </dgm:constrLst>
+                  <dgm:ruleLst/>
+                  <dgm:layoutNode name="composite2">
+                    <dgm:alg type="composite"/>
+                    <dgm:shape xmlns:r="http://schemas.openxmlformats.org/officeDocument/2006/relationships" r:blip="">
+                      <dgm:adjLst/>
+                    </dgm:shape>
+                    <dgm:presOf/>
+                    <dgm:constrLst>
+                      <dgm:constr type="w" for="ch" forName="background2" refType="w" fact="0.9"/>
+                      <dgm:constr type="h" for="ch" forName="background2" refType="w" refFor="ch" refForName="background2" fact="0.635"/>
+                      <dgm:constr type="t" for="ch" forName="background2"/>
+                      <dgm:constr type="l" for="ch" forName="background2"/>
+                      <dgm:constr type="w" for="ch" forName="text2" refType="w" fact="0.9"/>
+                      <dgm:constr type="h" for="ch" forName="text2" refType="w" refFor="ch" refForName="text2" fact="0.635"/>
+                      <dgm:constr type="t" for="ch" forName="text2" refType="w" fact="0.095"/>
+                      <dgm:constr type="l" for="ch" forName="text2" refType="w" fact="0.1"/>
+                    </dgm:constrLst>
+                    <dgm:ruleLst/>
+                    <dgm:layoutNode name="background2" moveWith="text2">
+                      <dgm:alg type="sp"/>
+                      <dgm:shape xmlns:r="http://schemas.openxmlformats.org/officeDocument/2006/relationships" type="roundRect" r:blip="">
+                        <dgm:adjLst>
+                          <dgm:adj idx="1" val="0.1"/>
+                        </dgm:adjLst>
+                      </dgm:shape>
+                      <dgm:presOf/>
+                      <dgm:constrLst/>
+                      <dgm:ruleLst/>
+                    </dgm:layoutNode>
+                    <dgm:layoutNode name="text2" styleLbl="fgAcc2">
+                      <dgm:varLst>
+                        <dgm:chPref val="3"/>
+                      </dgm:varLst>
+                      <dgm:alg type="tx"/>
+                      <dgm:shape xmlns:r="http://schemas.openxmlformats.org/officeDocument/2006/relationships" type="roundRect" r:blip="">
+                        <dgm:adjLst>
+                          <dgm:adj idx="1" val="0.1"/>
+                        </dgm:adjLst>
+                      </dgm:shape>
+                      <dgm:presOf axis="self"/>
+                      <dgm:constrLst>
+                        <dgm:constr type="tMarg" refType="primFontSz" fact="0.3"/>
+                        <dgm:constr type="bMarg" refType="primFontSz" fact="0.3"/>
+                        <dgm:constr type="lMarg" refType="primFontSz" fact="0.3"/>
+                        <dgm:constr type="rMarg" refType="primFontSz" fact="0.3"/>
+                      </dgm:constrLst>
+                      <dgm:ruleLst>
+                        <dgm:rule type="primFontSz" val="5" fact="NaN" max="NaN"/>
+                      </dgm:ruleLst>
+                    </dgm:layoutNode>
+                  </dgm:layoutNode>
+                  <dgm:layoutNode name="hierChild3">
+                    <dgm:choose name="Name12">
+                      <dgm:if name="Name13" func="var" arg="dir" op="equ" val="norm">
+                        <dgm:alg type="hierChild">
+                          <dgm:param type="linDir" val="fromL"/>
+                        </dgm:alg>
+                      </dgm:if>
+                      <dgm:else name="Name14">
+                        <dgm:alg type="hierChild">
+                          <dgm:param type="linDir" val="fromR"/>
+                        </dgm:alg>
+                      </dgm:else>
+                    </dgm:choose>
+                    <dgm:shape xmlns:r="http://schemas.openxmlformats.org/officeDocument/2006/relationships" r:blip="">
+                      <dgm:adjLst/>
+                    </dgm:shape>
+                    <dgm:presOf/>
+                    <dgm:constrLst/>
+                    <dgm:ruleLst/>
+                    <dgm:forEach name="Name15" axis="ch">
+                      <dgm:forEach name="Name16" axis="self" ptType="parTrans" cnt="1">
+                        <dgm:layoutNode name="Name17">
+                          <dgm:alg type="conn">
+                            <dgm:param type="dim" val="1D"/>
+                            <dgm:param type="endSty" val="noArr"/>
+                            <dgm:param type="connRout" val="bend"/>
+                            <dgm:param type="bendPt" val="end"/>
+                            <dgm:param type="begPts" val="bCtr"/>
+                            <dgm:param type="endPts" val="tCtr"/>
+                            <dgm:param type="srcNode" val="background2"/>
+                            <dgm:param type="dstNode" val="background3"/>
+                          </dgm:alg>
+                          <dgm:shape xmlns:r="http://schemas.openxmlformats.org/officeDocument/2006/relationships" type="conn" r:blip="" zOrderOff="-999">
+                            <dgm:adjLst/>
+                          </dgm:shape>
+                          <dgm:presOf axis="self"/>
+                          <dgm:constrLst>
+                            <dgm:constr type="begPad"/>
+                            <dgm:constr type="endPad"/>
+                          </dgm:constrLst>
+                          <dgm:ruleLst/>
+                        </dgm:layoutNode>
+                      </dgm:forEach>
+                      <dgm:forEach name="Name18" axis="self" ptType="node">
+                        <dgm:layoutNode name="hierRoot3">
+                          <dgm:alg type="hierRoot"/>
+                          <dgm:shape xmlns:r="http://schemas.openxmlformats.org/officeDocument/2006/relationships" r:blip="">
+                            <dgm:adjLst/>
+                          </dgm:shape>
+                          <dgm:presOf/>
+                          <dgm:constrLst>
+                            <dgm:constr type="bendDist" for="des" ptType="parTrans" refType="sp" fact="0.5"/>
+                          </dgm:constrLst>
+                          <dgm:ruleLst/>
+                          <dgm:layoutNode name="composite3">
+                            <dgm:alg type="composite"/>
+                            <dgm:shape xmlns:r="http://schemas.openxmlformats.org/officeDocument/2006/relationships" r:blip="">
+                              <dgm:adjLst/>
+                            </dgm:shape>
+                            <dgm:presOf/>
+                            <dgm:constrLst>
+                              <dgm:constr type="w" for="ch" forName="background3" refType="w" fact="0.9"/>
+                              <dgm:constr type="h" for="ch" forName="background3" refType="w" refFor="ch" refForName="background3" fact="0.635"/>
+                              <dgm:constr type="t" for="ch" forName="background3"/>
+                              <dgm:constr type="l" for="ch" forName="background3"/>
+                              <dgm:constr type="w" for="ch" forName="text3" refType="w" fact="0.9"/>
+                              <dgm:constr type="h" for="ch" forName="text3" refType="w" refFor="ch" refForName="text3" fact="0.635"/>
+                              <dgm:constr type="t" for="ch" forName="text3" refType="w" fact="0.095"/>
+                              <dgm:constr type="l" for="ch" forName="text3" refType="w" fact="0.1"/>
+                            </dgm:constrLst>
+                            <dgm:ruleLst/>
+                            <dgm:layoutNode name="background3" moveWith="text3">
+                              <dgm:alg type="sp"/>
+                              <dgm:shape xmlns:r="http://schemas.openxmlformats.org/officeDocument/2006/relationships" type="roundRect" r:blip="">
+                                <dgm:adjLst>
+                                  <dgm:adj idx="1" val="0.1"/>
+                                </dgm:adjLst>
+                              </dgm:shape>
+                              <dgm:presOf/>
+                              <dgm:constrLst/>
+                              <dgm:ruleLst/>
+                            </dgm:layoutNode>
+                            <dgm:layoutNode name="text3" styleLbl="fgAcc3">
+                              <dgm:varLst>
+                                <dgm:chPref val="3"/>
+                              </dgm:varLst>
+                              <dgm:alg type="tx"/>
+                              <dgm:shape xmlns:r="http://schemas.openxmlformats.org/officeDocument/2006/relationships" type="roundRect" r:blip="">
+                                <dgm:adjLst>
+                                  <dgm:adj idx="1" val="0.1"/>
+                                </dgm:adjLst>
+                              </dgm:shape>
+                              <dgm:presOf axis="self"/>
+                              <dgm:constrLst>
+                                <dgm:constr type="tMarg" refType="primFontSz" fact="0.3"/>
+                                <dgm:constr type="bMarg" refType="primFontSz" fact="0.3"/>
+                                <dgm:constr type="lMarg" refType="primFontSz" fact="0.3"/>
+                                <dgm:constr type="rMarg" refType="primFontSz" fact="0.3"/>
+                              </dgm:constrLst>
+                              <dgm:ruleLst>
+                                <dgm:rule type="primFontSz" val="5" fact="NaN" max="NaN"/>
+                              </dgm:ruleLst>
+                            </dgm:layoutNode>
+                          </dgm:layoutNode>
+                          <dgm:layoutNode name="hierChild4">
+                            <dgm:choose name="Name19">
+                              <dgm:if name="Name20" func="var" arg="dir" op="equ" val="norm">
+                                <dgm:alg type="hierChild">
+                                  <dgm:param type="linDir" val="fromL"/>
+                                </dgm:alg>
+                              </dgm:if>
+                              <dgm:else name="Name21">
+                                <dgm:alg type="hierChild">
+                                  <dgm:param type="linDir" val="fromR"/>
+                                </dgm:alg>
+                              </dgm:else>
+                            </dgm:choose>
+                            <dgm:shape xmlns:r="http://schemas.openxmlformats.org/officeDocument/2006/relationships" r:blip="">
+                              <dgm:adjLst/>
+                            </dgm:shape>
+                            <dgm:presOf/>
+                            <dgm:constrLst/>
+                            <dgm:ruleLst/>
+                            <dgm:forEach name="repeat" axis="ch">
+                              <dgm:forEach name="Name22" axis="self" ptType="parTrans" cnt="1">
+                                <dgm:layoutNode name="Name23">
+                                  <dgm:choose name="Name24">
+                                    <dgm:if name="Name25" axis="self" func="depth" op="lte" val="4">
+                                      <dgm:alg type="conn">
+                                        <dgm:param type="dim" val="1D"/>
+                                        <dgm:param type="endSty" val="noArr"/>
+                                        <dgm:param type="connRout" val="bend"/>
+                                        <dgm:param type="bendPt" val="end"/>
+                                        <dgm:param type="begPts" val="bCtr"/>
+                                        <dgm:param type="endPts" val="tCtr"/>
+                                        <dgm:param type="srcNode" val="background3"/>
+                                        <dgm:param type="dstNode" val="background4"/>
+                                      </dgm:alg>
+                                    </dgm:if>
+                                    <dgm:else name="Name26">
+                                      <dgm:alg type="conn">
+                                        <dgm:param type="dim" val="1D"/>
+                                        <dgm:param type="endSty" val="noArr"/>
+                                        <dgm:param type="connRout" val="bend"/>
+                                        <dgm:param type="bendPt" val="end"/>
+                                        <dgm:param type="begPts" val="bCtr"/>
+                                        <dgm:param type="endPts" val="tCtr"/>
+                                        <dgm:param type="srcNode" val="background4"/>
+                                        <dgm:param type="dstNode" val="background4"/>
+                                      </dgm:alg>
+                                    </dgm:else>
+                                  </dgm:choose>
+                                  <dgm:shape xmlns:r="http://schemas.openxmlformats.org/officeDocument/2006/relationships" type="conn" r:blip="" zOrderOff="-999">
+                                    <dgm:adjLst/>
+                                  </dgm:shape>
+                                  <dgm:presOf axis="self"/>
+                                  <dgm:constrLst>
+                                    <dgm:constr type="begPad"/>
+                                    <dgm:constr type="endPad"/>
+                                  </dgm:constrLst>
+                                  <dgm:ruleLst/>
+                                </dgm:layoutNode>
+                              </dgm:forEach>
+                              <dgm:forEach name="Name27" axis="self" ptType="node">
+                                <dgm:layoutNode name="hierRoot4">
+                                  <dgm:alg type="hierRoot"/>
+                                  <dgm:shape xmlns:r="http://schemas.openxmlformats.org/officeDocument/2006/relationships" r:blip="">
+                                    <dgm:adjLst/>
+                                  </dgm:shape>
+                                  <dgm:presOf/>
+                                  <dgm:constrLst>
+                                    <dgm:constr type="bendDist" for="des" ptType="parTrans" refType="sp" fact="0.5"/>
+                                  </dgm:constrLst>
+                                  <dgm:ruleLst/>
+                                  <dgm:layoutNode name="composite4">
+                                    <dgm:alg type="composite"/>
+                                    <dgm:shape xmlns:r="http://schemas.openxmlformats.org/officeDocument/2006/relationships" r:blip="">
+                                      <dgm:adjLst/>
+                                    </dgm:shape>
+                                    <dgm:presOf/>
+                                    <dgm:constrLst>
+                                      <dgm:constr type="w" for="ch" forName="background4" refType="w" fact="0.9"/>
+                                      <dgm:constr type="h" for="ch" forName="background4" refType="w" refFor="ch" refForName="background4" fact="0.635"/>
+                                      <dgm:constr type="t" for="ch" forName="background4"/>
+                                      <dgm:constr type="l" for="ch" forName="background4"/>
+                                      <dgm:constr type="w" for="ch" forName="text4" refType="w" fact="0.9"/>
+                                      <dgm:constr type="h" for="ch" forName="text4" refType="w" refFor="ch" refForName="text4" fact="0.635"/>
+                                      <dgm:constr type="t" for="ch" forName="text4" refType="w" fact="0.095"/>
+                                      <dgm:constr type="l" for="ch" forName="text4" refType="w" fact="0.1"/>
+                                    </dgm:constrLst>
+                                    <dgm:ruleLst/>
+                                    <dgm:layoutNode name="background4" moveWith="text4">
+                                      <dgm:alg type="sp"/>
+                                      <dgm:shape xmlns:r="http://schemas.openxmlformats.org/officeDocument/2006/relationships" type="roundRect" r:blip="">
+                                        <dgm:adjLst>
+                                          <dgm:adj idx="1" val="0.1"/>
+                                        </dgm:adjLst>
+                                      </dgm:shape>
+                                      <dgm:presOf/>
+                                      <dgm:constrLst/>
+                                      <dgm:ruleLst/>
+                                    </dgm:layoutNode>
+                                    <dgm:layoutNode name="text4" styleLbl="fgAcc4">
+                                      <dgm:varLst>
+                                        <dgm:chPref val="3"/>
+                                      </dgm:varLst>
+                                      <dgm:alg type="tx"/>
+                                      <dgm:shape xmlns:r="http://schemas.openxmlformats.org/officeDocument/2006/relationships" type="roundRect" r:blip="">
+                                        <dgm:adjLst>
+                                          <dgm:adj idx="1" val="0.1"/>
+                                        </dgm:adjLst>
+                                      </dgm:shape>
+                                      <dgm:presOf axis="self"/>
+                                      <dgm:constrLst>
+                                        <dgm:constr type="tMarg" refType="primFontSz" fact="0.3"/>
+                                        <dgm:constr type="bMarg" refType="primFontSz" fact="0.3"/>
+                                        <dgm:constr type="lMarg" refType="primFontSz" fact="0.3"/>
+                                        <dgm:constr type="rMarg" refType="primFontSz" fact="0.3"/>
+                                      </dgm:constrLst>
+                                      <dgm:ruleLst>
+                                        <dgm:rule type="primFontSz" val="5" fact="NaN" max="NaN"/>
+                                      </dgm:ruleLst>
+                                    </dgm:layoutNode>
+                                  </dgm:layoutNode>
+                                  <dgm:layoutNode name="hierChild5">
+                                    <dgm:choose name="Name28">
+                                      <dgm:if name="Name29" func="var" arg="dir" op="equ" val="norm">
+                                        <dgm:alg type="hierChild">
+                                          <dgm:param type="linDir" val="fromL"/>
+                                        </dgm:alg>
+                                      </dgm:if>
+                                      <dgm:else name="Name30">
+                                        <dgm:alg type="hierChild">
+                                          <dgm:param type="linDir" val="fromR"/>
+                                        </dgm:alg>
+                                      </dgm:else>
+                                    </dgm:choose>
+                                    <dgm:shape xmlns:r="http://schemas.openxmlformats.org/officeDocument/2006/relationships" r:blip="">
+                                      <dgm:adjLst/>
+                                    </dgm:shape>
+                                    <dgm:presOf/>
+                                    <dgm:constrLst/>
+                                    <dgm:ruleLst/>
+                                    <dgm:forEach name="Name31" ref="repeat"/>
+                                  </dgm:layoutNode>
+                                </dgm:layoutNode>
+                              </dgm:forEach>
+                            </dgm:forEach>
+                          </dgm:layoutNode>
+                        </dgm:layoutNode>
+                      </dgm:forEach>
+                    </dgm:forEach>
+                  </dgm:layoutNode>
+                </dgm:layoutNode>
+              </dgm:forEach>
+            </dgm:forEach>
+          </dgm:layoutNode>
+        </dgm:layoutNode>
+      </dgm:forEach>
+    </dgm:forEach>
+  </dgm:layoutNode>
+</dgm:layoutDef>
+</file>
+
+<file path=ppt/diagrams/layout2.xml><?xml version="1.0" encoding="utf-8"?>
+<dgm:layoutDef xmlns:dgm="http://schemas.openxmlformats.org/drawingml/2006/diagram" xmlns:a="http://schemas.openxmlformats.org/drawingml/2006/main" uniqueId="urn:microsoft.com/office/officeart/2005/8/layout/hierarchy1">
+  <dgm:title val=""/>
+  <dgm:desc val=""/>
+  <dgm:catLst>
+    <dgm:cat type="hierarchy" pri="2000"/>
+  </dgm:catLst>
+  <dgm:sampData>
+    <dgm:dataModel>
+      <dgm:ptLst>
+        <dgm:pt modelId="0" type="doc"/>
+        <dgm:pt modelId="1">
+          <dgm:prSet phldr="1"/>
+        </dgm:pt>
+        <dgm:pt modelId="2">
+          <dgm:prSet phldr="1"/>
+        </dgm:pt>
+        <dgm:pt modelId="21">
+          <dgm:prSet phldr="1"/>
+        </dgm:pt>
+        <dgm:pt modelId="22">
+          <dgm:prSet phldr="1"/>
+        </dgm:pt>
+        <dgm:pt modelId="3">
+          <dgm:prSet phldr="1"/>
+        </dgm:pt>
+        <dgm:pt modelId="31">
+          <dgm:prSet phldr="1"/>
+        </dgm:pt>
+      </dgm:ptLst>
+      <dgm:cxnLst>
+        <dgm:cxn modelId="4" srcId="0" destId="1" srcOrd="0" destOrd="0"/>
+        <dgm:cxn modelId="5" srcId="1" destId="2" srcOrd="0" destOrd="0"/>
+        <dgm:cxn modelId="6" srcId="1" destId="3" srcOrd="1" destOrd="0"/>
+        <dgm:cxn modelId="23" srcId="2" destId="21" srcOrd="0" destOrd="0"/>
+        <dgm:cxn modelId="24" srcId="2" destId="22" srcOrd="1" destOrd="0"/>
+        <dgm:cxn modelId="33" srcId="3" destId="31" srcOrd="0" destOrd="0"/>
+      </dgm:cxnLst>
+      <dgm:bg/>
+      <dgm:whole/>
+    </dgm:dataModel>
+  </dgm:sampData>
+  <dgm:styleData>
+    <dgm:dataModel>
+      <dgm:ptLst>
+        <dgm:pt modelId="0" type="doc"/>
+        <dgm:pt modelId="1"/>
+        <dgm:pt modelId="11"/>
+        <dgm:pt modelId="12"/>
+      </dgm:ptLst>
+      <dgm:cxnLst>
+        <dgm:cxn modelId="2" srcId="0" destId="1" srcOrd="0" destOrd="0"/>
+        <dgm:cxn modelId="13" srcId="1" destId="11" srcOrd="0" destOrd="0"/>
+        <dgm:cxn modelId="14" srcId="1" destId="12" srcOrd="1" destOrd="0"/>
+      </dgm:cxnLst>
+      <dgm:bg/>
+      <dgm:whole/>
+    </dgm:dataModel>
+  </dgm:styleData>
+  <dgm:clrData>
+    <dgm:dataModel>
+      <dgm:ptLst>
+        <dgm:pt modelId="0" type="doc"/>
+        <dgm:pt modelId="1"/>
+        <dgm:pt modelId="2"/>
+        <dgm:pt modelId="21"/>
+        <dgm:pt modelId="211"/>
+        <dgm:pt modelId="3"/>
+        <dgm:pt modelId="31"/>
+        <dgm:pt modelId="311"/>
+      </dgm:ptLst>
+      <dgm:cxnLst>
+        <dgm:cxn modelId="4" srcId="0" destId="1" srcOrd="0" destOrd="0"/>
+        <dgm:cxn modelId="5" srcId="1" destId="2" srcOrd="0" destOrd="0"/>
+        <dgm:cxn modelId="6" srcId="1" destId="3" srcOrd="1" destOrd="0"/>
+        <dgm:cxn modelId="23" srcId="2" destId="21" srcOrd="0" destOrd="0"/>
+        <dgm:cxn modelId="24" srcId="21" destId="211" srcOrd="0" destOrd="0"/>
+        <dgm:cxn modelId="33" srcId="3" destId="31" srcOrd="0" destOrd="0"/>
+        <dgm:cxn modelId="34" srcId="31" destId="311" srcOrd="0" destOrd="0"/>
+      </dgm:cxnLst>
+      <dgm:bg/>
+      <dgm:whole/>
+    </dgm:dataModel>
+  </dgm:clrData>
+  <dgm:layoutNode name="hierChild1">
+    <dgm:varLst>
+      <dgm:chPref val="1"/>
+      <dgm:dir/>
+      <dgm:animOne val="branch"/>
+      <dgm:animLvl val="lvl"/>
+      <dgm:resizeHandles/>
+    </dgm:varLst>
+    <dgm:choose name="Name0">
+      <dgm:if name="Name1" func="var" arg="dir" op="equ" val="norm">
+        <dgm:alg type="hierChild">
+          <dgm:param type="linDir" val="fromL"/>
+        </dgm:alg>
+      </dgm:if>
+      <dgm:else name="Name2">
+        <dgm:alg type="hierChild">
+          <dgm:param type="linDir" val="fromR"/>
+        </dgm:alg>
+      </dgm:else>
+    </dgm:choose>
+    <dgm:shape xmlns:r="http://schemas.openxmlformats.org/officeDocument/2006/relationships" r:blip="">
+      <dgm:adjLst/>
+    </dgm:shape>
+    <dgm:presOf/>
+    <dgm:constrLst>
+      <dgm:constr type="primFontSz" for="des" ptType="node" op="equ" val="65"/>
+      <dgm:constr type="w" for="des" forName="composite" refType="w"/>
+      <dgm:constr type="h" for="des" forName="composite" refType="w" refFor="des" refForName="composite" fact="0.667"/>
+      <dgm:constr type="w" for="des" forName="composite2" refType="w" refFor="des" refForName="composite"/>
+      <dgm:constr type="h" for="des" forName="composite2" refType="h" refFor="des" refForName="composite"/>
+      <dgm:constr type="w" for="des" forName="composite3" refType="w" refFor="des" refForName="composite"/>
+      <dgm:constr type="h" for="des" forName="composite3" refType="h" refFor="des" refForName="composite"/>
+      <dgm:constr type="w" for="des" forName="composite4" refType="w" refFor="des" refForName="composite"/>
+      <dgm:constr type="h" for="des" forName="composite4" refType="h" refFor="des" refForName="composite"/>
+      <dgm:constr type="w" for="des" forName="composite5" refType="w" refFor="des" refForName="composite"/>
+      <dgm:constr type="h" for="des" forName="composite5" refType="h" refFor="des" refForName="composite"/>
+      <dgm:constr type="sibSp" refType="w" refFor="des" refForName="composite" fact="0.1"/>
+      <dgm:constr type="sibSp" for="des" forName="hierChild2" refType="sibSp"/>
+      <dgm:constr type="sibSp" for="des" forName="hierChild3" refType="sibSp"/>
+      <dgm:constr type="sibSp" for="des" forName="hierChild4" refType="sibSp"/>
+      <dgm:constr type="sibSp" for="des" forName="hierChild5" refType="sibSp"/>
+      <dgm:constr type="sibSp" for="des" forName="hierChild6" refType="sibSp"/>
+      <dgm:constr type="sp" for="des" forName="hierRoot1" refType="h" refFor="des" refForName="composite" fact="0.25"/>
+      <dgm:constr type="sp" for="des" forName="hierRoot2" refType="sp" refFor="des" refForName="hierRoot1"/>
+      <dgm:constr type="sp" for="des" forName="hierRoot3" refType="sp" refFor="des" refForName="hierRoot1"/>
+      <dgm:constr type="sp" for="des" forName="hierRoot4" refType="sp" refFor="des" refForName="hierRoot1"/>
+      <dgm:constr type="sp" for="des" forName="hierRoot5" refType="sp" refFor="des" refForName="hierRoot1"/>
+    </dgm:constrLst>
+    <dgm:ruleLst/>
+    <dgm:forEach name="Name3" axis="ch">
+      <dgm:forEach name="Name4" axis="self" ptType="node">
+        <dgm:layoutNode name="hierRoot1">
+          <dgm:alg type="hierRoot"/>
+          <dgm:shape xmlns:r="http://schemas.openxmlformats.org/officeDocument/2006/relationships" r:blip="">
+            <dgm:adjLst/>
+          </dgm:shape>
+          <dgm:presOf/>
+          <dgm:constrLst>
+            <dgm:constr type="bendDist" for="des" ptType="parTrans" refType="sp" fact="0.5"/>
+          </dgm:constrLst>
+          <dgm:ruleLst/>
+          <dgm:layoutNode name="composite">
+            <dgm:alg type="composite"/>
+            <dgm:shape xmlns:r="http://schemas.openxmlformats.org/officeDocument/2006/relationships" r:blip="">
+              <dgm:adjLst/>
+            </dgm:shape>
+            <dgm:presOf/>
+            <dgm:constrLst>
+              <dgm:constr type="w" for="ch" forName="background" refType="w" fact="0.9"/>
+              <dgm:constr type="h" for="ch" forName="background" refType="w" refFor="ch" refForName="background" fact="0.635"/>
+              <dgm:constr type="t" for="ch" forName="background"/>
+              <dgm:constr type="l" for="ch" forName="background"/>
+              <dgm:constr type="w" for="ch" forName="text" refType="w" fact="0.9"/>
+              <dgm:constr type="h" for="ch" forName="text" refType="w" refFor="ch" refForName="text" fact="0.635"/>
+              <dgm:constr type="t" for="ch" forName="text" refType="w" fact="0.095"/>
+              <dgm:constr type="l" for="ch" forName="text" refType="w" fact="0.1"/>
+            </dgm:constrLst>
+            <dgm:ruleLst/>
+            <dgm:layoutNode name="background" styleLbl="node0" moveWith="text">
+              <dgm:alg type="sp"/>
+              <dgm:shape xmlns:r="http://schemas.openxmlformats.org/officeDocument/2006/relationships" type="roundRect" r:blip="">
+                <dgm:adjLst>
+                  <dgm:adj idx="1" val="0.1"/>
+                </dgm:adjLst>
+              </dgm:shape>
+              <dgm:presOf/>
+              <dgm:constrLst/>
+              <dgm:ruleLst/>
+            </dgm:layoutNode>
+            <dgm:layoutNode name="text" styleLbl="fgAcc0">
+              <dgm:varLst>
+                <dgm:chPref val="3"/>
+              </dgm:varLst>
+              <dgm:alg type="tx"/>
+              <dgm:shape xmlns:r="http://schemas.openxmlformats.org/officeDocument/2006/relationships" type="roundRect" r:blip="">
+                <dgm:adjLst>
+                  <dgm:adj idx="1" val="0.1"/>
+                </dgm:adjLst>
+              </dgm:shape>
+              <dgm:presOf axis="self"/>
+              <dgm:constrLst>
+                <dgm:constr type="tMarg" refType="primFontSz" fact="0.3"/>
+                <dgm:constr type="bMarg" refType="primFontSz" fact="0.3"/>
+                <dgm:constr type="lMarg" refType="primFontSz" fact="0.3"/>
+                <dgm:constr type="rMarg" refType="primFontSz" fact="0.3"/>
+              </dgm:constrLst>
+              <dgm:ruleLst>
+                <dgm:rule type="primFontSz" val="5" fact="NaN" max="NaN"/>
+              </dgm:ruleLst>
+            </dgm:layoutNode>
+          </dgm:layoutNode>
+          <dgm:layoutNode name="hierChild2">
+            <dgm:choose name="Name5">
+              <dgm:if name="Name6" func="var" arg="dir" op="equ" val="norm">
+                <dgm:alg type="hierChild">
+                  <dgm:param type="linDir" val="fromL"/>
+                </dgm:alg>
+              </dgm:if>
+              <dgm:else name="Name7">
+                <dgm:alg type="hierChild">
+                  <dgm:param type="linDir" val="fromR"/>
+                </dgm:alg>
+              </dgm:else>
+            </dgm:choose>
+            <dgm:shape xmlns:r="http://schemas.openxmlformats.org/officeDocument/2006/relationships" r:blip="">
+              <dgm:adjLst/>
+            </dgm:shape>
+            <dgm:presOf/>
+            <dgm:constrLst/>
+            <dgm:ruleLst/>
+            <dgm:forEach name="Name8" axis="ch">
+              <dgm:forEach name="Name9" axis="self" ptType="parTrans" cnt="1">
+                <dgm:layoutNode name="Name10">
+                  <dgm:alg type="conn">
+                    <dgm:param type="dim" val="1D"/>
+                    <dgm:param type="endSty" val="noArr"/>
+                    <dgm:param type="connRout" val="bend"/>
+                    <dgm:param type="bendPt" val="end"/>
+                    <dgm:param type="begPts" val="bCtr"/>
+                    <dgm:param type="endPts" val="tCtr"/>
+                    <dgm:param type="srcNode" val="background"/>
+                    <dgm:param type="dstNode" val="background2"/>
+                  </dgm:alg>
+                  <dgm:shape xmlns:r="http://schemas.openxmlformats.org/officeDocument/2006/relationships" type="conn" r:blip="" zOrderOff="-999">
+                    <dgm:adjLst/>
+                  </dgm:shape>
+                  <dgm:presOf axis="self"/>
+                  <dgm:constrLst>
+                    <dgm:constr type="begPad"/>
+                    <dgm:constr type="endPad"/>
+                  </dgm:constrLst>
+                  <dgm:ruleLst/>
+                </dgm:layoutNode>
+              </dgm:forEach>
+              <dgm:forEach name="Name11" axis="self" ptType="node">
+                <dgm:layoutNode name="hierRoot2">
+                  <dgm:alg type="hierRoot"/>
+                  <dgm:shape xmlns:r="http://schemas.openxmlformats.org/officeDocument/2006/relationships" r:blip="">
+                    <dgm:adjLst/>
+                  </dgm:shape>
+                  <dgm:presOf/>
+                  <dgm:constrLst>
+                    <dgm:constr type="bendDist" for="des" ptType="parTrans" refType="sp" fact="0.5"/>
+                  </dgm:constrLst>
+                  <dgm:ruleLst/>
+                  <dgm:layoutNode name="composite2">
+                    <dgm:alg type="composite"/>
+                    <dgm:shape xmlns:r="http://schemas.openxmlformats.org/officeDocument/2006/relationships" r:blip="">
+                      <dgm:adjLst/>
+                    </dgm:shape>
+                    <dgm:presOf/>
+                    <dgm:constrLst>
+                      <dgm:constr type="w" for="ch" forName="background2" refType="w" fact="0.9"/>
+                      <dgm:constr type="h" for="ch" forName="background2" refType="w" refFor="ch" refForName="background2" fact="0.635"/>
+                      <dgm:constr type="t" for="ch" forName="background2"/>
+                      <dgm:constr type="l" for="ch" forName="background2"/>
+                      <dgm:constr type="w" for="ch" forName="text2" refType="w" fact="0.9"/>
+                      <dgm:constr type="h" for="ch" forName="text2" refType="w" refFor="ch" refForName="text2" fact="0.635"/>
+                      <dgm:constr type="t" for="ch" forName="text2" refType="w" fact="0.095"/>
+                      <dgm:constr type="l" for="ch" forName="text2" refType="w" fact="0.1"/>
+                    </dgm:constrLst>
+                    <dgm:ruleLst/>
+                    <dgm:layoutNode name="background2" moveWith="text2">
+                      <dgm:alg type="sp"/>
+                      <dgm:shape xmlns:r="http://schemas.openxmlformats.org/officeDocument/2006/relationships" type="roundRect" r:blip="">
+                        <dgm:adjLst>
+                          <dgm:adj idx="1" val="0.1"/>
+                        </dgm:adjLst>
+                      </dgm:shape>
+                      <dgm:presOf/>
+                      <dgm:constrLst/>
+                      <dgm:ruleLst/>
+                    </dgm:layoutNode>
+                    <dgm:layoutNode name="text2" styleLbl="fgAcc2">
+                      <dgm:varLst>
+                        <dgm:chPref val="3"/>
+                      </dgm:varLst>
+                      <dgm:alg type="tx"/>
+                      <dgm:shape xmlns:r="http://schemas.openxmlformats.org/officeDocument/2006/relationships" type="roundRect" r:blip="">
+                        <dgm:adjLst>
+                          <dgm:adj idx="1" val="0.1"/>
+                        </dgm:adjLst>
+                      </dgm:shape>
+                      <dgm:presOf axis="self"/>
+                      <dgm:constrLst>
+                        <dgm:constr type="tMarg" refType="primFontSz" fact="0.3"/>
+                        <dgm:constr type="bMarg" refType="primFontSz" fact="0.3"/>
+                        <dgm:constr type="lMarg" refType="primFontSz" fact="0.3"/>
+                        <dgm:constr type="rMarg" refType="primFontSz" fact="0.3"/>
+                      </dgm:constrLst>
+                      <dgm:ruleLst>
+                        <dgm:rule type="primFontSz" val="5" fact="NaN" max="NaN"/>
+                      </dgm:ruleLst>
+                    </dgm:layoutNode>
+                  </dgm:layoutNode>
+                  <dgm:layoutNode name="hierChild3">
+                    <dgm:choose name="Name12">
+                      <dgm:if name="Name13" func="var" arg="dir" op="equ" val="norm">
+                        <dgm:alg type="hierChild">
+                          <dgm:param type="linDir" val="fromL"/>
+                        </dgm:alg>
+                      </dgm:if>
+                      <dgm:else name="Name14">
+                        <dgm:alg type="hierChild">
+                          <dgm:param type="linDir" val="fromR"/>
+                        </dgm:alg>
+                      </dgm:else>
+                    </dgm:choose>
+                    <dgm:shape xmlns:r="http://schemas.openxmlformats.org/officeDocument/2006/relationships" r:blip="">
+                      <dgm:adjLst/>
+                    </dgm:shape>
+                    <dgm:presOf/>
+                    <dgm:constrLst/>
+                    <dgm:ruleLst/>
+                    <dgm:forEach name="Name15" axis="ch">
+                      <dgm:forEach name="Name16" axis="self" ptType="parTrans" cnt="1">
+                        <dgm:layoutNode name="Name17">
+                          <dgm:alg type="conn">
+                            <dgm:param type="dim" val="1D"/>
+                            <dgm:param type="endSty" val="noArr"/>
+                            <dgm:param type="connRout" val="bend"/>
+                            <dgm:param type="bendPt" val="end"/>
+                            <dgm:param type="begPts" val="bCtr"/>
+                            <dgm:param type="endPts" val="tCtr"/>
+                            <dgm:param type="srcNode" val="background2"/>
+                            <dgm:param type="dstNode" val="background3"/>
+                          </dgm:alg>
+                          <dgm:shape xmlns:r="http://schemas.openxmlformats.org/officeDocument/2006/relationships" type="conn" r:blip="" zOrderOff="-999">
+                            <dgm:adjLst/>
+                          </dgm:shape>
+                          <dgm:presOf axis="self"/>
+                          <dgm:constrLst>
+                            <dgm:constr type="begPad"/>
+                            <dgm:constr type="endPad"/>
+                          </dgm:constrLst>
+                          <dgm:ruleLst/>
+                        </dgm:layoutNode>
+                      </dgm:forEach>
+                      <dgm:forEach name="Name18" axis="self" ptType="node">
+                        <dgm:layoutNode name="hierRoot3">
+                          <dgm:alg type="hierRoot"/>
+                          <dgm:shape xmlns:r="http://schemas.openxmlformats.org/officeDocument/2006/relationships" r:blip="">
+                            <dgm:adjLst/>
+                          </dgm:shape>
+                          <dgm:presOf/>
+                          <dgm:constrLst>
+                            <dgm:constr type="bendDist" for="des" ptType="parTrans" refType="sp" fact="0.5"/>
+                          </dgm:constrLst>
+                          <dgm:ruleLst/>
+                          <dgm:layoutNode name="composite3">
+                            <dgm:alg type="composite"/>
+                            <dgm:shape xmlns:r="http://schemas.openxmlformats.org/officeDocument/2006/relationships" r:blip="">
+                              <dgm:adjLst/>
+                            </dgm:shape>
+                            <dgm:presOf/>
+                            <dgm:constrLst>
+                              <dgm:constr type="w" for="ch" forName="background3" refType="w" fact="0.9"/>
+                              <dgm:constr type="h" for="ch" forName="background3" refType="w" refFor="ch" refForName="background3" fact="0.635"/>
+                              <dgm:constr type="t" for="ch" forName="background3"/>
+                              <dgm:constr type="l" for="ch" forName="background3"/>
+                              <dgm:constr type="w" for="ch" forName="text3" refType="w" fact="0.9"/>
+                              <dgm:constr type="h" for="ch" forName="text3" refType="w" refFor="ch" refForName="text3" fact="0.635"/>
+                              <dgm:constr type="t" for="ch" forName="text3" refType="w" fact="0.095"/>
+                              <dgm:constr type="l" for="ch" forName="text3" refType="w" fact="0.1"/>
+                            </dgm:constrLst>
+                            <dgm:ruleLst/>
+                            <dgm:layoutNode name="background3" moveWith="text3">
+                              <dgm:alg type="sp"/>
+                              <dgm:shape xmlns:r="http://schemas.openxmlformats.org/officeDocument/2006/relationships" type="roundRect" r:blip="">
+                                <dgm:adjLst>
+                                  <dgm:adj idx="1" val="0.1"/>
+                                </dgm:adjLst>
+                              </dgm:shape>
+                              <dgm:presOf/>
+                              <dgm:constrLst/>
+                              <dgm:ruleLst/>
+                            </dgm:layoutNode>
+                            <dgm:layoutNode name="text3" styleLbl="fgAcc3">
+                              <dgm:varLst>
+                                <dgm:chPref val="3"/>
+                              </dgm:varLst>
+                              <dgm:alg type="tx"/>
+                              <dgm:shape xmlns:r="http://schemas.openxmlformats.org/officeDocument/2006/relationships" type="roundRect" r:blip="">
+                                <dgm:adjLst>
+                                  <dgm:adj idx="1" val="0.1"/>
+                                </dgm:adjLst>
+                              </dgm:shape>
+                              <dgm:presOf axis="self"/>
+                              <dgm:constrLst>
+                                <dgm:constr type="tMarg" refType="primFontSz" fact="0.3"/>
+                                <dgm:constr type="bMarg" refType="primFontSz" fact="0.3"/>
+                                <dgm:constr type="lMarg" refType="primFontSz" fact="0.3"/>
+                                <dgm:constr type="rMarg" refType="primFontSz" fact="0.3"/>
+                              </dgm:constrLst>
+                              <dgm:ruleLst>
+                                <dgm:rule type="primFontSz" val="5" fact="NaN" max="NaN"/>
+                              </dgm:ruleLst>
+                            </dgm:layoutNode>
+                          </dgm:layoutNode>
+                          <dgm:layoutNode name="hierChild4">
+                            <dgm:choose name="Name19">
+                              <dgm:if name="Name20" func="var" arg="dir" op="equ" val="norm">
+                                <dgm:alg type="hierChild">
+                                  <dgm:param type="linDir" val="fromL"/>
+                                </dgm:alg>
+                              </dgm:if>
+                              <dgm:else name="Name21">
+                                <dgm:alg type="hierChild">
+                                  <dgm:param type="linDir" val="fromR"/>
+                                </dgm:alg>
+                              </dgm:else>
+                            </dgm:choose>
+                            <dgm:shape xmlns:r="http://schemas.openxmlformats.org/officeDocument/2006/relationships" r:blip="">
+                              <dgm:adjLst/>
+                            </dgm:shape>
+                            <dgm:presOf/>
+                            <dgm:constrLst/>
+                            <dgm:ruleLst/>
+                            <dgm:forEach name="repeat" axis="ch">
+                              <dgm:forEach name="Name22" axis="self" ptType="parTrans" cnt="1">
+                                <dgm:layoutNode name="Name23">
+                                  <dgm:choose name="Name24">
+                                    <dgm:if name="Name25" axis="self" func="depth" op="lte" val="4">
+                                      <dgm:alg type="conn">
+                                        <dgm:param type="dim" val="1D"/>
+                                        <dgm:param type="endSty" val="noArr"/>
+                                        <dgm:param type="connRout" val="bend"/>
+                                        <dgm:param type="bendPt" val="end"/>
+                                        <dgm:param type="begPts" val="bCtr"/>
+                                        <dgm:param type="endPts" val="tCtr"/>
+                                        <dgm:param type="srcNode" val="background3"/>
+                                        <dgm:param type="dstNode" val="background4"/>
+                                      </dgm:alg>
+                                    </dgm:if>
+                                    <dgm:else name="Name26">
+                                      <dgm:alg type="conn">
+                                        <dgm:param type="dim" val="1D"/>
+                                        <dgm:param type="endSty" val="noArr"/>
+                                        <dgm:param type="connRout" val="bend"/>
+                                        <dgm:param type="bendPt" val="end"/>
+                                        <dgm:param type="begPts" val="bCtr"/>
+                                        <dgm:param type="endPts" val="tCtr"/>
+                                        <dgm:param type="srcNode" val="background4"/>
+                                        <dgm:param type="dstNode" val="background4"/>
+                                      </dgm:alg>
+                                    </dgm:else>
+                                  </dgm:choose>
+                                  <dgm:shape xmlns:r="http://schemas.openxmlformats.org/officeDocument/2006/relationships" type="conn" r:blip="" zOrderOff="-999">
+                                    <dgm:adjLst/>
+                                  </dgm:shape>
+                                  <dgm:presOf axis="self"/>
+                                  <dgm:constrLst>
+                                    <dgm:constr type="begPad"/>
+                                    <dgm:constr type="endPad"/>
+                                  </dgm:constrLst>
+                                  <dgm:ruleLst/>
+                                </dgm:layoutNode>
+                              </dgm:forEach>
+                              <dgm:forEach name="Name27" axis="self" ptType="node">
+                                <dgm:layoutNode name="hierRoot4">
+                                  <dgm:alg type="hierRoot"/>
+                                  <dgm:shape xmlns:r="http://schemas.openxmlformats.org/officeDocument/2006/relationships" r:blip="">
+                                    <dgm:adjLst/>
+                                  </dgm:shape>
+                                  <dgm:presOf/>
+                                  <dgm:constrLst>
+                                    <dgm:constr type="bendDist" for="des" ptType="parTrans" refType="sp" fact="0.5"/>
+                                  </dgm:constrLst>
+                                  <dgm:ruleLst/>
+                                  <dgm:layoutNode name="composite4">
+                                    <dgm:alg type="composite"/>
+                                    <dgm:shape xmlns:r="http://schemas.openxmlformats.org/officeDocument/2006/relationships" r:blip="">
+                                      <dgm:adjLst/>
+                                    </dgm:shape>
+                                    <dgm:presOf/>
+                                    <dgm:constrLst>
+                                      <dgm:constr type="w" for="ch" forName="background4" refType="w" fact="0.9"/>
+                                      <dgm:constr type="h" for="ch" forName="background4" refType="w" refFor="ch" refForName="background4" fact="0.635"/>
+                                      <dgm:constr type="t" for="ch" forName="background4"/>
+                                      <dgm:constr type="l" for="ch" forName="background4"/>
+                                      <dgm:constr type="w" for="ch" forName="text4" refType="w" fact="0.9"/>
+                                      <dgm:constr type="h" for="ch" forName="text4" refType="w" refFor="ch" refForName="text4" fact="0.635"/>
+                                      <dgm:constr type="t" for="ch" forName="text4" refType="w" fact="0.095"/>
+                                      <dgm:constr type="l" for="ch" forName="text4" refType="w" fact="0.1"/>
+                                    </dgm:constrLst>
+                                    <dgm:ruleLst/>
+                                    <dgm:layoutNode name="background4" moveWith="text4">
+                                      <dgm:alg type="sp"/>
+                                      <dgm:shape xmlns:r="http://schemas.openxmlformats.org/officeDocument/2006/relationships" type="roundRect" r:blip="">
+                                        <dgm:adjLst>
+                                          <dgm:adj idx="1" val="0.1"/>
+                                        </dgm:adjLst>
+                                      </dgm:shape>
+                                      <dgm:presOf/>
+                                      <dgm:constrLst/>
+                                      <dgm:ruleLst/>
+                                    </dgm:layoutNode>
+                                    <dgm:layoutNode name="text4" styleLbl="fgAcc4">
+                                      <dgm:varLst>
+                                        <dgm:chPref val="3"/>
+                                      </dgm:varLst>
+                                      <dgm:alg type="tx"/>
+                                      <dgm:shape xmlns:r="http://schemas.openxmlformats.org/officeDocument/2006/relationships" type="roundRect" r:blip="">
+                                        <dgm:adjLst>
+                                          <dgm:adj idx="1" val="0.1"/>
+                                        </dgm:adjLst>
+                                      </dgm:shape>
+                                      <dgm:presOf axis="self"/>
+                                      <dgm:constrLst>
+                                        <dgm:constr type="tMarg" refType="primFontSz" fact="0.3"/>
+                                        <dgm:constr type="bMarg" refType="primFontSz" fact="0.3"/>
+                                        <dgm:constr type="lMarg" refType="primFontSz" fact="0.3"/>
+                                        <dgm:constr type="rMarg" refType="primFontSz" fact="0.3"/>
+                                      </dgm:constrLst>
+                                      <dgm:ruleLst>
+                                        <dgm:rule type="primFontSz" val="5" fact="NaN" max="NaN"/>
+                                      </dgm:ruleLst>
+                                    </dgm:layoutNode>
+                                  </dgm:layoutNode>
+                                  <dgm:layoutNode name="hierChild5">
+                                    <dgm:choose name="Name28">
+                                      <dgm:if name="Name29" func="var" arg="dir" op="equ" val="norm">
+                                        <dgm:alg type="hierChild">
+                                          <dgm:param type="linDir" val="fromL"/>
+                                        </dgm:alg>
+                                      </dgm:if>
+                                      <dgm:else name="Name30">
+                                        <dgm:alg type="hierChild">
+                                          <dgm:param type="linDir" val="fromR"/>
+                                        </dgm:alg>
+                                      </dgm:else>
+                                    </dgm:choose>
+                                    <dgm:shape xmlns:r="http://schemas.openxmlformats.org/officeDocument/2006/relationships" r:blip="">
+                                      <dgm:adjLst/>
+                                    </dgm:shape>
+                                    <dgm:presOf/>
+                                    <dgm:constrLst/>
+                                    <dgm:ruleLst/>
+                                    <dgm:forEach name="Name31" ref="repeat"/>
+                                  </dgm:layoutNode>
+                                </dgm:layoutNode>
+                              </dgm:forEach>
+                            </dgm:forEach>
+                          </dgm:layoutNode>
+                        </dgm:layoutNode>
+                      </dgm:forEach>
+                    </dgm:forEach>
+                  </dgm:layoutNode>
+                </dgm:layoutNode>
+              </dgm:forEach>
+            </dgm:forEach>
+          </dgm:layoutNode>
+        </dgm:layoutNode>
+      </dgm:forEach>
+    </dgm:forEach>
+  </dgm:layoutNode>
+</dgm:layoutDef>
+</file>
+
+<file path=ppt/diagrams/layout3.xml><?xml version="1.0" encoding="utf-8"?>
 <dgm:layoutDef xmlns:dgm="http://schemas.openxmlformats.org/drawingml/2006/diagram" xmlns:a="http://schemas.openxmlformats.org/drawingml/2006/main" uniqueId="urn:microsoft.com/office/officeart/2005/8/layout/hierarchy1">
   <dgm:title val=""/>
   <dgm:desc val=""/>
@@ -4188,6 +9902,2074 @@
 </dgm:styleDef>
 </file>
 
+<file path=ppt/diagrams/quickStyle2.xml><?xml version="1.0" encoding="utf-8"?>
+<dgm:styleDef xmlns:dgm="http://schemas.openxmlformats.org/drawingml/2006/diagram" xmlns:a="http://schemas.openxmlformats.org/drawingml/2006/main" uniqueId="urn:microsoft.com/office/officeart/2005/8/quickstyle/simple1">
+  <dgm:title val=""/>
+  <dgm:desc val=""/>
+  <dgm:catLst>
+    <dgm:cat type="simple" pri="10100"/>
+  </dgm:catLst>
+  <dgm:scene3d>
+    <a:camera prst="orthographicFront"/>
+    <a:lightRig rig="threePt" dir="t"/>
+  </dgm:scene3d>
+  <dgm:styleLbl name="node0">
+    <dgm:scene3d>
+      <a:camera prst="orthographicFront"/>
+      <a:lightRig rig="threePt" dir="t"/>
+    </dgm:scene3d>
+    <dgm:sp3d/>
+    <dgm:txPr/>
+    <dgm:style>
+      <a:lnRef idx="2">
+        <a:scrgbClr r="0" g="0" b="0"/>
+      </a:lnRef>
+      <a:fillRef idx="1">
+        <a:scrgbClr r="0" g="0" b="0"/>
+      </a:fillRef>
+      <a:effectRef idx="0">
+        <a:scrgbClr r="0" g="0" b="0"/>
+      </a:effectRef>
+      <a:fontRef idx="minor">
+        <a:schemeClr val="lt1"/>
+      </a:fontRef>
+    </dgm:style>
+  </dgm:styleLbl>
+  <dgm:styleLbl name="lnNode1">
+    <dgm:scene3d>
+      <a:camera prst="orthographicFront"/>
+      <a:lightRig rig="threePt" dir="t"/>
+    </dgm:scene3d>
+    <dgm:sp3d/>
+    <dgm:txPr/>
+    <dgm:style>
+      <a:lnRef idx="2">
+        <a:scrgbClr r="0" g="0" b="0"/>
+      </a:lnRef>
+      <a:fillRef idx="1">
+        <a:scrgbClr r="0" g="0" b="0"/>
+      </a:fillRef>
+      <a:effectRef idx="0">
+        <a:scrgbClr r="0" g="0" b="0"/>
+      </a:effectRef>
+      <a:fontRef idx="minor">
+        <a:schemeClr val="lt1"/>
+      </a:fontRef>
+    </dgm:style>
+  </dgm:styleLbl>
+  <dgm:styleLbl name="vennNode1">
+    <dgm:scene3d>
+      <a:camera prst="orthographicFront"/>
+      <a:lightRig rig="threePt" dir="t"/>
+    </dgm:scene3d>
+    <dgm:sp3d/>
+    <dgm:txPr/>
+    <dgm:style>
+      <a:lnRef idx="2">
+        <a:scrgbClr r="0" g="0" b="0"/>
+      </a:lnRef>
+      <a:fillRef idx="1">
+        <a:scrgbClr r="0" g="0" b="0"/>
+      </a:fillRef>
+      <a:effectRef idx="0">
+        <a:scrgbClr r="0" g="0" b="0"/>
+      </a:effectRef>
+      <a:fontRef idx="minor">
+        <a:schemeClr val="tx1"/>
+      </a:fontRef>
+    </dgm:style>
+  </dgm:styleLbl>
+  <dgm:styleLbl name="alignNode1">
+    <dgm:scene3d>
+      <a:camera prst="orthographicFront"/>
+      <a:lightRig rig="threePt" dir="t"/>
+    </dgm:scene3d>
+    <dgm:sp3d/>
+    <dgm:txPr/>
+    <dgm:style>
+      <a:lnRef idx="2">
+        <a:scrgbClr r="0" g="0" b="0"/>
+      </a:lnRef>
+      <a:fillRef idx="1">
+        <a:scrgbClr r="0" g="0" b="0"/>
+      </a:fillRef>
+      <a:effectRef idx="0">
+        <a:scrgbClr r="0" g="0" b="0"/>
+      </a:effectRef>
+      <a:fontRef idx="minor">
+        <a:schemeClr val="lt1"/>
+      </a:fontRef>
+    </dgm:style>
+  </dgm:styleLbl>
+  <dgm:styleLbl name="node1">
+    <dgm:scene3d>
+      <a:camera prst="orthographicFront"/>
+      <a:lightRig rig="threePt" dir="t"/>
+    </dgm:scene3d>
+    <dgm:sp3d/>
+    <dgm:txPr/>
+    <dgm:style>
+      <a:lnRef idx="2">
+        <a:scrgbClr r="0" g="0" b="0"/>
+      </a:lnRef>
+      <a:fillRef idx="1">
+        <a:scrgbClr r="0" g="0" b="0"/>
+      </a:fillRef>
+      <a:effectRef idx="0">
+        <a:scrgbClr r="0" g="0" b="0"/>
+      </a:effectRef>
+      <a:fontRef idx="minor">
+        <a:schemeClr val="lt1"/>
+      </a:fontRef>
+    </dgm:style>
+  </dgm:styleLbl>
+  <dgm:styleLbl name="node2">
+    <dgm:scene3d>
+      <a:camera prst="orthographicFront"/>
+      <a:lightRig rig="threePt" dir="t"/>
+    </dgm:scene3d>
+    <dgm:sp3d/>
+    <dgm:txPr/>
+    <dgm:style>
+      <a:lnRef idx="2">
+        <a:scrgbClr r="0" g="0" b="0"/>
+      </a:lnRef>
+      <a:fillRef idx="1">
+        <a:scrgbClr r="0" g="0" b="0"/>
+      </a:fillRef>
+      <a:effectRef idx="0">
+        <a:scrgbClr r="0" g="0" b="0"/>
+      </a:effectRef>
+      <a:fontRef idx="minor">
+        <a:schemeClr val="lt1"/>
+      </a:fontRef>
+    </dgm:style>
+  </dgm:styleLbl>
+  <dgm:styleLbl name="node3">
+    <dgm:scene3d>
+      <a:camera prst="orthographicFront"/>
+      <a:lightRig rig="threePt" dir="t"/>
+    </dgm:scene3d>
+    <dgm:sp3d/>
+    <dgm:txPr/>
+    <dgm:style>
+      <a:lnRef idx="2">
+        <a:scrgbClr r="0" g="0" b="0"/>
+      </a:lnRef>
+      <a:fillRef idx="1">
+        <a:scrgbClr r="0" g="0" b="0"/>
+      </a:fillRef>
+      <a:effectRef idx="0">
+        <a:scrgbClr r="0" g="0" b="0"/>
+      </a:effectRef>
+      <a:fontRef idx="minor">
+        <a:schemeClr val="lt1"/>
+      </a:fontRef>
+    </dgm:style>
+  </dgm:styleLbl>
+  <dgm:styleLbl name="node4">
+    <dgm:scene3d>
+      <a:camera prst="orthographicFront"/>
+      <a:lightRig rig="threePt" dir="t"/>
+    </dgm:scene3d>
+    <dgm:sp3d/>
+    <dgm:txPr/>
+    <dgm:style>
+      <a:lnRef idx="2">
+        <a:scrgbClr r="0" g="0" b="0"/>
+      </a:lnRef>
+      <a:fillRef idx="1">
+        <a:scrgbClr r="0" g="0" b="0"/>
+      </a:fillRef>
+      <a:effectRef idx="0">
+        <a:scrgbClr r="0" g="0" b="0"/>
+      </a:effectRef>
+      <a:fontRef idx="minor">
+        <a:schemeClr val="lt1"/>
+      </a:fontRef>
+    </dgm:style>
+  </dgm:styleLbl>
+  <dgm:styleLbl name="fgImgPlace1">
+    <dgm:scene3d>
+      <a:camera prst="orthographicFront"/>
+      <a:lightRig rig="threePt" dir="t"/>
+    </dgm:scene3d>
+    <dgm:sp3d/>
+    <dgm:txPr/>
+    <dgm:style>
+      <a:lnRef idx="2">
+        <a:scrgbClr r="0" g="0" b="0"/>
+      </a:lnRef>
+      <a:fillRef idx="1">
+        <a:scrgbClr r="0" g="0" b="0"/>
+      </a:fillRef>
+      <a:effectRef idx="0">
+        <a:scrgbClr r="0" g="0" b="0"/>
+      </a:effectRef>
+      <a:fontRef idx="minor"/>
+    </dgm:style>
+  </dgm:styleLbl>
+  <dgm:styleLbl name="alignImgPlace1">
+    <dgm:scene3d>
+      <a:camera prst="orthographicFront"/>
+      <a:lightRig rig="threePt" dir="t"/>
+    </dgm:scene3d>
+    <dgm:sp3d/>
+    <dgm:txPr/>
+    <dgm:style>
+      <a:lnRef idx="2">
+        <a:scrgbClr r="0" g="0" b="0"/>
+      </a:lnRef>
+      <a:fillRef idx="1">
+        <a:scrgbClr r="0" g="0" b="0"/>
+      </a:fillRef>
+      <a:effectRef idx="0">
+        <a:scrgbClr r="0" g="0" b="0"/>
+      </a:effectRef>
+      <a:fontRef idx="minor"/>
+    </dgm:style>
+  </dgm:styleLbl>
+  <dgm:styleLbl name="bgImgPlace1">
+    <dgm:scene3d>
+      <a:camera prst="orthographicFront"/>
+      <a:lightRig rig="threePt" dir="t"/>
+    </dgm:scene3d>
+    <dgm:sp3d/>
+    <dgm:txPr/>
+    <dgm:style>
+      <a:lnRef idx="2">
+        <a:scrgbClr r="0" g="0" b="0"/>
+      </a:lnRef>
+      <a:fillRef idx="1">
+        <a:scrgbClr r="0" g="0" b="0"/>
+      </a:fillRef>
+      <a:effectRef idx="0">
+        <a:scrgbClr r="0" g="0" b="0"/>
+      </a:effectRef>
+      <a:fontRef idx="minor"/>
+    </dgm:style>
+  </dgm:styleLbl>
+  <dgm:styleLbl name="sibTrans2D1">
+    <dgm:scene3d>
+      <a:camera prst="orthographicFront"/>
+      <a:lightRig rig="threePt" dir="t"/>
+    </dgm:scene3d>
+    <dgm:sp3d/>
+    <dgm:txPr/>
+    <dgm:style>
+      <a:lnRef idx="0">
+        <a:scrgbClr r="0" g="0" b="0"/>
+      </a:lnRef>
+      <a:fillRef idx="1">
+        <a:scrgbClr r="0" g="0" b="0"/>
+      </a:fillRef>
+      <a:effectRef idx="0">
+        <a:scrgbClr r="0" g="0" b="0"/>
+      </a:effectRef>
+      <a:fontRef idx="minor">
+        <a:schemeClr val="lt1"/>
+      </a:fontRef>
+    </dgm:style>
+  </dgm:styleLbl>
+  <dgm:styleLbl name="fgSibTrans2D1">
+    <dgm:scene3d>
+      <a:camera prst="orthographicFront"/>
+      <a:lightRig rig="threePt" dir="t"/>
+    </dgm:scene3d>
+    <dgm:sp3d/>
+    <dgm:txPr/>
+    <dgm:style>
+      <a:lnRef idx="0">
+        <a:scrgbClr r="0" g="0" b="0"/>
+      </a:lnRef>
+      <a:fillRef idx="1">
+        <a:scrgbClr r="0" g="0" b="0"/>
+      </a:fillRef>
+      <a:effectRef idx="0">
+        <a:scrgbClr r="0" g="0" b="0"/>
+      </a:effectRef>
+      <a:fontRef idx="minor">
+        <a:schemeClr val="lt1"/>
+      </a:fontRef>
+    </dgm:style>
+  </dgm:styleLbl>
+  <dgm:styleLbl name="bgSibTrans2D1">
+    <dgm:scene3d>
+      <a:camera prst="orthographicFront"/>
+      <a:lightRig rig="threePt" dir="t"/>
+    </dgm:scene3d>
+    <dgm:sp3d/>
+    <dgm:txPr/>
+    <dgm:style>
+      <a:lnRef idx="0">
+        <a:scrgbClr r="0" g="0" b="0"/>
+      </a:lnRef>
+      <a:fillRef idx="1">
+        <a:scrgbClr r="0" g="0" b="0"/>
+      </a:fillRef>
+      <a:effectRef idx="0">
+        <a:scrgbClr r="0" g="0" b="0"/>
+      </a:effectRef>
+      <a:fontRef idx="minor">
+        <a:schemeClr val="lt1"/>
+      </a:fontRef>
+    </dgm:style>
+  </dgm:styleLbl>
+  <dgm:styleLbl name="sibTrans1D1">
+    <dgm:scene3d>
+      <a:camera prst="orthographicFront"/>
+      <a:lightRig rig="threePt" dir="t"/>
+    </dgm:scene3d>
+    <dgm:sp3d/>
+    <dgm:txPr/>
+    <dgm:style>
+      <a:lnRef idx="1">
+        <a:scrgbClr r="0" g="0" b="0"/>
+      </a:lnRef>
+      <a:fillRef idx="0">
+        <a:scrgbClr r="0" g="0" b="0"/>
+      </a:fillRef>
+      <a:effectRef idx="0">
+        <a:scrgbClr r="0" g="0" b="0"/>
+      </a:effectRef>
+      <a:fontRef idx="minor"/>
+    </dgm:style>
+  </dgm:styleLbl>
+  <dgm:styleLbl name="callout">
+    <dgm:scene3d>
+      <a:camera prst="orthographicFront"/>
+      <a:lightRig rig="threePt" dir="t"/>
+    </dgm:scene3d>
+    <dgm:sp3d/>
+    <dgm:txPr/>
+    <dgm:style>
+      <a:lnRef idx="2">
+        <a:scrgbClr r="0" g="0" b="0"/>
+      </a:lnRef>
+      <a:fillRef idx="1">
+        <a:scrgbClr r="0" g="0" b="0"/>
+      </a:fillRef>
+      <a:effectRef idx="0">
+        <a:scrgbClr r="0" g="0" b="0"/>
+      </a:effectRef>
+      <a:fontRef idx="minor"/>
+    </dgm:style>
+  </dgm:styleLbl>
+  <dgm:styleLbl name="asst0">
+    <dgm:scene3d>
+      <a:camera prst="orthographicFront"/>
+      <a:lightRig rig="threePt" dir="t"/>
+    </dgm:scene3d>
+    <dgm:sp3d/>
+    <dgm:txPr/>
+    <dgm:style>
+      <a:lnRef idx="2">
+        <a:scrgbClr r="0" g="0" b="0"/>
+      </a:lnRef>
+      <a:fillRef idx="1">
+        <a:scrgbClr r="0" g="0" b="0"/>
+      </a:fillRef>
+      <a:effectRef idx="0">
+        <a:scrgbClr r="0" g="0" b="0"/>
+      </a:effectRef>
+      <a:fontRef idx="minor">
+        <a:schemeClr val="lt1"/>
+      </a:fontRef>
+    </dgm:style>
+  </dgm:styleLbl>
+  <dgm:styleLbl name="asst1">
+    <dgm:scene3d>
+      <a:camera prst="orthographicFront"/>
+      <a:lightRig rig="threePt" dir="t"/>
+    </dgm:scene3d>
+    <dgm:sp3d/>
+    <dgm:txPr/>
+    <dgm:style>
+      <a:lnRef idx="2">
+        <a:scrgbClr r="0" g="0" b="0"/>
+      </a:lnRef>
+      <a:fillRef idx="1">
+        <a:scrgbClr r="0" g="0" b="0"/>
+      </a:fillRef>
+      <a:effectRef idx="0">
+        <a:scrgbClr r="0" g="0" b="0"/>
+      </a:effectRef>
+      <a:fontRef idx="minor">
+        <a:schemeClr val="lt1"/>
+      </a:fontRef>
+    </dgm:style>
+  </dgm:styleLbl>
+  <dgm:styleLbl name="asst2">
+    <dgm:scene3d>
+      <a:camera prst="orthographicFront"/>
+      <a:lightRig rig="threePt" dir="t"/>
+    </dgm:scene3d>
+    <dgm:sp3d/>
+    <dgm:txPr/>
+    <dgm:style>
+      <a:lnRef idx="2">
+        <a:scrgbClr r="0" g="0" b="0"/>
+      </a:lnRef>
+      <a:fillRef idx="1">
+        <a:scrgbClr r="0" g="0" b="0"/>
+      </a:fillRef>
+      <a:effectRef idx="0">
+        <a:scrgbClr r="0" g="0" b="0"/>
+      </a:effectRef>
+      <a:fontRef idx="minor">
+        <a:schemeClr val="lt1"/>
+      </a:fontRef>
+    </dgm:style>
+  </dgm:styleLbl>
+  <dgm:styleLbl name="asst3">
+    <dgm:scene3d>
+      <a:camera prst="orthographicFront"/>
+      <a:lightRig rig="threePt" dir="t"/>
+    </dgm:scene3d>
+    <dgm:sp3d/>
+    <dgm:txPr/>
+    <dgm:style>
+      <a:lnRef idx="2">
+        <a:scrgbClr r="0" g="0" b="0"/>
+      </a:lnRef>
+      <a:fillRef idx="1">
+        <a:scrgbClr r="0" g="0" b="0"/>
+      </a:fillRef>
+      <a:effectRef idx="0">
+        <a:scrgbClr r="0" g="0" b="0"/>
+      </a:effectRef>
+      <a:fontRef idx="minor">
+        <a:schemeClr val="lt1"/>
+      </a:fontRef>
+    </dgm:style>
+  </dgm:styleLbl>
+  <dgm:styleLbl name="asst4">
+    <dgm:scene3d>
+      <a:camera prst="orthographicFront"/>
+      <a:lightRig rig="threePt" dir="t"/>
+    </dgm:scene3d>
+    <dgm:sp3d/>
+    <dgm:txPr/>
+    <dgm:style>
+      <a:lnRef idx="2">
+        <a:scrgbClr r="0" g="0" b="0"/>
+      </a:lnRef>
+      <a:fillRef idx="1">
+        <a:scrgbClr r="0" g="0" b="0"/>
+      </a:fillRef>
+      <a:effectRef idx="0">
+        <a:scrgbClr r="0" g="0" b="0"/>
+      </a:effectRef>
+      <a:fontRef idx="minor">
+        <a:schemeClr val="lt1"/>
+      </a:fontRef>
+    </dgm:style>
+  </dgm:styleLbl>
+  <dgm:styleLbl name="parChTrans2D1">
+    <dgm:scene3d>
+      <a:camera prst="orthographicFront"/>
+      <a:lightRig rig="threePt" dir="t"/>
+    </dgm:scene3d>
+    <dgm:sp3d/>
+    <dgm:txPr/>
+    <dgm:style>
+      <a:lnRef idx="2">
+        <a:scrgbClr r="0" g="0" b="0"/>
+      </a:lnRef>
+      <a:fillRef idx="1">
+        <a:scrgbClr r="0" g="0" b="0"/>
+      </a:fillRef>
+      <a:effectRef idx="0">
+        <a:scrgbClr r="0" g="0" b="0"/>
+      </a:effectRef>
+      <a:fontRef idx="minor">
+        <a:schemeClr val="lt1"/>
+      </a:fontRef>
+    </dgm:style>
+  </dgm:styleLbl>
+  <dgm:styleLbl name="parChTrans2D2">
+    <dgm:scene3d>
+      <a:camera prst="orthographicFront"/>
+      <a:lightRig rig="threePt" dir="t"/>
+    </dgm:scene3d>
+    <dgm:sp3d/>
+    <dgm:txPr/>
+    <dgm:style>
+      <a:lnRef idx="2">
+        <a:scrgbClr r="0" g="0" b="0"/>
+      </a:lnRef>
+      <a:fillRef idx="1">
+        <a:scrgbClr r="0" g="0" b="0"/>
+      </a:fillRef>
+      <a:effectRef idx="0">
+        <a:scrgbClr r="0" g="0" b="0"/>
+      </a:effectRef>
+      <a:fontRef idx="minor">
+        <a:schemeClr val="lt1"/>
+      </a:fontRef>
+    </dgm:style>
+  </dgm:styleLbl>
+  <dgm:styleLbl name="parChTrans2D3">
+    <dgm:scene3d>
+      <a:camera prst="orthographicFront"/>
+      <a:lightRig rig="threePt" dir="t"/>
+    </dgm:scene3d>
+    <dgm:sp3d/>
+    <dgm:txPr/>
+    <dgm:style>
+      <a:lnRef idx="2">
+        <a:scrgbClr r="0" g="0" b="0"/>
+      </a:lnRef>
+      <a:fillRef idx="1">
+        <a:scrgbClr r="0" g="0" b="0"/>
+      </a:fillRef>
+      <a:effectRef idx="0">
+        <a:scrgbClr r="0" g="0" b="0"/>
+      </a:effectRef>
+      <a:fontRef idx="minor">
+        <a:schemeClr val="lt1"/>
+      </a:fontRef>
+    </dgm:style>
+  </dgm:styleLbl>
+  <dgm:styleLbl name="parChTrans2D4">
+    <dgm:scene3d>
+      <a:camera prst="orthographicFront"/>
+      <a:lightRig rig="threePt" dir="t"/>
+    </dgm:scene3d>
+    <dgm:sp3d/>
+    <dgm:txPr/>
+    <dgm:style>
+      <a:lnRef idx="2">
+        <a:scrgbClr r="0" g="0" b="0"/>
+      </a:lnRef>
+      <a:fillRef idx="1">
+        <a:scrgbClr r="0" g="0" b="0"/>
+      </a:fillRef>
+      <a:effectRef idx="0">
+        <a:scrgbClr r="0" g="0" b="0"/>
+      </a:effectRef>
+      <a:fontRef idx="minor">
+        <a:schemeClr val="lt1"/>
+      </a:fontRef>
+    </dgm:style>
+  </dgm:styleLbl>
+  <dgm:styleLbl name="parChTrans1D1">
+    <dgm:scene3d>
+      <a:camera prst="orthographicFront"/>
+      <a:lightRig rig="threePt" dir="t"/>
+    </dgm:scene3d>
+    <dgm:sp3d/>
+    <dgm:txPr/>
+    <dgm:style>
+      <a:lnRef idx="2">
+        <a:scrgbClr r="0" g="0" b="0"/>
+      </a:lnRef>
+      <a:fillRef idx="0">
+        <a:scrgbClr r="0" g="0" b="0"/>
+      </a:fillRef>
+      <a:effectRef idx="0">
+        <a:scrgbClr r="0" g="0" b="0"/>
+      </a:effectRef>
+      <a:fontRef idx="minor"/>
+    </dgm:style>
+  </dgm:styleLbl>
+  <dgm:styleLbl name="parChTrans1D2">
+    <dgm:scene3d>
+      <a:camera prst="orthographicFront"/>
+      <a:lightRig rig="threePt" dir="t"/>
+    </dgm:scene3d>
+    <dgm:sp3d/>
+    <dgm:txPr/>
+    <dgm:style>
+      <a:lnRef idx="2">
+        <a:scrgbClr r="0" g="0" b="0"/>
+      </a:lnRef>
+      <a:fillRef idx="0">
+        <a:scrgbClr r="0" g="0" b="0"/>
+      </a:fillRef>
+      <a:effectRef idx="0">
+        <a:scrgbClr r="0" g="0" b="0"/>
+      </a:effectRef>
+      <a:fontRef idx="minor"/>
+    </dgm:style>
+  </dgm:styleLbl>
+  <dgm:styleLbl name="parChTrans1D3">
+    <dgm:scene3d>
+      <a:camera prst="orthographicFront"/>
+      <a:lightRig rig="threePt" dir="t"/>
+    </dgm:scene3d>
+    <dgm:sp3d/>
+    <dgm:txPr/>
+    <dgm:style>
+      <a:lnRef idx="2">
+        <a:scrgbClr r="0" g="0" b="0"/>
+      </a:lnRef>
+      <a:fillRef idx="0">
+        <a:scrgbClr r="0" g="0" b="0"/>
+      </a:fillRef>
+      <a:effectRef idx="0">
+        <a:scrgbClr r="0" g="0" b="0"/>
+      </a:effectRef>
+      <a:fontRef idx="minor"/>
+    </dgm:style>
+  </dgm:styleLbl>
+  <dgm:styleLbl name="parChTrans1D4">
+    <dgm:scene3d>
+      <a:camera prst="orthographicFront"/>
+      <a:lightRig rig="threePt" dir="t"/>
+    </dgm:scene3d>
+    <dgm:sp3d/>
+    <dgm:txPr/>
+    <dgm:style>
+      <a:lnRef idx="2">
+        <a:scrgbClr r="0" g="0" b="0"/>
+      </a:lnRef>
+      <a:fillRef idx="0">
+        <a:scrgbClr r="0" g="0" b="0"/>
+      </a:fillRef>
+      <a:effectRef idx="0">
+        <a:scrgbClr r="0" g="0" b="0"/>
+      </a:effectRef>
+      <a:fontRef idx="minor"/>
+    </dgm:style>
+  </dgm:styleLbl>
+  <dgm:styleLbl name="fgAcc1">
+    <dgm:scene3d>
+      <a:camera prst="orthographicFront"/>
+      <a:lightRig rig="threePt" dir="t"/>
+    </dgm:scene3d>
+    <dgm:sp3d/>
+    <dgm:txPr/>
+    <dgm:style>
+      <a:lnRef idx="2">
+        <a:scrgbClr r="0" g="0" b="0"/>
+      </a:lnRef>
+      <a:fillRef idx="1">
+        <a:scrgbClr r="0" g="0" b="0"/>
+      </a:fillRef>
+      <a:effectRef idx="0">
+        <a:scrgbClr r="0" g="0" b="0"/>
+      </a:effectRef>
+      <a:fontRef idx="minor"/>
+    </dgm:style>
+  </dgm:styleLbl>
+  <dgm:styleLbl name="conFgAcc1">
+    <dgm:scene3d>
+      <a:camera prst="orthographicFront"/>
+      <a:lightRig rig="threePt" dir="t"/>
+    </dgm:scene3d>
+    <dgm:sp3d/>
+    <dgm:txPr/>
+    <dgm:style>
+      <a:lnRef idx="2">
+        <a:scrgbClr r="0" g="0" b="0"/>
+      </a:lnRef>
+      <a:fillRef idx="1">
+        <a:scrgbClr r="0" g="0" b="0"/>
+      </a:fillRef>
+      <a:effectRef idx="0">
+        <a:scrgbClr r="0" g="0" b="0"/>
+      </a:effectRef>
+      <a:fontRef idx="minor"/>
+    </dgm:style>
+  </dgm:styleLbl>
+  <dgm:styleLbl name="alignAcc1">
+    <dgm:scene3d>
+      <a:camera prst="orthographicFront"/>
+      <a:lightRig rig="threePt" dir="t"/>
+    </dgm:scene3d>
+    <dgm:sp3d/>
+    <dgm:txPr/>
+    <dgm:style>
+      <a:lnRef idx="2">
+        <a:scrgbClr r="0" g="0" b="0"/>
+      </a:lnRef>
+      <a:fillRef idx="1">
+        <a:scrgbClr r="0" g="0" b="0"/>
+      </a:fillRef>
+      <a:effectRef idx="0">
+        <a:scrgbClr r="0" g="0" b="0"/>
+      </a:effectRef>
+      <a:fontRef idx="minor"/>
+    </dgm:style>
+  </dgm:styleLbl>
+  <dgm:styleLbl name="trAlignAcc1">
+    <dgm:scene3d>
+      <a:camera prst="orthographicFront"/>
+      <a:lightRig rig="threePt" dir="t"/>
+    </dgm:scene3d>
+    <dgm:sp3d/>
+    <dgm:txPr/>
+    <dgm:style>
+      <a:lnRef idx="1">
+        <a:scrgbClr r="0" g="0" b="0"/>
+      </a:lnRef>
+      <a:fillRef idx="1">
+        <a:scrgbClr r="0" g="0" b="0"/>
+      </a:fillRef>
+      <a:effectRef idx="0">
+        <a:scrgbClr r="0" g="0" b="0"/>
+      </a:effectRef>
+      <a:fontRef idx="minor"/>
+    </dgm:style>
+  </dgm:styleLbl>
+  <dgm:styleLbl name="bgAcc1">
+    <dgm:scene3d>
+      <a:camera prst="orthographicFront"/>
+      <a:lightRig rig="threePt" dir="t"/>
+    </dgm:scene3d>
+    <dgm:sp3d/>
+    <dgm:txPr/>
+    <dgm:style>
+      <a:lnRef idx="2">
+        <a:scrgbClr r="0" g="0" b="0"/>
+      </a:lnRef>
+      <a:fillRef idx="1">
+        <a:scrgbClr r="0" g="0" b="0"/>
+      </a:fillRef>
+      <a:effectRef idx="0">
+        <a:scrgbClr r="0" g="0" b="0"/>
+      </a:effectRef>
+      <a:fontRef idx="minor"/>
+    </dgm:style>
+  </dgm:styleLbl>
+  <dgm:styleLbl name="solidFgAcc1">
+    <dgm:scene3d>
+      <a:camera prst="orthographicFront"/>
+      <a:lightRig rig="threePt" dir="t"/>
+    </dgm:scene3d>
+    <dgm:sp3d/>
+    <dgm:txPr/>
+    <dgm:style>
+      <a:lnRef idx="2">
+        <a:scrgbClr r="0" g="0" b="0"/>
+      </a:lnRef>
+      <a:fillRef idx="1">
+        <a:scrgbClr r="0" g="0" b="0"/>
+      </a:fillRef>
+      <a:effectRef idx="0">
+        <a:scrgbClr r="0" g="0" b="0"/>
+      </a:effectRef>
+      <a:fontRef idx="minor"/>
+    </dgm:style>
+  </dgm:styleLbl>
+  <dgm:styleLbl name="solidAlignAcc1">
+    <dgm:scene3d>
+      <a:camera prst="orthographicFront"/>
+      <a:lightRig rig="threePt" dir="t"/>
+    </dgm:scene3d>
+    <dgm:sp3d/>
+    <dgm:txPr/>
+    <dgm:style>
+      <a:lnRef idx="2">
+        <a:scrgbClr r="0" g="0" b="0"/>
+      </a:lnRef>
+      <a:fillRef idx="1">
+        <a:scrgbClr r="0" g="0" b="0"/>
+      </a:fillRef>
+      <a:effectRef idx="0">
+        <a:scrgbClr r="0" g="0" b="0"/>
+      </a:effectRef>
+      <a:fontRef idx="minor"/>
+    </dgm:style>
+  </dgm:styleLbl>
+  <dgm:styleLbl name="solidBgAcc1">
+    <dgm:scene3d>
+      <a:camera prst="orthographicFront"/>
+      <a:lightRig rig="threePt" dir="t"/>
+    </dgm:scene3d>
+    <dgm:sp3d/>
+    <dgm:txPr/>
+    <dgm:style>
+      <a:lnRef idx="2">
+        <a:scrgbClr r="0" g="0" b="0"/>
+      </a:lnRef>
+      <a:fillRef idx="1">
+        <a:scrgbClr r="0" g="0" b="0"/>
+      </a:fillRef>
+      <a:effectRef idx="0">
+        <a:scrgbClr r="0" g="0" b="0"/>
+      </a:effectRef>
+      <a:fontRef idx="minor"/>
+    </dgm:style>
+  </dgm:styleLbl>
+  <dgm:styleLbl name="fgAccFollowNode1">
+    <dgm:scene3d>
+      <a:camera prst="orthographicFront"/>
+      <a:lightRig rig="threePt" dir="t"/>
+    </dgm:scene3d>
+    <dgm:sp3d/>
+    <dgm:txPr/>
+    <dgm:style>
+      <a:lnRef idx="2">
+        <a:scrgbClr r="0" g="0" b="0"/>
+      </a:lnRef>
+      <a:fillRef idx="1">
+        <a:scrgbClr r="0" g="0" b="0"/>
+      </a:fillRef>
+      <a:effectRef idx="0">
+        <a:scrgbClr r="0" g="0" b="0"/>
+      </a:effectRef>
+      <a:fontRef idx="minor"/>
+    </dgm:style>
+  </dgm:styleLbl>
+  <dgm:styleLbl name="alignAccFollowNode1">
+    <dgm:scene3d>
+      <a:camera prst="orthographicFront"/>
+      <a:lightRig rig="threePt" dir="t"/>
+    </dgm:scene3d>
+    <dgm:sp3d/>
+    <dgm:txPr/>
+    <dgm:style>
+      <a:lnRef idx="2">
+        <a:scrgbClr r="0" g="0" b="0"/>
+      </a:lnRef>
+      <a:fillRef idx="1">
+        <a:scrgbClr r="0" g="0" b="0"/>
+      </a:fillRef>
+      <a:effectRef idx="0">
+        <a:scrgbClr r="0" g="0" b="0"/>
+      </a:effectRef>
+      <a:fontRef idx="minor"/>
+    </dgm:style>
+  </dgm:styleLbl>
+  <dgm:styleLbl name="bgAccFollowNode1">
+    <dgm:scene3d>
+      <a:camera prst="orthographicFront"/>
+      <a:lightRig rig="threePt" dir="t"/>
+    </dgm:scene3d>
+    <dgm:sp3d/>
+    <dgm:txPr/>
+    <dgm:style>
+      <a:lnRef idx="2">
+        <a:scrgbClr r="0" g="0" b="0"/>
+      </a:lnRef>
+      <a:fillRef idx="1">
+        <a:scrgbClr r="0" g="0" b="0"/>
+      </a:fillRef>
+      <a:effectRef idx="0">
+        <a:scrgbClr r="0" g="0" b="0"/>
+      </a:effectRef>
+      <a:fontRef idx="minor"/>
+    </dgm:style>
+  </dgm:styleLbl>
+  <dgm:styleLbl name="fgAcc0">
+    <dgm:scene3d>
+      <a:camera prst="orthographicFront"/>
+      <a:lightRig rig="threePt" dir="t"/>
+    </dgm:scene3d>
+    <dgm:sp3d/>
+    <dgm:txPr/>
+    <dgm:style>
+      <a:lnRef idx="2">
+        <a:scrgbClr r="0" g="0" b="0"/>
+      </a:lnRef>
+      <a:fillRef idx="1">
+        <a:scrgbClr r="0" g="0" b="0"/>
+      </a:fillRef>
+      <a:effectRef idx="0">
+        <a:scrgbClr r="0" g="0" b="0"/>
+      </a:effectRef>
+      <a:fontRef idx="minor"/>
+    </dgm:style>
+  </dgm:styleLbl>
+  <dgm:styleLbl name="fgAcc2">
+    <dgm:scene3d>
+      <a:camera prst="orthographicFront"/>
+      <a:lightRig rig="threePt" dir="t"/>
+    </dgm:scene3d>
+    <dgm:sp3d/>
+    <dgm:txPr/>
+    <dgm:style>
+      <a:lnRef idx="2">
+        <a:scrgbClr r="0" g="0" b="0"/>
+      </a:lnRef>
+      <a:fillRef idx="1">
+        <a:scrgbClr r="0" g="0" b="0"/>
+      </a:fillRef>
+      <a:effectRef idx="0">
+        <a:scrgbClr r="0" g="0" b="0"/>
+      </a:effectRef>
+      <a:fontRef idx="minor"/>
+    </dgm:style>
+  </dgm:styleLbl>
+  <dgm:styleLbl name="fgAcc3">
+    <dgm:scene3d>
+      <a:camera prst="orthographicFront"/>
+      <a:lightRig rig="threePt" dir="t"/>
+    </dgm:scene3d>
+    <dgm:sp3d/>
+    <dgm:txPr/>
+    <dgm:style>
+      <a:lnRef idx="2">
+        <a:scrgbClr r="0" g="0" b="0"/>
+      </a:lnRef>
+      <a:fillRef idx="1">
+        <a:scrgbClr r="0" g="0" b="0"/>
+      </a:fillRef>
+      <a:effectRef idx="0">
+        <a:scrgbClr r="0" g="0" b="0"/>
+      </a:effectRef>
+      <a:fontRef idx="minor"/>
+    </dgm:style>
+  </dgm:styleLbl>
+  <dgm:styleLbl name="fgAcc4">
+    <dgm:scene3d>
+      <a:camera prst="orthographicFront"/>
+      <a:lightRig rig="threePt" dir="t"/>
+    </dgm:scene3d>
+    <dgm:sp3d/>
+    <dgm:txPr/>
+    <dgm:style>
+      <a:lnRef idx="2">
+        <a:scrgbClr r="0" g="0" b="0"/>
+      </a:lnRef>
+      <a:fillRef idx="1">
+        <a:scrgbClr r="0" g="0" b="0"/>
+      </a:fillRef>
+      <a:effectRef idx="0">
+        <a:scrgbClr r="0" g="0" b="0"/>
+      </a:effectRef>
+      <a:fontRef idx="minor"/>
+    </dgm:style>
+  </dgm:styleLbl>
+  <dgm:styleLbl name="bgShp">
+    <dgm:scene3d>
+      <a:camera prst="orthographicFront"/>
+      <a:lightRig rig="threePt" dir="t"/>
+    </dgm:scene3d>
+    <dgm:sp3d/>
+    <dgm:txPr/>
+    <dgm:style>
+      <a:lnRef idx="0">
+        <a:scrgbClr r="0" g="0" b="0"/>
+      </a:lnRef>
+      <a:fillRef idx="1">
+        <a:scrgbClr r="0" g="0" b="0"/>
+      </a:fillRef>
+      <a:effectRef idx="0">
+        <a:scrgbClr r="0" g="0" b="0"/>
+      </a:effectRef>
+      <a:fontRef idx="minor"/>
+    </dgm:style>
+  </dgm:styleLbl>
+  <dgm:styleLbl name="dkBgShp">
+    <dgm:scene3d>
+      <a:camera prst="orthographicFront"/>
+      <a:lightRig rig="threePt" dir="t"/>
+    </dgm:scene3d>
+    <dgm:sp3d/>
+    <dgm:txPr/>
+    <dgm:style>
+      <a:lnRef idx="0">
+        <a:scrgbClr r="0" g="0" b="0"/>
+      </a:lnRef>
+      <a:fillRef idx="1">
+        <a:scrgbClr r="0" g="0" b="0"/>
+      </a:fillRef>
+      <a:effectRef idx="0">
+        <a:scrgbClr r="0" g="0" b="0"/>
+      </a:effectRef>
+      <a:fontRef idx="minor"/>
+    </dgm:style>
+  </dgm:styleLbl>
+  <dgm:styleLbl name="trBgShp">
+    <dgm:scene3d>
+      <a:camera prst="orthographicFront"/>
+      <a:lightRig rig="threePt" dir="t"/>
+    </dgm:scene3d>
+    <dgm:sp3d/>
+    <dgm:txPr/>
+    <dgm:style>
+      <a:lnRef idx="0">
+        <a:scrgbClr r="0" g="0" b="0"/>
+      </a:lnRef>
+      <a:fillRef idx="1">
+        <a:scrgbClr r="0" g="0" b="0"/>
+      </a:fillRef>
+      <a:effectRef idx="0">
+        <a:scrgbClr r="0" g="0" b="0"/>
+      </a:effectRef>
+      <a:fontRef idx="minor"/>
+    </dgm:style>
+  </dgm:styleLbl>
+  <dgm:styleLbl name="fgShp">
+    <dgm:scene3d>
+      <a:camera prst="orthographicFront"/>
+      <a:lightRig rig="threePt" dir="t"/>
+    </dgm:scene3d>
+    <dgm:sp3d/>
+    <dgm:txPr/>
+    <dgm:style>
+      <a:lnRef idx="2">
+        <a:scrgbClr r="0" g="0" b="0"/>
+      </a:lnRef>
+      <a:fillRef idx="1">
+        <a:scrgbClr r="0" g="0" b="0"/>
+      </a:fillRef>
+      <a:effectRef idx="0">
+        <a:scrgbClr r="0" g="0" b="0"/>
+      </a:effectRef>
+      <a:fontRef idx="minor"/>
+    </dgm:style>
+  </dgm:styleLbl>
+  <dgm:styleLbl name="revTx">
+    <dgm:scene3d>
+      <a:camera prst="orthographicFront"/>
+      <a:lightRig rig="threePt" dir="t"/>
+    </dgm:scene3d>
+    <dgm:sp3d/>
+    <dgm:txPr/>
+    <dgm:style>
+      <a:lnRef idx="0">
+        <a:scrgbClr r="0" g="0" b="0"/>
+      </a:lnRef>
+      <a:fillRef idx="0">
+        <a:scrgbClr r="0" g="0" b="0"/>
+      </a:fillRef>
+      <a:effectRef idx="0">
+        <a:scrgbClr r="0" g="0" b="0"/>
+      </a:effectRef>
+      <a:fontRef idx="minor"/>
+    </dgm:style>
+  </dgm:styleLbl>
+</dgm:styleDef>
+</file>
+
+<file path=ppt/diagrams/quickStyle3.xml><?xml version="1.0" encoding="utf-8"?>
+<dgm:styleDef xmlns:dgm="http://schemas.openxmlformats.org/drawingml/2006/diagram" xmlns:a="http://schemas.openxmlformats.org/drawingml/2006/main" uniqueId="urn:microsoft.com/office/officeart/2005/8/quickstyle/simple1">
+  <dgm:title val=""/>
+  <dgm:desc val=""/>
+  <dgm:catLst>
+    <dgm:cat type="simple" pri="10100"/>
+  </dgm:catLst>
+  <dgm:scene3d>
+    <a:camera prst="orthographicFront"/>
+    <a:lightRig rig="threePt" dir="t"/>
+  </dgm:scene3d>
+  <dgm:styleLbl name="node0">
+    <dgm:scene3d>
+      <a:camera prst="orthographicFront"/>
+      <a:lightRig rig="threePt" dir="t"/>
+    </dgm:scene3d>
+    <dgm:sp3d/>
+    <dgm:txPr/>
+    <dgm:style>
+      <a:lnRef idx="2">
+        <a:scrgbClr r="0" g="0" b="0"/>
+      </a:lnRef>
+      <a:fillRef idx="1">
+        <a:scrgbClr r="0" g="0" b="0"/>
+      </a:fillRef>
+      <a:effectRef idx="0">
+        <a:scrgbClr r="0" g="0" b="0"/>
+      </a:effectRef>
+      <a:fontRef idx="minor">
+        <a:schemeClr val="lt1"/>
+      </a:fontRef>
+    </dgm:style>
+  </dgm:styleLbl>
+  <dgm:styleLbl name="lnNode1">
+    <dgm:scene3d>
+      <a:camera prst="orthographicFront"/>
+      <a:lightRig rig="threePt" dir="t"/>
+    </dgm:scene3d>
+    <dgm:sp3d/>
+    <dgm:txPr/>
+    <dgm:style>
+      <a:lnRef idx="2">
+        <a:scrgbClr r="0" g="0" b="0"/>
+      </a:lnRef>
+      <a:fillRef idx="1">
+        <a:scrgbClr r="0" g="0" b="0"/>
+      </a:fillRef>
+      <a:effectRef idx="0">
+        <a:scrgbClr r="0" g="0" b="0"/>
+      </a:effectRef>
+      <a:fontRef idx="minor">
+        <a:schemeClr val="lt1"/>
+      </a:fontRef>
+    </dgm:style>
+  </dgm:styleLbl>
+  <dgm:styleLbl name="vennNode1">
+    <dgm:scene3d>
+      <a:camera prst="orthographicFront"/>
+      <a:lightRig rig="threePt" dir="t"/>
+    </dgm:scene3d>
+    <dgm:sp3d/>
+    <dgm:txPr/>
+    <dgm:style>
+      <a:lnRef idx="2">
+        <a:scrgbClr r="0" g="0" b="0"/>
+      </a:lnRef>
+      <a:fillRef idx="1">
+        <a:scrgbClr r="0" g="0" b="0"/>
+      </a:fillRef>
+      <a:effectRef idx="0">
+        <a:scrgbClr r="0" g="0" b="0"/>
+      </a:effectRef>
+      <a:fontRef idx="minor">
+        <a:schemeClr val="tx1"/>
+      </a:fontRef>
+    </dgm:style>
+  </dgm:styleLbl>
+  <dgm:styleLbl name="alignNode1">
+    <dgm:scene3d>
+      <a:camera prst="orthographicFront"/>
+      <a:lightRig rig="threePt" dir="t"/>
+    </dgm:scene3d>
+    <dgm:sp3d/>
+    <dgm:txPr/>
+    <dgm:style>
+      <a:lnRef idx="2">
+        <a:scrgbClr r="0" g="0" b="0"/>
+      </a:lnRef>
+      <a:fillRef idx="1">
+        <a:scrgbClr r="0" g="0" b="0"/>
+      </a:fillRef>
+      <a:effectRef idx="0">
+        <a:scrgbClr r="0" g="0" b="0"/>
+      </a:effectRef>
+      <a:fontRef idx="minor">
+        <a:schemeClr val="lt1"/>
+      </a:fontRef>
+    </dgm:style>
+  </dgm:styleLbl>
+  <dgm:styleLbl name="node1">
+    <dgm:scene3d>
+      <a:camera prst="orthographicFront"/>
+      <a:lightRig rig="threePt" dir="t"/>
+    </dgm:scene3d>
+    <dgm:sp3d/>
+    <dgm:txPr/>
+    <dgm:style>
+      <a:lnRef idx="2">
+        <a:scrgbClr r="0" g="0" b="0"/>
+      </a:lnRef>
+      <a:fillRef idx="1">
+        <a:scrgbClr r="0" g="0" b="0"/>
+      </a:fillRef>
+      <a:effectRef idx="0">
+        <a:scrgbClr r="0" g="0" b="0"/>
+      </a:effectRef>
+      <a:fontRef idx="minor">
+        <a:schemeClr val="lt1"/>
+      </a:fontRef>
+    </dgm:style>
+  </dgm:styleLbl>
+  <dgm:styleLbl name="node2">
+    <dgm:scene3d>
+      <a:camera prst="orthographicFront"/>
+      <a:lightRig rig="threePt" dir="t"/>
+    </dgm:scene3d>
+    <dgm:sp3d/>
+    <dgm:txPr/>
+    <dgm:style>
+      <a:lnRef idx="2">
+        <a:scrgbClr r="0" g="0" b="0"/>
+      </a:lnRef>
+      <a:fillRef idx="1">
+        <a:scrgbClr r="0" g="0" b="0"/>
+      </a:fillRef>
+      <a:effectRef idx="0">
+        <a:scrgbClr r="0" g="0" b="0"/>
+      </a:effectRef>
+      <a:fontRef idx="minor">
+        <a:schemeClr val="lt1"/>
+      </a:fontRef>
+    </dgm:style>
+  </dgm:styleLbl>
+  <dgm:styleLbl name="node3">
+    <dgm:scene3d>
+      <a:camera prst="orthographicFront"/>
+      <a:lightRig rig="threePt" dir="t"/>
+    </dgm:scene3d>
+    <dgm:sp3d/>
+    <dgm:txPr/>
+    <dgm:style>
+      <a:lnRef idx="2">
+        <a:scrgbClr r="0" g="0" b="0"/>
+      </a:lnRef>
+      <a:fillRef idx="1">
+        <a:scrgbClr r="0" g="0" b="0"/>
+      </a:fillRef>
+      <a:effectRef idx="0">
+        <a:scrgbClr r="0" g="0" b="0"/>
+      </a:effectRef>
+      <a:fontRef idx="minor">
+        <a:schemeClr val="lt1"/>
+      </a:fontRef>
+    </dgm:style>
+  </dgm:styleLbl>
+  <dgm:styleLbl name="node4">
+    <dgm:scene3d>
+      <a:camera prst="orthographicFront"/>
+      <a:lightRig rig="threePt" dir="t"/>
+    </dgm:scene3d>
+    <dgm:sp3d/>
+    <dgm:txPr/>
+    <dgm:style>
+      <a:lnRef idx="2">
+        <a:scrgbClr r="0" g="0" b="0"/>
+      </a:lnRef>
+      <a:fillRef idx="1">
+        <a:scrgbClr r="0" g="0" b="0"/>
+      </a:fillRef>
+      <a:effectRef idx="0">
+        <a:scrgbClr r="0" g="0" b="0"/>
+      </a:effectRef>
+      <a:fontRef idx="minor">
+        <a:schemeClr val="lt1"/>
+      </a:fontRef>
+    </dgm:style>
+  </dgm:styleLbl>
+  <dgm:styleLbl name="fgImgPlace1">
+    <dgm:scene3d>
+      <a:camera prst="orthographicFront"/>
+      <a:lightRig rig="threePt" dir="t"/>
+    </dgm:scene3d>
+    <dgm:sp3d/>
+    <dgm:txPr/>
+    <dgm:style>
+      <a:lnRef idx="2">
+        <a:scrgbClr r="0" g="0" b="0"/>
+      </a:lnRef>
+      <a:fillRef idx="1">
+        <a:scrgbClr r="0" g="0" b="0"/>
+      </a:fillRef>
+      <a:effectRef idx="0">
+        <a:scrgbClr r="0" g="0" b="0"/>
+      </a:effectRef>
+      <a:fontRef idx="minor"/>
+    </dgm:style>
+  </dgm:styleLbl>
+  <dgm:styleLbl name="alignImgPlace1">
+    <dgm:scene3d>
+      <a:camera prst="orthographicFront"/>
+      <a:lightRig rig="threePt" dir="t"/>
+    </dgm:scene3d>
+    <dgm:sp3d/>
+    <dgm:txPr/>
+    <dgm:style>
+      <a:lnRef idx="2">
+        <a:scrgbClr r="0" g="0" b="0"/>
+      </a:lnRef>
+      <a:fillRef idx="1">
+        <a:scrgbClr r="0" g="0" b="0"/>
+      </a:fillRef>
+      <a:effectRef idx="0">
+        <a:scrgbClr r="0" g="0" b="0"/>
+      </a:effectRef>
+      <a:fontRef idx="minor"/>
+    </dgm:style>
+  </dgm:styleLbl>
+  <dgm:styleLbl name="bgImgPlace1">
+    <dgm:scene3d>
+      <a:camera prst="orthographicFront"/>
+      <a:lightRig rig="threePt" dir="t"/>
+    </dgm:scene3d>
+    <dgm:sp3d/>
+    <dgm:txPr/>
+    <dgm:style>
+      <a:lnRef idx="2">
+        <a:scrgbClr r="0" g="0" b="0"/>
+      </a:lnRef>
+      <a:fillRef idx="1">
+        <a:scrgbClr r="0" g="0" b="0"/>
+      </a:fillRef>
+      <a:effectRef idx="0">
+        <a:scrgbClr r="0" g="0" b="0"/>
+      </a:effectRef>
+      <a:fontRef idx="minor"/>
+    </dgm:style>
+  </dgm:styleLbl>
+  <dgm:styleLbl name="sibTrans2D1">
+    <dgm:scene3d>
+      <a:camera prst="orthographicFront"/>
+      <a:lightRig rig="threePt" dir="t"/>
+    </dgm:scene3d>
+    <dgm:sp3d/>
+    <dgm:txPr/>
+    <dgm:style>
+      <a:lnRef idx="0">
+        <a:scrgbClr r="0" g="0" b="0"/>
+      </a:lnRef>
+      <a:fillRef idx="1">
+        <a:scrgbClr r="0" g="0" b="0"/>
+      </a:fillRef>
+      <a:effectRef idx="0">
+        <a:scrgbClr r="0" g="0" b="0"/>
+      </a:effectRef>
+      <a:fontRef idx="minor">
+        <a:schemeClr val="lt1"/>
+      </a:fontRef>
+    </dgm:style>
+  </dgm:styleLbl>
+  <dgm:styleLbl name="fgSibTrans2D1">
+    <dgm:scene3d>
+      <a:camera prst="orthographicFront"/>
+      <a:lightRig rig="threePt" dir="t"/>
+    </dgm:scene3d>
+    <dgm:sp3d/>
+    <dgm:txPr/>
+    <dgm:style>
+      <a:lnRef idx="0">
+        <a:scrgbClr r="0" g="0" b="0"/>
+      </a:lnRef>
+      <a:fillRef idx="1">
+        <a:scrgbClr r="0" g="0" b="0"/>
+      </a:fillRef>
+      <a:effectRef idx="0">
+        <a:scrgbClr r="0" g="0" b="0"/>
+      </a:effectRef>
+      <a:fontRef idx="minor">
+        <a:schemeClr val="lt1"/>
+      </a:fontRef>
+    </dgm:style>
+  </dgm:styleLbl>
+  <dgm:styleLbl name="bgSibTrans2D1">
+    <dgm:scene3d>
+      <a:camera prst="orthographicFront"/>
+      <a:lightRig rig="threePt" dir="t"/>
+    </dgm:scene3d>
+    <dgm:sp3d/>
+    <dgm:txPr/>
+    <dgm:style>
+      <a:lnRef idx="0">
+        <a:scrgbClr r="0" g="0" b="0"/>
+      </a:lnRef>
+      <a:fillRef idx="1">
+        <a:scrgbClr r="0" g="0" b="0"/>
+      </a:fillRef>
+      <a:effectRef idx="0">
+        <a:scrgbClr r="0" g="0" b="0"/>
+      </a:effectRef>
+      <a:fontRef idx="minor">
+        <a:schemeClr val="lt1"/>
+      </a:fontRef>
+    </dgm:style>
+  </dgm:styleLbl>
+  <dgm:styleLbl name="sibTrans1D1">
+    <dgm:scene3d>
+      <a:camera prst="orthographicFront"/>
+      <a:lightRig rig="threePt" dir="t"/>
+    </dgm:scene3d>
+    <dgm:sp3d/>
+    <dgm:txPr/>
+    <dgm:style>
+      <a:lnRef idx="1">
+        <a:scrgbClr r="0" g="0" b="0"/>
+      </a:lnRef>
+      <a:fillRef idx="0">
+        <a:scrgbClr r="0" g="0" b="0"/>
+      </a:fillRef>
+      <a:effectRef idx="0">
+        <a:scrgbClr r="0" g="0" b="0"/>
+      </a:effectRef>
+      <a:fontRef idx="minor"/>
+    </dgm:style>
+  </dgm:styleLbl>
+  <dgm:styleLbl name="callout">
+    <dgm:scene3d>
+      <a:camera prst="orthographicFront"/>
+      <a:lightRig rig="threePt" dir="t"/>
+    </dgm:scene3d>
+    <dgm:sp3d/>
+    <dgm:txPr/>
+    <dgm:style>
+      <a:lnRef idx="2">
+        <a:scrgbClr r="0" g="0" b="0"/>
+      </a:lnRef>
+      <a:fillRef idx="1">
+        <a:scrgbClr r="0" g="0" b="0"/>
+      </a:fillRef>
+      <a:effectRef idx="0">
+        <a:scrgbClr r="0" g="0" b="0"/>
+      </a:effectRef>
+      <a:fontRef idx="minor"/>
+    </dgm:style>
+  </dgm:styleLbl>
+  <dgm:styleLbl name="asst0">
+    <dgm:scene3d>
+      <a:camera prst="orthographicFront"/>
+      <a:lightRig rig="threePt" dir="t"/>
+    </dgm:scene3d>
+    <dgm:sp3d/>
+    <dgm:txPr/>
+    <dgm:style>
+      <a:lnRef idx="2">
+        <a:scrgbClr r="0" g="0" b="0"/>
+      </a:lnRef>
+      <a:fillRef idx="1">
+        <a:scrgbClr r="0" g="0" b="0"/>
+      </a:fillRef>
+      <a:effectRef idx="0">
+        <a:scrgbClr r="0" g="0" b="0"/>
+      </a:effectRef>
+      <a:fontRef idx="minor">
+        <a:schemeClr val="lt1"/>
+      </a:fontRef>
+    </dgm:style>
+  </dgm:styleLbl>
+  <dgm:styleLbl name="asst1">
+    <dgm:scene3d>
+      <a:camera prst="orthographicFront"/>
+      <a:lightRig rig="threePt" dir="t"/>
+    </dgm:scene3d>
+    <dgm:sp3d/>
+    <dgm:txPr/>
+    <dgm:style>
+      <a:lnRef idx="2">
+        <a:scrgbClr r="0" g="0" b="0"/>
+      </a:lnRef>
+      <a:fillRef idx="1">
+        <a:scrgbClr r="0" g="0" b="0"/>
+      </a:fillRef>
+      <a:effectRef idx="0">
+        <a:scrgbClr r="0" g="0" b="0"/>
+      </a:effectRef>
+      <a:fontRef idx="minor">
+        <a:schemeClr val="lt1"/>
+      </a:fontRef>
+    </dgm:style>
+  </dgm:styleLbl>
+  <dgm:styleLbl name="asst2">
+    <dgm:scene3d>
+      <a:camera prst="orthographicFront"/>
+      <a:lightRig rig="threePt" dir="t"/>
+    </dgm:scene3d>
+    <dgm:sp3d/>
+    <dgm:txPr/>
+    <dgm:style>
+      <a:lnRef idx="2">
+        <a:scrgbClr r="0" g="0" b="0"/>
+      </a:lnRef>
+      <a:fillRef idx="1">
+        <a:scrgbClr r="0" g="0" b="0"/>
+      </a:fillRef>
+      <a:effectRef idx="0">
+        <a:scrgbClr r="0" g="0" b="0"/>
+      </a:effectRef>
+      <a:fontRef idx="minor">
+        <a:schemeClr val="lt1"/>
+      </a:fontRef>
+    </dgm:style>
+  </dgm:styleLbl>
+  <dgm:styleLbl name="asst3">
+    <dgm:scene3d>
+      <a:camera prst="orthographicFront"/>
+      <a:lightRig rig="threePt" dir="t"/>
+    </dgm:scene3d>
+    <dgm:sp3d/>
+    <dgm:txPr/>
+    <dgm:style>
+      <a:lnRef idx="2">
+        <a:scrgbClr r="0" g="0" b="0"/>
+      </a:lnRef>
+      <a:fillRef idx="1">
+        <a:scrgbClr r="0" g="0" b="0"/>
+      </a:fillRef>
+      <a:effectRef idx="0">
+        <a:scrgbClr r="0" g="0" b="0"/>
+      </a:effectRef>
+      <a:fontRef idx="minor">
+        <a:schemeClr val="lt1"/>
+      </a:fontRef>
+    </dgm:style>
+  </dgm:styleLbl>
+  <dgm:styleLbl name="asst4">
+    <dgm:scene3d>
+      <a:camera prst="orthographicFront"/>
+      <a:lightRig rig="threePt" dir="t"/>
+    </dgm:scene3d>
+    <dgm:sp3d/>
+    <dgm:txPr/>
+    <dgm:style>
+      <a:lnRef idx="2">
+        <a:scrgbClr r="0" g="0" b="0"/>
+      </a:lnRef>
+      <a:fillRef idx="1">
+        <a:scrgbClr r="0" g="0" b="0"/>
+      </a:fillRef>
+      <a:effectRef idx="0">
+        <a:scrgbClr r="0" g="0" b="0"/>
+      </a:effectRef>
+      <a:fontRef idx="minor">
+        <a:schemeClr val="lt1"/>
+      </a:fontRef>
+    </dgm:style>
+  </dgm:styleLbl>
+  <dgm:styleLbl name="parChTrans2D1">
+    <dgm:scene3d>
+      <a:camera prst="orthographicFront"/>
+      <a:lightRig rig="threePt" dir="t"/>
+    </dgm:scene3d>
+    <dgm:sp3d/>
+    <dgm:txPr/>
+    <dgm:style>
+      <a:lnRef idx="2">
+        <a:scrgbClr r="0" g="0" b="0"/>
+      </a:lnRef>
+      <a:fillRef idx="1">
+        <a:scrgbClr r="0" g="0" b="0"/>
+      </a:fillRef>
+      <a:effectRef idx="0">
+        <a:scrgbClr r="0" g="0" b="0"/>
+      </a:effectRef>
+      <a:fontRef idx="minor">
+        <a:schemeClr val="lt1"/>
+      </a:fontRef>
+    </dgm:style>
+  </dgm:styleLbl>
+  <dgm:styleLbl name="parChTrans2D2">
+    <dgm:scene3d>
+      <a:camera prst="orthographicFront"/>
+      <a:lightRig rig="threePt" dir="t"/>
+    </dgm:scene3d>
+    <dgm:sp3d/>
+    <dgm:txPr/>
+    <dgm:style>
+      <a:lnRef idx="2">
+        <a:scrgbClr r="0" g="0" b="0"/>
+      </a:lnRef>
+      <a:fillRef idx="1">
+        <a:scrgbClr r="0" g="0" b="0"/>
+      </a:fillRef>
+      <a:effectRef idx="0">
+        <a:scrgbClr r="0" g="0" b="0"/>
+      </a:effectRef>
+      <a:fontRef idx="minor">
+        <a:schemeClr val="lt1"/>
+      </a:fontRef>
+    </dgm:style>
+  </dgm:styleLbl>
+  <dgm:styleLbl name="parChTrans2D3">
+    <dgm:scene3d>
+      <a:camera prst="orthographicFront"/>
+      <a:lightRig rig="threePt" dir="t"/>
+    </dgm:scene3d>
+    <dgm:sp3d/>
+    <dgm:txPr/>
+    <dgm:style>
+      <a:lnRef idx="2">
+        <a:scrgbClr r="0" g="0" b="0"/>
+      </a:lnRef>
+      <a:fillRef idx="1">
+        <a:scrgbClr r="0" g="0" b="0"/>
+      </a:fillRef>
+      <a:effectRef idx="0">
+        <a:scrgbClr r="0" g="0" b="0"/>
+      </a:effectRef>
+      <a:fontRef idx="minor">
+        <a:schemeClr val="lt1"/>
+      </a:fontRef>
+    </dgm:style>
+  </dgm:styleLbl>
+  <dgm:styleLbl name="parChTrans2D4">
+    <dgm:scene3d>
+      <a:camera prst="orthographicFront"/>
+      <a:lightRig rig="threePt" dir="t"/>
+    </dgm:scene3d>
+    <dgm:sp3d/>
+    <dgm:txPr/>
+    <dgm:style>
+      <a:lnRef idx="2">
+        <a:scrgbClr r="0" g="0" b="0"/>
+      </a:lnRef>
+      <a:fillRef idx="1">
+        <a:scrgbClr r="0" g="0" b="0"/>
+      </a:fillRef>
+      <a:effectRef idx="0">
+        <a:scrgbClr r="0" g="0" b="0"/>
+      </a:effectRef>
+      <a:fontRef idx="minor">
+        <a:schemeClr val="lt1"/>
+      </a:fontRef>
+    </dgm:style>
+  </dgm:styleLbl>
+  <dgm:styleLbl name="parChTrans1D1">
+    <dgm:scene3d>
+      <a:camera prst="orthographicFront"/>
+      <a:lightRig rig="threePt" dir="t"/>
+    </dgm:scene3d>
+    <dgm:sp3d/>
+    <dgm:txPr/>
+    <dgm:style>
+      <a:lnRef idx="2">
+        <a:scrgbClr r="0" g="0" b="0"/>
+      </a:lnRef>
+      <a:fillRef idx="0">
+        <a:scrgbClr r="0" g="0" b="0"/>
+      </a:fillRef>
+      <a:effectRef idx="0">
+        <a:scrgbClr r="0" g="0" b="0"/>
+      </a:effectRef>
+      <a:fontRef idx="minor"/>
+    </dgm:style>
+  </dgm:styleLbl>
+  <dgm:styleLbl name="parChTrans1D2">
+    <dgm:scene3d>
+      <a:camera prst="orthographicFront"/>
+      <a:lightRig rig="threePt" dir="t"/>
+    </dgm:scene3d>
+    <dgm:sp3d/>
+    <dgm:txPr/>
+    <dgm:style>
+      <a:lnRef idx="2">
+        <a:scrgbClr r="0" g="0" b="0"/>
+      </a:lnRef>
+      <a:fillRef idx="0">
+        <a:scrgbClr r="0" g="0" b="0"/>
+      </a:fillRef>
+      <a:effectRef idx="0">
+        <a:scrgbClr r="0" g="0" b="0"/>
+      </a:effectRef>
+      <a:fontRef idx="minor"/>
+    </dgm:style>
+  </dgm:styleLbl>
+  <dgm:styleLbl name="parChTrans1D3">
+    <dgm:scene3d>
+      <a:camera prst="orthographicFront"/>
+      <a:lightRig rig="threePt" dir="t"/>
+    </dgm:scene3d>
+    <dgm:sp3d/>
+    <dgm:txPr/>
+    <dgm:style>
+      <a:lnRef idx="2">
+        <a:scrgbClr r="0" g="0" b="0"/>
+      </a:lnRef>
+      <a:fillRef idx="0">
+        <a:scrgbClr r="0" g="0" b="0"/>
+      </a:fillRef>
+      <a:effectRef idx="0">
+        <a:scrgbClr r="0" g="0" b="0"/>
+      </a:effectRef>
+      <a:fontRef idx="minor"/>
+    </dgm:style>
+  </dgm:styleLbl>
+  <dgm:styleLbl name="parChTrans1D4">
+    <dgm:scene3d>
+      <a:camera prst="orthographicFront"/>
+      <a:lightRig rig="threePt" dir="t"/>
+    </dgm:scene3d>
+    <dgm:sp3d/>
+    <dgm:txPr/>
+    <dgm:style>
+      <a:lnRef idx="2">
+        <a:scrgbClr r="0" g="0" b="0"/>
+      </a:lnRef>
+      <a:fillRef idx="0">
+        <a:scrgbClr r="0" g="0" b="0"/>
+      </a:fillRef>
+      <a:effectRef idx="0">
+        <a:scrgbClr r="0" g="0" b="0"/>
+      </a:effectRef>
+      <a:fontRef idx="minor"/>
+    </dgm:style>
+  </dgm:styleLbl>
+  <dgm:styleLbl name="fgAcc1">
+    <dgm:scene3d>
+      <a:camera prst="orthographicFront"/>
+      <a:lightRig rig="threePt" dir="t"/>
+    </dgm:scene3d>
+    <dgm:sp3d/>
+    <dgm:txPr/>
+    <dgm:style>
+      <a:lnRef idx="2">
+        <a:scrgbClr r="0" g="0" b="0"/>
+      </a:lnRef>
+      <a:fillRef idx="1">
+        <a:scrgbClr r="0" g="0" b="0"/>
+      </a:fillRef>
+      <a:effectRef idx="0">
+        <a:scrgbClr r="0" g="0" b="0"/>
+      </a:effectRef>
+      <a:fontRef idx="minor"/>
+    </dgm:style>
+  </dgm:styleLbl>
+  <dgm:styleLbl name="conFgAcc1">
+    <dgm:scene3d>
+      <a:camera prst="orthographicFront"/>
+      <a:lightRig rig="threePt" dir="t"/>
+    </dgm:scene3d>
+    <dgm:sp3d/>
+    <dgm:txPr/>
+    <dgm:style>
+      <a:lnRef idx="2">
+        <a:scrgbClr r="0" g="0" b="0"/>
+      </a:lnRef>
+      <a:fillRef idx="1">
+        <a:scrgbClr r="0" g="0" b="0"/>
+      </a:fillRef>
+      <a:effectRef idx="0">
+        <a:scrgbClr r="0" g="0" b="0"/>
+      </a:effectRef>
+      <a:fontRef idx="minor"/>
+    </dgm:style>
+  </dgm:styleLbl>
+  <dgm:styleLbl name="alignAcc1">
+    <dgm:scene3d>
+      <a:camera prst="orthographicFront"/>
+      <a:lightRig rig="threePt" dir="t"/>
+    </dgm:scene3d>
+    <dgm:sp3d/>
+    <dgm:txPr/>
+    <dgm:style>
+      <a:lnRef idx="2">
+        <a:scrgbClr r="0" g="0" b="0"/>
+      </a:lnRef>
+      <a:fillRef idx="1">
+        <a:scrgbClr r="0" g="0" b="0"/>
+      </a:fillRef>
+      <a:effectRef idx="0">
+        <a:scrgbClr r="0" g="0" b="0"/>
+      </a:effectRef>
+      <a:fontRef idx="minor"/>
+    </dgm:style>
+  </dgm:styleLbl>
+  <dgm:styleLbl name="trAlignAcc1">
+    <dgm:scene3d>
+      <a:camera prst="orthographicFront"/>
+      <a:lightRig rig="threePt" dir="t"/>
+    </dgm:scene3d>
+    <dgm:sp3d/>
+    <dgm:txPr/>
+    <dgm:style>
+      <a:lnRef idx="1">
+        <a:scrgbClr r="0" g="0" b="0"/>
+      </a:lnRef>
+      <a:fillRef idx="1">
+        <a:scrgbClr r="0" g="0" b="0"/>
+      </a:fillRef>
+      <a:effectRef idx="0">
+        <a:scrgbClr r="0" g="0" b="0"/>
+      </a:effectRef>
+      <a:fontRef idx="minor"/>
+    </dgm:style>
+  </dgm:styleLbl>
+  <dgm:styleLbl name="bgAcc1">
+    <dgm:scene3d>
+      <a:camera prst="orthographicFront"/>
+      <a:lightRig rig="threePt" dir="t"/>
+    </dgm:scene3d>
+    <dgm:sp3d/>
+    <dgm:txPr/>
+    <dgm:style>
+      <a:lnRef idx="2">
+        <a:scrgbClr r="0" g="0" b="0"/>
+      </a:lnRef>
+      <a:fillRef idx="1">
+        <a:scrgbClr r="0" g="0" b="0"/>
+      </a:fillRef>
+      <a:effectRef idx="0">
+        <a:scrgbClr r="0" g="0" b="0"/>
+      </a:effectRef>
+      <a:fontRef idx="minor"/>
+    </dgm:style>
+  </dgm:styleLbl>
+  <dgm:styleLbl name="solidFgAcc1">
+    <dgm:scene3d>
+      <a:camera prst="orthographicFront"/>
+      <a:lightRig rig="threePt" dir="t"/>
+    </dgm:scene3d>
+    <dgm:sp3d/>
+    <dgm:txPr/>
+    <dgm:style>
+      <a:lnRef idx="2">
+        <a:scrgbClr r="0" g="0" b="0"/>
+      </a:lnRef>
+      <a:fillRef idx="1">
+        <a:scrgbClr r="0" g="0" b="0"/>
+      </a:fillRef>
+      <a:effectRef idx="0">
+        <a:scrgbClr r="0" g="0" b="0"/>
+      </a:effectRef>
+      <a:fontRef idx="minor"/>
+    </dgm:style>
+  </dgm:styleLbl>
+  <dgm:styleLbl name="solidAlignAcc1">
+    <dgm:scene3d>
+      <a:camera prst="orthographicFront"/>
+      <a:lightRig rig="threePt" dir="t"/>
+    </dgm:scene3d>
+    <dgm:sp3d/>
+    <dgm:txPr/>
+    <dgm:style>
+      <a:lnRef idx="2">
+        <a:scrgbClr r="0" g="0" b="0"/>
+      </a:lnRef>
+      <a:fillRef idx="1">
+        <a:scrgbClr r="0" g="0" b="0"/>
+      </a:fillRef>
+      <a:effectRef idx="0">
+        <a:scrgbClr r="0" g="0" b="0"/>
+      </a:effectRef>
+      <a:fontRef idx="minor"/>
+    </dgm:style>
+  </dgm:styleLbl>
+  <dgm:styleLbl name="solidBgAcc1">
+    <dgm:scene3d>
+      <a:camera prst="orthographicFront"/>
+      <a:lightRig rig="threePt" dir="t"/>
+    </dgm:scene3d>
+    <dgm:sp3d/>
+    <dgm:txPr/>
+    <dgm:style>
+      <a:lnRef idx="2">
+        <a:scrgbClr r="0" g="0" b="0"/>
+      </a:lnRef>
+      <a:fillRef idx="1">
+        <a:scrgbClr r="0" g="0" b="0"/>
+      </a:fillRef>
+      <a:effectRef idx="0">
+        <a:scrgbClr r="0" g="0" b="0"/>
+      </a:effectRef>
+      <a:fontRef idx="minor"/>
+    </dgm:style>
+  </dgm:styleLbl>
+  <dgm:styleLbl name="fgAccFollowNode1">
+    <dgm:scene3d>
+      <a:camera prst="orthographicFront"/>
+      <a:lightRig rig="threePt" dir="t"/>
+    </dgm:scene3d>
+    <dgm:sp3d/>
+    <dgm:txPr/>
+    <dgm:style>
+      <a:lnRef idx="2">
+        <a:scrgbClr r="0" g="0" b="0"/>
+      </a:lnRef>
+      <a:fillRef idx="1">
+        <a:scrgbClr r="0" g="0" b="0"/>
+      </a:fillRef>
+      <a:effectRef idx="0">
+        <a:scrgbClr r="0" g="0" b="0"/>
+      </a:effectRef>
+      <a:fontRef idx="minor"/>
+    </dgm:style>
+  </dgm:styleLbl>
+  <dgm:styleLbl name="alignAccFollowNode1">
+    <dgm:scene3d>
+      <a:camera prst="orthographicFront"/>
+      <a:lightRig rig="threePt" dir="t"/>
+    </dgm:scene3d>
+    <dgm:sp3d/>
+    <dgm:txPr/>
+    <dgm:style>
+      <a:lnRef idx="2">
+        <a:scrgbClr r="0" g="0" b="0"/>
+      </a:lnRef>
+      <a:fillRef idx="1">
+        <a:scrgbClr r="0" g="0" b="0"/>
+      </a:fillRef>
+      <a:effectRef idx="0">
+        <a:scrgbClr r="0" g="0" b="0"/>
+      </a:effectRef>
+      <a:fontRef idx="minor"/>
+    </dgm:style>
+  </dgm:styleLbl>
+  <dgm:styleLbl name="bgAccFollowNode1">
+    <dgm:scene3d>
+      <a:camera prst="orthographicFront"/>
+      <a:lightRig rig="threePt" dir="t"/>
+    </dgm:scene3d>
+    <dgm:sp3d/>
+    <dgm:txPr/>
+    <dgm:style>
+      <a:lnRef idx="2">
+        <a:scrgbClr r="0" g="0" b="0"/>
+      </a:lnRef>
+      <a:fillRef idx="1">
+        <a:scrgbClr r="0" g="0" b="0"/>
+      </a:fillRef>
+      <a:effectRef idx="0">
+        <a:scrgbClr r="0" g="0" b="0"/>
+      </a:effectRef>
+      <a:fontRef idx="minor"/>
+    </dgm:style>
+  </dgm:styleLbl>
+  <dgm:styleLbl name="fgAcc0">
+    <dgm:scene3d>
+      <a:camera prst="orthographicFront"/>
+      <a:lightRig rig="threePt" dir="t"/>
+    </dgm:scene3d>
+    <dgm:sp3d/>
+    <dgm:txPr/>
+    <dgm:style>
+      <a:lnRef idx="2">
+        <a:scrgbClr r="0" g="0" b="0"/>
+      </a:lnRef>
+      <a:fillRef idx="1">
+        <a:scrgbClr r="0" g="0" b="0"/>
+      </a:fillRef>
+      <a:effectRef idx="0">
+        <a:scrgbClr r="0" g="0" b="0"/>
+      </a:effectRef>
+      <a:fontRef idx="minor"/>
+    </dgm:style>
+  </dgm:styleLbl>
+  <dgm:styleLbl name="fgAcc2">
+    <dgm:scene3d>
+      <a:camera prst="orthographicFront"/>
+      <a:lightRig rig="threePt" dir="t"/>
+    </dgm:scene3d>
+    <dgm:sp3d/>
+    <dgm:txPr/>
+    <dgm:style>
+      <a:lnRef idx="2">
+        <a:scrgbClr r="0" g="0" b="0"/>
+      </a:lnRef>
+      <a:fillRef idx="1">
+        <a:scrgbClr r="0" g="0" b="0"/>
+      </a:fillRef>
+      <a:effectRef idx="0">
+        <a:scrgbClr r="0" g="0" b="0"/>
+      </a:effectRef>
+      <a:fontRef idx="minor"/>
+    </dgm:style>
+  </dgm:styleLbl>
+  <dgm:styleLbl name="fgAcc3">
+    <dgm:scene3d>
+      <a:camera prst="orthographicFront"/>
+      <a:lightRig rig="threePt" dir="t"/>
+    </dgm:scene3d>
+    <dgm:sp3d/>
+    <dgm:txPr/>
+    <dgm:style>
+      <a:lnRef idx="2">
+        <a:scrgbClr r="0" g="0" b="0"/>
+      </a:lnRef>
+      <a:fillRef idx="1">
+        <a:scrgbClr r="0" g="0" b="0"/>
+      </a:fillRef>
+      <a:effectRef idx="0">
+        <a:scrgbClr r="0" g="0" b="0"/>
+      </a:effectRef>
+      <a:fontRef idx="minor"/>
+    </dgm:style>
+  </dgm:styleLbl>
+  <dgm:styleLbl name="fgAcc4">
+    <dgm:scene3d>
+      <a:camera prst="orthographicFront"/>
+      <a:lightRig rig="threePt" dir="t"/>
+    </dgm:scene3d>
+    <dgm:sp3d/>
+    <dgm:txPr/>
+    <dgm:style>
+      <a:lnRef idx="2">
+        <a:scrgbClr r="0" g="0" b="0"/>
+      </a:lnRef>
+      <a:fillRef idx="1">
+        <a:scrgbClr r="0" g="0" b="0"/>
+      </a:fillRef>
+      <a:effectRef idx="0">
+        <a:scrgbClr r="0" g="0" b="0"/>
+      </a:effectRef>
+      <a:fontRef idx="minor"/>
+    </dgm:style>
+  </dgm:styleLbl>
+  <dgm:styleLbl name="bgShp">
+    <dgm:scene3d>
+      <a:camera prst="orthographicFront"/>
+      <a:lightRig rig="threePt" dir="t"/>
+    </dgm:scene3d>
+    <dgm:sp3d/>
+    <dgm:txPr/>
+    <dgm:style>
+      <a:lnRef idx="0">
+        <a:scrgbClr r="0" g="0" b="0"/>
+      </a:lnRef>
+      <a:fillRef idx="1">
+        <a:scrgbClr r="0" g="0" b="0"/>
+      </a:fillRef>
+      <a:effectRef idx="0">
+        <a:scrgbClr r="0" g="0" b="0"/>
+      </a:effectRef>
+      <a:fontRef idx="minor"/>
+    </dgm:style>
+  </dgm:styleLbl>
+  <dgm:styleLbl name="dkBgShp">
+    <dgm:scene3d>
+      <a:camera prst="orthographicFront"/>
+      <a:lightRig rig="threePt" dir="t"/>
+    </dgm:scene3d>
+    <dgm:sp3d/>
+    <dgm:txPr/>
+    <dgm:style>
+      <a:lnRef idx="0">
+        <a:scrgbClr r="0" g="0" b="0"/>
+      </a:lnRef>
+      <a:fillRef idx="1">
+        <a:scrgbClr r="0" g="0" b="0"/>
+      </a:fillRef>
+      <a:effectRef idx="0">
+        <a:scrgbClr r="0" g="0" b="0"/>
+      </a:effectRef>
+      <a:fontRef idx="minor"/>
+    </dgm:style>
+  </dgm:styleLbl>
+  <dgm:styleLbl name="trBgShp">
+    <dgm:scene3d>
+      <a:camera prst="orthographicFront"/>
+      <a:lightRig rig="threePt" dir="t"/>
+    </dgm:scene3d>
+    <dgm:sp3d/>
+    <dgm:txPr/>
+    <dgm:style>
+      <a:lnRef idx="0">
+        <a:scrgbClr r="0" g="0" b="0"/>
+      </a:lnRef>
+      <a:fillRef idx="1">
+        <a:scrgbClr r="0" g="0" b="0"/>
+      </a:fillRef>
+      <a:effectRef idx="0">
+        <a:scrgbClr r="0" g="0" b="0"/>
+      </a:effectRef>
+      <a:fontRef idx="minor"/>
+    </dgm:style>
+  </dgm:styleLbl>
+  <dgm:styleLbl name="fgShp">
+    <dgm:scene3d>
+      <a:camera prst="orthographicFront"/>
+      <a:lightRig rig="threePt" dir="t"/>
+    </dgm:scene3d>
+    <dgm:sp3d/>
+    <dgm:txPr/>
+    <dgm:style>
+      <a:lnRef idx="2">
+        <a:scrgbClr r="0" g="0" b="0"/>
+      </a:lnRef>
+      <a:fillRef idx="1">
+        <a:scrgbClr r="0" g="0" b="0"/>
+      </a:fillRef>
+      <a:effectRef idx="0">
+        <a:scrgbClr r="0" g="0" b="0"/>
+      </a:effectRef>
+      <a:fontRef idx="minor"/>
+    </dgm:style>
+  </dgm:styleLbl>
+  <dgm:styleLbl name="revTx">
+    <dgm:scene3d>
+      <a:camera prst="orthographicFront"/>
+      <a:lightRig rig="threePt" dir="t"/>
+    </dgm:scene3d>
+    <dgm:sp3d/>
+    <dgm:txPr/>
+    <dgm:style>
+      <a:lnRef idx="0">
+        <a:scrgbClr r="0" g="0" b="0"/>
+      </a:lnRef>
+      <a:fillRef idx="0">
+        <a:scrgbClr r="0" g="0" b="0"/>
+      </a:fillRef>
+      <a:effectRef idx="0">
+        <a:scrgbClr r="0" g="0" b="0"/>
+      </a:effectRef>
+      <a:fontRef idx="minor"/>
+    </dgm:style>
+  </dgm:styleLbl>
+</dgm:styleDef>
+</file>
+
 <file path=ppt/slideLayouts/slideLayout1.xml><?xml version="1.0" encoding="utf-8"?>
 <p:sldLayout xmlns:a="http://schemas.openxmlformats.org/drawingml/2006/main" xmlns:r="http://schemas.openxmlformats.org/officeDocument/2006/relationships" xmlns:p="http://schemas.openxmlformats.org/presentationml/2006/main" type="title" preserve="1">
   <p:cSld name="Title Slide">
@@ -4369,7 +12151,7 @@
           <a:p>
             <a:fld id="{07D8F565-4760-49A4-B023-C180E026418C}" type="datetimeFigureOut">
               <a:rPr lang="en-GB" smtClean="0"/>
-              <a:t>27/11/2016</a:t>
+              <a:t>28/11/2016</a:t>
             </a:fld>
             <a:endParaRPr lang="en-GB"/>
           </a:p>
@@ -4539,7 +12321,7 @@
           <a:p>
             <a:fld id="{07D8F565-4760-49A4-B023-C180E026418C}" type="datetimeFigureOut">
               <a:rPr lang="en-GB" smtClean="0"/>
-              <a:t>27/11/2016</a:t>
+              <a:t>28/11/2016</a:t>
             </a:fld>
             <a:endParaRPr lang="en-GB"/>
           </a:p>
@@ -4719,7 +12501,7 @@
           <a:p>
             <a:fld id="{07D8F565-4760-49A4-B023-C180E026418C}" type="datetimeFigureOut">
               <a:rPr lang="en-GB" smtClean="0"/>
-              <a:t>27/11/2016</a:t>
+              <a:t>28/11/2016</a:t>
             </a:fld>
             <a:endParaRPr lang="en-GB"/>
           </a:p>
@@ -4889,7 +12671,7 @@
           <a:p>
             <a:fld id="{07D8F565-4760-49A4-B023-C180E026418C}" type="datetimeFigureOut">
               <a:rPr lang="en-GB" smtClean="0"/>
-              <a:t>27/11/2016</a:t>
+              <a:t>28/11/2016</a:t>
             </a:fld>
             <a:endParaRPr lang="en-GB"/>
           </a:p>
@@ -5135,7 +12917,7 @@
           <a:p>
             <a:fld id="{07D8F565-4760-49A4-B023-C180E026418C}" type="datetimeFigureOut">
               <a:rPr lang="en-GB" smtClean="0"/>
-              <a:t>27/11/2016</a:t>
+              <a:t>28/11/2016</a:t>
             </a:fld>
             <a:endParaRPr lang="en-GB"/>
           </a:p>
@@ -5423,7 +13205,7 @@
           <a:p>
             <a:fld id="{07D8F565-4760-49A4-B023-C180E026418C}" type="datetimeFigureOut">
               <a:rPr lang="en-GB" smtClean="0"/>
-              <a:t>27/11/2016</a:t>
+              <a:t>28/11/2016</a:t>
             </a:fld>
             <a:endParaRPr lang="en-GB"/>
           </a:p>
@@ -5845,7 +13627,7 @@
           <a:p>
             <a:fld id="{07D8F565-4760-49A4-B023-C180E026418C}" type="datetimeFigureOut">
               <a:rPr lang="en-GB" smtClean="0"/>
-              <a:t>27/11/2016</a:t>
+              <a:t>28/11/2016</a:t>
             </a:fld>
             <a:endParaRPr lang="en-GB"/>
           </a:p>
@@ -5963,7 +13745,7 @@
           <a:p>
             <a:fld id="{07D8F565-4760-49A4-B023-C180E026418C}" type="datetimeFigureOut">
               <a:rPr lang="en-GB" smtClean="0"/>
-              <a:t>27/11/2016</a:t>
+              <a:t>28/11/2016</a:t>
             </a:fld>
             <a:endParaRPr lang="en-GB"/>
           </a:p>
@@ -6058,7 +13840,7 @@
           <a:p>
             <a:fld id="{07D8F565-4760-49A4-B023-C180E026418C}" type="datetimeFigureOut">
               <a:rPr lang="en-GB" smtClean="0"/>
-              <a:t>27/11/2016</a:t>
+              <a:t>28/11/2016</a:t>
             </a:fld>
             <a:endParaRPr lang="en-GB"/>
           </a:p>
@@ -6335,7 +14117,7 @@
           <a:p>
             <a:fld id="{07D8F565-4760-49A4-B023-C180E026418C}" type="datetimeFigureOut">
               <a:rPr lang="en-GB" smtClean="0"/>
-              <a:t>27/11/2016</a:t>
+              <a:t>28/11/2016</a:t>
             </a:fld>
             <a:endParaRPr lang="en-GB"/>
           </a:p>
@@ -6588,7 +14370,7 @@
           <a:p>
             <a:fld id="{07D8F565-4760-49A4-B023-C180E026418C}" type="datetimeFigureOut">
               <a:rPr lang="en-GB" smtClean="0"/>
-              <a:t>27/11/2016</a:t>
+              <a:t>28/11/2016</a:t>
             </a:fld>
             <a:endParaRPr lang="en-GB"/>
           </a:p>
@@ -6801,7 +14583,7 @@
           <a:p>
             <a:fld id="{07D8F565-4760-49A4-B023-C180E026418C}" type="datetimeFigureOut">
               <a:rPr lang="en-GB" smtClean="0"/>
-              <a:t>27/11/2016</a:t>
+              <a:t>28/11/2016</a:t>
             </a:fld>
             <a:endParaRPr lang="en-GB"/>
           </a:p>
@@ -7325,6 +15107,307 @@
 </p:sld>
 </file>
 
+<file path=ppt/slides/slide2.xml><?xml version="1.0" encoding="utf-8"?>
+<p:sld xmlns:a="http://schemas.openxmlformats.org/drawingml/2006/main" xmlns:r="http://schemas.openxmlformats.org/officeDocument/2006/relationships" xmlns:p="http://schemas.openxmlformats.org/presentationml/2006/main">
+  <p:cSld>
+    <p:spTree>
+      <p:nvGrpSpPr>
+        <p:cNvPr id="1" name=""/>
+        <p:cNvGrpSpPr/>
+        <p:nvPr/>
+      </p:nvGrpSpPr>
+      <p:grpSpPr>
+        <a:xfrm>
+          <a:off x="0" y="0"/>
+          <a:ext cx="0" cy="0"/>
+          <a:chOff x="0" y="0"/>
+          <a:chExt cx="0" cy="0"/>
+        </a:xfrm>
+      </p:grpSpPr>
+      <p:graphicFrame>
+        <p:nvGraphicFramePr>
+          <p:cNvPr id="5" name="Diagram 4"/>
+          <p:cNvGraphicFramePr/>
+          <p:nvPr>
+            <p:extLst>
+              <p:ext uri="{D42A27DB-BD31-4B8C-83A1-F6EECF244321}">
+                <p14:modId xmlns:p14="http://schemas.microsoft.com/office/powerpoint/2010/main" val="2043324756"/>
+              </p:ext>
+            </p:extLst>
+          </p:nvPr>
+        </p:nvGraphicFramePr>
+        <p:xfrm>
+          <a:off x="0" y="44624"/>
+          <a:ext cx="8892480" cy="5832648"/>
+        </p:xfrm>
+        <a:graphic>
+          <a:graphicData uri="http://schemas.openxmlformats.org/drawingml/2006/diagram">
+            <dgm:relIds xmlns:dgm="http://schemas.openxmlformats.org/drawingml/2006/diagram" xmlns:r="http://schemas.openxmlformats.org/officeDocument/2006/relationships" r:dm="rId2" r:lo="rId3" r:qs="rId4" r:cs="rId5"/>
+          </a:graphicData>
+        </a:graphic>
+      </p:graphicFrame>
+      <p:cxnSp>
+        <p:nvCxnSpPr>
+          <p:cNvPr id="3" name="Straight Arrow Connector 2"/>
+          <p:cNvCxnSpPr/>
+          <p:nvPr/>
+        </p:nvCxnSpPr>
+        <p:spPr>
+          <a:xfrm flipH="1">
+            <a:off x="3995936" y="3212976"/>
+            <a:ext cx="1440160" cy="0"/>
+          </a:xfrm>
+          <a:prstGeom prst="straightConnector1">
+            <a:avLst/>
+          </a:prstGeom>
+          <a:ln w="28575">
+            <a:tailEnd type="arrow"/>
+          </a:ln>
+        </p:spPr>
+        <p:style>
+          <a:lnRef idx="1">
+            <a:schemeClr val="accent1"/>
+          </a:lnRef>
+          <a:fillRef idx="0">
+            <a:schemeClr val="accent1"/>
+          </a:fillRef>
+          <a:effectRef idx="0">
+            <a:schemeClr val="accent1"/>
+          </a:effectRef>
+          <a:fontRef idx="minor">
+            <a:schemeClr val="tx1"/>
+          </a:fontRef>
+        </p:style>
+      </p:cxnSp>
+      <p:sp>
+        <p:nvSpPr>
+          <p:cNvPr id="10" name="Right Brace 9"/>
+          <p:cNvSpPr/>
+          <p:nvPr/>
+        </p:nvSpPr>
+        <p:spPr>
+          <a:xfrm rot="5400000">
+            <a:off x="2879812" y="2708920"/>
+            <a:ext cx="576064" cy="5904656"/>
+          </a:xfrm>
+          <a:prstGeom prst="rightBrace">
+            <a:avLst>
+              <a:gd name="adj1" fmla="val 19682"/>
+              <a:gd name="adj2" fmla="val 49270"/>
+            </a:avLst>
+          </a:prstGeom>
+          <a:ln w="28575"/>
+        </p:spPr>
+        <p:style>
+          <a:lnRef idx="1">
+            <a:schemeClr val="accent1"/>
+          </a:lnRef>
+          <a:fillRef idx="0">
+            <a:schemeClr val="accent1"/>
+          </a:fillRef>
+          <a:effectRef idx="0">
+            <a:schemeClr val="accent1"/>
+          </a:effectRef>
+          <a:fontRef idx="minor">
+            <a:schemeClr val="tx1"/>
+          </a:fontRef>
+        </p:style>
+        <p:txBody>
+          <a:bodyPr rtlCol="0" anchor="ctr"/>
+          <a:lstStyle/>
+          <a:p>
+            <a:pPr algn="ctr"/>
+            <a:endParaRPr lang="en-GB"/>
+          </a:p>
+        </p:txBody>
+      </p:sp>
+      <p:sp>
+        <p:nvSpPr>
+          <p:cNvPr id="11" name="Rounded Rectangle 10"/>
+          <p:cNvSpPr/>
+          <p:nvPr/>
+        </p:nvSpPr>
+        <p:spPr>
+          <a:xfrm>
+            <a:off x="683568" y="6021288"/>
+            <a:ext cx="4968552" cy="576064"/>
+          </a:xfrm>
+          <a:prstGeom prst="roundRect">
+            <a:avLst/>
+          </a:prstGeom>
+          <a:solidFill>
+            <a:srgbClr val="C00000"/>
+          </a:solidFill>
+          <a:ln>
+            <a:solidFill>
+              <a:srgbClr val="C00000"/>
+            </a:solidFill>
+          </a:ln>
+        </p:spPr>
+        <p:style>
+          <a:lnRef idx="2">
+            <a:schemeClr val="accent1">
+              <a:shade val="50000"/>
+            </a:schemeClr>
+          </a:lnRef>
+          <a:fillRef idx="1">
+            <a:schemeClr val="accent1"/>
+          </a:fillRef>
+          <a:effectRef idx="0">
+            <a:schemeClr val="accent1"/>
+          </a:effectRef>
+          <a:fontRef idx="minor">
+            <a:schemeClr val="lt1"/>
+          </a:fontRef>
+        </p:style>
+        <p:txBody>
+          <a:bodyPr rtlCol="0" anchor="ctr"/>
+          <a:lstStyle/>
+          <a:p>
+            <a:pPr algn="ctr"/>
+            <a:endParaRPr lang="en-GB"/>
+          </a:p>
+        </p:txBody>
+      </p:sp>
+      <p:sp>
+        <p:nvSpPr>
+          <p:cNvPr id="16" name="Rounded Rectangle 15"/>
+          <p:cNvSpPr/>
+          <p:nvPr/>
+        </p:nvSpPr>
+        <p:spPr>
+          <a:xfrm>
+            <a:off x="835968" y="6173688"/>
+            <a:ext cx="4968552" cy="576064"/>
+          </a:xfrm>
+          <a:prstGeom prst="roundRect">
+            <a:avLst/>
+          </a:prstGeom>
+          <a:solidFill>
+            <a:schemeClr val="bg1"/>
+          </a:solidFill>
+          <a:ln>
+            <a:solidFill>
+              <a:srgbClr val="C00000"/>
+            </a:solidFill>
+          </a:ln>
+        </p:spPr>
+        <p:style>
+          <a:lnRef idx="2">
+            <a:schemeClr val="accent1">
+              <a:shade val="50000"/>
+            </a:schemeClr>
+          </a:lnRef>
+          <a:fillRef idx="1">
+            <a:schemeClr val="accent1"/>
+          </a:fillRef>
+          <a:effectRef idx="0">
+            <a:schemeClr val="accent1"/>
+          </a:effectRef>
+          <a:fontRef idx="minor">
+            <a:schemeClr val="lt1"/>
+          </a:fontRef>
+        </p:style>
+        <p:txBody>
+          <a:bodyPr rtlCol="0" anchor="ctr"/>
+          <a:lstStyle/>
+          <a:p>
+            <a:pPr algn="ctr"/>
+            <a:r>
+              <a:rPr lang="fr-FR" sz="1400" b="1" smtClean="0">
+                <a:solidFill>
+                  <a:schemeClr val="accent4">
+                    <a:lumMod val="50000"/>
+                  </a:schemeClr>
+                </a:solidFill>
+              </a:rPr>
+              <a:t>STEP 4 : </a:t>
+            </a:r>
+            <a:r>
+              <a:rPr lang="fr-FR" sz="1400" smtClean="0">
+                <a:solidFill>
+                  <a:schemeClr val="accent4">
+                    <a:lumMod val="50000"/>
+                  </a:schemeClr>
+                </a:solidFill>
+              </a:rPr>
+              <a:t>Load Full Text item (usually PDF )</a:t>
+            </a:r>
+            <a:endParaRPr lang="en-GB" sz="1400">
+              <a:solidFill>
+                <a:schemeClr val="accent4">
+                  <a:lumMod val="50000"/>
+                </a:schemeClr>
+              </a:solidFill>
+            </a:endParaRPr>
+          </a:p>
+        </p:txBody>
+      </p:sp>
+    </p:spTree>
+    <p:extLst>
+      <p:ext uri="{BB962C8B-B14F-4D97-AF65-F5344CB8AC3E}">
+        <p14:creationId xmlns:p14="http://schemas.microsoft.com/office/powerpoint/2010/main" val="4087401177"/>
+      </p:ext>
+    </p:extLst>
+  </p:cSld>
+  <p:clrMapOvr>
+    <a:masterClrMapping/>
+  </p:clrMapOvr>
+</p:sld>
+</file>
+
+<file path=ppt/slides/slide3.xml><?xml version="1.0" encoding="utf-8"?>
+<p:sld xmlns:a="http://schemas.openxmlformats.org/drawingml/2006/main" xmlns:r="http://schemas.openxmlformats.org/officeDocument/2006/relationships" xmlns:p="http://schemas.openxmlformats.org/presentationml/2006/main">
+  <p:cSld>
+    <p:spTree>
+      <p:nvGrpSpPr>
+        <p:cNvPr id="1" name=""/>
+        <p:cNvGrpSpPr/>
+        <p:nvPr/>
+      </p:nvGrpSpPr>
+      <p:grpSpPr>
+        <a:xfrm>
+          <a:off x="0" y="0"/>
+          <a:ext cx="0" cy="0"/>
+          <a:chOff x="0" y="0"/>
+          <a:chExt cx="0" cy="0"/>
+        </a:xfrm>
+      </p:grpSpPr>
+      <p:graphicFrame>
+        <p:nvGraphicFramePr>
+          <p:cNvPr id="2" name="Diagram 1"/>
+          <p:cNvGraphicFramePr/>
+          <p:nvPr>
+            <p:extLst>
+              <p:ext uri="{D42A27DB-BD31-4B8C-83A1-F6EECF244321}">
+                <p14:modId xmlns:p14="http://schemas.microsoft.com/office/powerpoint/2010/main" val="3401529400"/>
+              </p:ext>
+            </p:extLst>
+          </p:nvPr>
+        </p:nvGraphicFramePr>
+        <p:xfrm>
+          <a:off x="2123728" y="548680"/>
+          <a:ext cx="5400600" cy="4896544"/>
+        </p:xfrm>
+        <a:graphic>
+          <a:graphicData uri="http://schemas.openxmlformats.org/drawingml/2006/diagram">
+            <dgm:relIds xmlns:dgm="http://schemas.openxmlformats.org/drawingml/2006/diagram" xmlns:r="http://schemas.openxmlformats.org/officeDocument/2006/relationships" r:dm="rId2" r:lo="rId3" r:qs="rId4" r:cs="rId5"/>
+          </a:graphicData>
+        </a:graphic>
+      </p:graphicFrame>
+    </p:spTree>
+    <p:extLst>
+      <p:ext uri="{BB962C8B-B14F-4D97-AF65-F5344CB8AC3E}">
+        <p14:creationId xmlns:p14="http://schemas.microsoft.com/office/powerpoint/2010/main" val="2383927675"/>
+      </p:ext>
+    </p:extLst>
+  </p:cSld>
+  <p:clrMapOvr>
+    <a:masterClrMapping/>
+  </p:clrMapOvr>
+</p:sld>
+</file>
+
 <file path=ppt/theme/theme1.xml><?xml version="1.0" encoding="utf-8"?>
 <a:theme xmlns:a="http://schemas.openxmlformats.org/drawingml/2006/main" name="Office Theme">
   <a:themeElements>
